--- a/CBB3DAlgorithm/Fitting/拟合.pptx
+++ b/CBB3DAlgorithm/Fitting/拟合.pptx
@@ -7,11 +7,18 @@
   <p:sldIdLst>
     <p:sldId id="256" r:id="rId3"/>
     <p:sldId id="257" r:id="rId4"/>
+    <p:sldId id="263" r:id="rId5"/>
+    <p:sldId id="258" r:id="rId6"/>
+    <p:sldId id="259" r:id="rId7"/>
+    <p:sldId id="260" r:id="rId8"/>
+    <p:sldId id="261" r:id="rId9"/>
+    <p:sldId id="262" r:id="rId10"/>
+    <p:sldId id="264" r:id="rId11"/>
   </p:sldIdLst>
   <p:sldSz cx="12192000" cy="6858000"/>
   <p:notesSz cx="6858000" cy="9144000"/>
   <p:custDataLst>
-    <p:tags r:id="rId8"/>
+    <p:tags r:id="rId15"/>
   </p:custDataLst>
   <p:defaultTextStyle>
     <a:defPPr>
@@ -3632,7 +3639,7 @@
             </a:r>
             <a:r>
               <a:rPr lang="en-US" altLang="zh-CN"/>
-              <a:t>(x0, y0, -ax0,-by0)</a:t>
+              <a:t>(x0, y0, -ax0-by0)</a:t>
             </a:r>
             <a:endParaRPr lang="en-US" altLang="zh-CN"/>
           </a:p>
@@ -3675,51 +3682,7065 @@
 </p:sld>
 </file>
 
+<file path=ppt/slides/slide3.xml><?xml version="1.0" encoding="utf-8"?>
+<p:sld xmlns:a="http://schemas.openxmlformats.org/drawingml/2006/main" xmlns:r="http://schemas.openxmlformats.org/officeDocument/2006/relationships" xmlns:p="http://schemas.openxmlformats.org/presentationml/2006/main">
+  <p:cSld>
+    <p:spTree>
+      <p:nvGrpSpPr>
+        <p:cNvPr id="1" name=""/>
+        <p:cNvGrpSpPr/>
+        <p:nvPr/>
+      </p:nvGrpSpPr>
+      <p:grpSpPr/>
+      <p:cxnSp>
+        <p:nvCxnSpPr>
+          <p:cNvPr id="4" name="直接箭头连接符 3"/>
+          <p:cNvCxnSpPr/>
+          <p:nvPr/>
+        </p:nvCxnSpPr>
+        <p:spPr>
+          <a:xfrm flipV="1">
+            <a:off x="4299585" y="490855"/>
+            <a:ext cx="17780" cy="4017010"/>
+          </a:xfrm>
+          <a:prstGeom prst="straightConnector1">
+            <a:avLst/>
+          </a:prstGeom>
+          <a:ln>
+            <a:solidFill>
+              <a:schemeClr val="accent5"/>
+            </a:solidFill>
+            <a:tailEnd type="arrow"/>
+          </a:ln>
+        </p:spPr>
+        <p:style>
+          <a:lnRef idx="2">
+            <a:schemeClr val="accent1"/>
+          </a:lnRef>
+          <a:fillRef idx="0">
+            <a:srgbClr val="FFFFFF"/>
+          </a:fillRef>
+          <a:effectRef idx="0">
+            <a:srgbClr val="FFFFFF"/>
+          </a:effectRef>
+          <a:fontRef idx="minor">
+            <a:schemeClr val="tx1"/>
+          </a:fontRef>
+        </p:style>
+      </p:cxnSp>
+      <p:sp>
+        <p:nvSpPr>
+          <p:cNvPr id="5" name="文本框 4"/>
+          <p:cNvSpPr txBox="1"/>
+          <p:nvPr/>
+        </p:nvSpPr>
+        <p:spPr>
+          <a:xfrm>
+            <a:off x="4317365" y="122555"/>
+            <a:ext cx="613410" cy="368300"/>
+          </a:xfrm>
+          <a:prstGeom prst="rect">
+            <a:avLst/>
+          </a:prstGeom>
+          <a:noFill/>
+        </p:spPr>
+        <p:txBody>
+          <a:bodyPr wrap="square" rtlCol="0">
+            <a:spAutoFit/>
+          </a:bodyPr>
+          <a:p>
+            <a:r>
+              <a:rPr lang="en-US" altLang="zh-CN"/>
+              <a:t>Y</a:t>
+            </a:r>
+            <a:endParaRPr lang="en-US" altLang="zh-CN"/>
+          </a:p>
+        </p:txBody>
+      </p:sp>
+      <p:cxnSp>
+        <p:nvCxnSpPr>
+          <p:cNvPr id="8" name="直接箭头连接符 7"/>
+          <p:cNvCxnSpPr/>
+          <p:nvPr>
+            <p:custDataLst>
+              <p:tags r:id="rId1"/>
+            </p:custDataLst>
+          </p:nvPr>
+        </p:nvCxnSpPr>
+        <p:spPr>
+          <a:xfrm flipV="1">
+            <a:off x="1190625" y="2542540"/>
+            <a:ext cx="6632575" cy="32385"/>
+          </a:xfrm>
+          <a:prstGeom prst="straightConnector1">
+            <a:avLst/>
+          </a:prstGeom>
+          <a:ln>
+            <a:solidFill>
+              <a:schemeClr val="accent2"/>
+            </a:solidFill>
+            <a:tailEnd type="arrow"/>
+          </a:ln>
+        </p:spPr>
+        <p:style>
+          <a:lnRef idx="2">
+            <a:schemeClr val="accent1"/>
+          </a:lnRef>
+          <a:fillRef idx="0">
+            <a:srgbClr val="FFFFFF"/>
+          </a:fillRef>
+          <a:effectRef idx="0">
+            <a:srgbClr val="FFFFFF"/>
+          </a:effectRef>
+          <a:fontRef idx="minor">
+            <a:schemeClr val="tx1"/>
+          </a:fontRef>
+        </p:style>
+      </p:cxnSp>
+      <p:sp>
+        <p:nvSpPr>
+          <p:cNvPr id="9" name="文本框 8"/>
+          <p:cNvSpPr txBox="1"/>
+          <p:nvPr/>
+        </p:nvSpPr>
+        <p:spPr>
+          <a:xfrm>
+            <a:off x="7823200" y="2464435"/>
+            <a:ext cx="727710" cy="368300"/>
+          </a:xfrm>
+          <a:prstGeom prst="rect">
+            <a:avLst/>
+          </a:prstGeom>
+          <a:noFill/>
+        </p:spPr>
+        <p:txBody>
+          <a:bodyPr wrap="square" rtlCol="0">
+            <a:spAutoFit/>
+          </a:bodyPr>
+          <a:p>
+            <a:r>
+              <a:rPr lang="en-US" altLang="zh-CN"/>
+              <a:t>X</a:t>
+            </a:r>
+            <a:endParaRPr lang="en-US" altLang="zh-CN"/>
+          </a:p>
+        </p:txBody>
+      </p:sp>
+      <p:cxnSp>
+        <p:nvCxnSpPr>
+          <p:cNvPr id="10" name="直接箭头连接符 9"/>
+          <p:cNvCxnSpPr/>
+          <p:nvPr>
+            <p:custDataLst>
+              <p:tags r:id="rId2"/>
+            </p:custDataLst>
+          </p:nvPr>
+        </p:nvCxnSpPr>
+        <p:spPr>
+          <a:xfrm>
+            <a:off x="1122045" y="2319020"/>
+            <a:ext cx="6758305" cy="513715"/>
+          </a:xfrm>
+          <a:prstGeom prst="straightConnector1">
+            <a:avLst/>
+          </a:prstGeom>
+          <a:ln>
+            <a:solidFill>
+              <a:schemeClr val="accent1"/>
+            </a:solidFill>
+            <a:tailEnd type="arrow"/>
+          </a:ln>
+        </p:spPr>
+        <p:style>
+          <a:lnRef idx="2">
+            <a:schemeClr val="accent1"/>
+          </a:lnRef>
+          <a:fillRef idx="0">
+            <a:srgbClr val="FFFFFF"/>
+          </a:fillRef>
+          <a:effectRef idx="0">
+            <a:srgbClr val="FFFFFF"/>
+          </a:effectRef>
+          <a:fontRef idx="minor">
+            <a:schemeClr val="tx1"/>
+          </a:fontRef>
+        </p:style>
+      </p:cxnSp>
+      <p:sp>
+        <p:nvSpPr>
+          <p:cNvPr id="11" name="文本框 10"/>
+          <p:cNvSpPr txBox="1"/>
+          <p:nvPr/>
+        </p:nvSpPr>
+        <p:spPr>
+          <a:xfrm>
+            <a:off x="1202690" y="1924050"/>
+            <a:ext cx="4064000" cy="368300"/>
+          </a:xfrm>
+          <a:prstGeom prst="rect">
+            <a:avLst/>
+          </a:prstGeom>
+          <a:noFill/>
+        </p:spPr>
+        <p:txBody>
+          <a:bodyPr wrap="square" rtlCol="0">
+            <a:spAutoFit/>
+          </a:bodyPr>
+          <a:p>
+            <a:r>
+              <a:rPr lang="zh-CN" altLang="en-US"/>
+              <a:t>直线：过</a:t>
+            </a:r>
+            <a:r>
+              <a:rPr lang="en-US" altLang="zh-CN"/>
+              <a:t>0</a:t>
+            </a:r>
+            <a:r>
+              <a:rPr lang="zh-CN" altLang="en-US"/>
+              <a:t>点，法向（</a:t>
+            </a:r>
+            <a:r>
+              <a:rPr lang="en-US" altLang="zh-CN"/>
+              <a:t>1, -</a:t>
+            </a:r>
+            <a:r>
+              <a:rPr lang="en-US" altLang="zh-CN"/>
+              <a:t>a</a:t>
+            </a:r>
+            <a:r>
+              <a:rPr lang="zh-CN" altLang="en-US"/>
+              <a:t>）</a:t>
+            </a:r>
+            <a:endParaRPr lang="zh-CN" altLang="en-US"/>
+          </a:p>
+        </p:txBody>
+      </p:sp>
+      <p:cxnSp>
+        <p:nvCxnSpPr>
+          <p:cNvPr id="12" name="直接箭头连接符 11"/>
+          <p:cNvCxnSpPr/>
+          <p:nvPr>
+            <p:custDataLst>
+              <p:tags r:id="rId3"/>
+            </p:custDataLst>
+          </p:nvPr>
+        </p:nvCxnSpPr>
+        <p:spPr>
+          <a:xfrm flipV="1">
+            <a:off x="4299585" y="1499870"/>
+            <a:ext cx="141605" cy="1042670"/>
+          </a:xfrm>
+          <a:prstGeom prst="straightConnector1">
+            <a:avLst/>
+          </a:prstGeom>
+          <a:ln>
+            <a:solidFill>
+              <a:schemeClr val="accent6"/>
+            </a:solidFill>
+            <a:tailEnd type="arrow"/>
+          </a:ln>
+        </p:spPr>
+        <p:style>
+          <a:lnRef idx="2">
+            <a:schemeClr val="accent1"/>
+          </a:lnRef>
+          <a:fillRef idx="0">
+            <a:srgbClr val="FFFFFF"/>
+          </a:fillRef>
+          <a:effectRef idx="0">
+            <a:srgbClr val="FFFFFF"/>
+          </a:effectRef>
+          <a:fontRef idx="minor">
+            <a:schemeClr val="tx1"/>
+          </a:fontRef>
+        </p:style>
+      </p:cxnSp>
+      <p:sp>
+        <p:nvSpPr>
+          <p:cNvPr id="13" name="文本框 12"/>
+          <p:cNvSpPr txBox="1"/>
+          <p:nvPr/>
+        </p:nvSpPr>
+        <p:spPr>
+          <a:xfrm>
+            <a:off x="4547235" y="1348740"/>
+            <a:ext cx="843280" cy="334645"/>
+          </a:xfrm>
+          <a:prstGeom prst="rect">
+            <a:avLst/>
+          </a:prstGeom>
+          <a:noFill/>
+        </p:spPr>
+        <p:txBody>
+          <a:bodyPr wrap="square" rtlCol="0">
+            <a:noAutofit/>
+          </a:bodyPr>
+          <a:p>
+            <a:r>
+              <a:rPr lang="en-US" altLang="zh-CN"/>
+              <a:t>(a,1)</a:t>
+            </a:r>
+            <a:endParaRPr lang="en-US" altLang="zh-CN"/>
+          </a:p>
+        </p:txBody>
+      </p:sp>
+      <p:cxnSp>
+        <p:nvCxnSpPr>
+          <p:cNvPr id="14" name="直接箭头连接符 13"/>
+          <p:cNvCxnSpPr/>
+          <p:nvPr>
+            <p:custDataLst>
+              <p:tags r:id="rId4"/>
+            </p:custDataLst>
+          </p:nvPr>
+        </p:nvCxnSpPr>
+        <p:spPr>
+          <a:xfrm flipV="1">
+            <a:off x="4866005" y="-191770"/>
+            <a:ext cx="707390" cy="4780915"/>
+          </a:xfrm>
+          <a:prstGeom prst="straightConnector1">
+            <a:avLst/>
+          </a:prstGeom>
+          <a:ln>
+            <a:solidFill>
+              <a:srgbClr val="7030A0"/>
+            </a:solidFill>
+            <a:tailEnd type="none"/>
+          </a:ln>
+        </p:spPr>
+        <p:style>
+          <a:lnRef idx="2">
+            <a:schemeClr val="accent1"/>
+          </a:lnRef>
+          <a:fillRef idx="0">
+            <a:srgbClr val="FFFFFF"/>
+          </a:fillRef>
+          <a:effectRef idx="0">
+            <a:srgbClr val="FFFFFF"/>
+          </a:effectRef>
+          <a:fontRef idx="minor">
+            <a:schemeClr val="tx1"/>
+          </a:fontRef>
+        </p:style>
+      </p:cxnSp>
+      <p:sp>
+        <p:nvSpPr>
+          <p:cNvPr id="15" name="文本框 14"/>
+          <p:cNvSpPr txBox="1"/>
+          <p:nvPr/>
+        </p:nvSpPr>
+        <p:spPr>
+          <a:xfrm>
+            <a:off x="5255260" y="2815590"/>
+            <a:ext cx="2152015" cy="368300"/>
+          </a:xfrm>
+          <a:prstGeom prst="rect">
+            <a:avLst/>
+          </a:prstGeom>
+          <a:noFill/>
+        </p:spPr>
+        <p:txBody>
+          <a:bodyPr wrap="square" rtlCol="0">
+            <a:spAutoFit/>
+          </a:bodyPr>
+          <a:p>
+            <a:r>
+              <a:rPr lang="zh-CN" altLang="en-US"/>
+              <a:t>交点</a:t>
+            </a:r>
+            <a:r>
+              <a:rPr lang="en-US" altLang="zh-CN"/>
+              <a:t>(x0, -ax0)</a:t>
+            </a:r>
+            <a:endParaRPr lang="en-US" altLang="zh-CN"/>
+          </a:p>
+        </p:txBody>
+      </p:sp>
+      <p:sp>
+        <p:nvSpPr>
+          <p:cNvPr id="16" name="文本框 15"/>
+          <p:cNvSpPr txBox="1"/>
+          <p:nvPr/>
+        </p:nvSpPr>
+        <p:spPr>
+          <a:xfrm>
+            <a:off x="5768340" y="232410"/>
+            <a:ext cx="1073785" cy="368300"/>
+          </a:xfrm>
+          <a:prstGeom prst="rect">
+            <a:avLst/>
+          </a:prstGeom>
+          <a:noFill/>
+        </p:spPr>
+        <p:txBody>
+          <a:bodyPr wrap="square" rtlCol="0">
+            <a:spAutoFit/>
+          </a:bodyPr>
+          <a:p>
+            <a:r>
+              <a:rPr lang="zh-CN" altLang="en-US"/>
+              <a:t>直线</a:t>
+            </a:r>
+            <a:endParaRPr lang="zh-CN" altLang="en-US"/>
+          </a:p>
+        </p:txBody>
+      </p:sp>
+    </p:spTree>
+  </p:cSld>
+  <p:clrMapOvr>
+    <a:masterClrMapping/>
+  </p:clrMapOvr>
+</p:sld>
+</file>
+
+<file path=ppt/slides/slide4.xml><?xml version="1.0" encoding="utf-8"?>
+<p:sld xmlns:a="http://schemas.openxmlformats.org/drawingml/2006/main" xmlns:r="http://schemas.openxmlformats.org/officeDocument/2006/relationships" xmlns:p="http://schemas.openxmlformats.org/presentationml/2006/main">
+  <p:cSld>
+    <p:spTree>
+      <p:nvGrpSpPr>
+        <p:cNvPr id="1" name=""/>
+        <p:cNvGrpSpPr/>
+        <p:nvPr/>
+      </p:nvGrpSpPr>
+      <p:grpSpPr/>
+      <p:cxnSp>
+        <p:nvCxnSpPr>
+          <p:cNvPr id="4" name="直接箭头连接符 3"/>
+          <p:cNvCxnSpPr/>
+          <p:nvPr/>
+        </p:nvCxnSpPr>
+        <p:spPr>
+          <a:xfrm flipV="1">
+            <a:off x="4299585" y="490855"/>
+            <a:ext cx="17780" cy="4017010"/>
+          </a:xfrm>
+          <a:prstGeom prst="straightConnector1">
+            <a:avLst/>
+          </a:prstGeom>
+          <a:ln>
+            <a:solidFill>
+              <a:schemeClr val="accent5"/>
+            </a:solidFill>
+            <a:tailEnd type="arrow"/>
+          </a:ln>
+        </p:spPr>
+        <p:style>
+          <a:lnRef idx="2">
+            <a:schemeClr val="accent1"/>
+          </a:lnRef>
+          <a:fillRef idx="0">
+            <a:srgbClr val="FFFFFF"/>
+          </a:fillRef>
+          <a:effectRef idx="0">
+            <a:srgbClr val="FFFFFF"/>
+          </a:effectRef>
+          <a:fontRef idx="minor">
+            <a:schemeClr val="tx1"/>
+          </a:fontRef>
+        </p:style>
+      </p:cxnSp>
+      <p:sp>
+        <p:nvSpPr>
+          <p:cNvPr id="5" name="文本框 4"/>
+          <p:cNvSpPr txBox="1"/>
+          <p:nvPr/>
+        </p:nvSpPr>
+        <p:spPr>
+          <a:xfrm>
+            <a:off x="4317365" y="122555"/>
+            <a:ext cx="613410" cy="368300"/>
+          </a:xfrm>
+          <a:prstGeom prst="rect">
+            <a:avLst/>
+          </a:prstGeom>
+          <a:noFill/>
+        </p:spPr>
+        <p:txBody>
+          <a:bodyPr wrap="square" rtlCol="0">
+            <a:spAutoFit/>
+          </a:bodyPr>
+          <a:p>
+            <a:r>
+              <a:rPr lang="en-US" altLang="zh-CN"/>
+              <a:t>Z</a:t>
+            </a:r>
+            <a:endParaRPr lang="en-US" altLang="zh-CN"/>
+          </a:p>
+        </p:txBody>
+      </p:sp>
+      <p:cxnSp>
+        <p:nvCxnSpPr>
+          <p:cNvPr id="8" name="直接箭头连接符 7"/>
+          <p:cNvCxnSpPr/>
+          <p:nvPr>
+            <p:custDataLst>
+              <p:tags r:id="rId1"/>
+            </p:custDataLst>
+          </p:nvPr>
+        </p:nvCxnSpPr>
+        <p:spPr>
+          <a:xfrm flipV="1">
+            <a:off x="1190625" y="2542540"/>
+            <a:ext cx="6632575" cy="32385"/>
+          </a:xfrm>
+          <a:prstGeom prst="straightConnector1">
+            <a:avLst/>
+          </a:prstGeom>
+          <a:ln>
+            <a:solidFill>
+              <a:schemeClr val="accent2"/>
+            </a:solidFill>
+            <a:tailEnd type="arrow"/>
+          </a:ln>
+        </p:spPr>
+        <p:style>
+          <a:lnRef idx="2">
+            <a:schemeClr val="accent1"/>
+          </a:lnRef>
+          <a:fillRef idx="0">
+            <a:srgbClr val="FFFFFF"/>
+          </a:fillRef>
+          <a:effectRef idx="0">
+            <a:srgbClr val="FFFFFF"/>
+          </a:effectRef>
+          <a:fontRef idx="minor">
+            <a:schemeClr val="tx1"/>
+          </a:fontRef>
+        </p:style>
+      </p:cxnSp>
+      <p:sp>
+        <p:nvSpPr>
+          <p:cNvPr id="9" name="文本框 8"/>
+          <p:cNvSpPr txBox="1"/>
+          <p:nvPr/>
+        </p:nvSpPr>
+        <p:spPr>
+          <a:xfrm>
+            <a:off x="7095490" y="2574925"/>
+            <a:ext cx="727710" cy="368300"/>
+          </a:xfrm>
+          <a:prstGeom prst="rect">
+            <a:avLst/>
+          </a:prstGeom>
+          <a:noFill/>
+        </p:spPr>
+        <p:txBody>
+          <a:bodyPr wrap="square" rtlCol="0">
+            <a:spAutoFit/>
+          </a:bodyPr>
+          <a:p>
+            <a:r>
+              <a:rPr lang="en-US" altLang="zh-CN"/>
+              <a:t>XOY</a:t>
+            </a:r>
+            <a:endParaRPr lang="en-US" altLang="zh-CN"/>
+          </a:p>
+        </p:txBody>
+      </p:sp>
+      <p:cxnSp>
+        <p:nvCxnSpPr>
+          <p:cNvPr id="10" name="直接箭头连接符 9"/>
+          <p:cNvCxnSpPr/>
+          <p:nvPr>
+            <p:custDataLst>
+              <p:tags r:id="rId2"/>
+            </p:custDataLst>
+          </p:nvPr>
+        </p:nvCxnSpPr>
+        <p:spPr>
+          <a:xfrm>
+            <a:off x="1122045" y="2319020"/>
+            <a:ext cx="6718300" cy="1026795"/>
+          </a:xfrm>
+          <a:prstGeom prst="straightConnector1">
+            <a:avLst/>
+          </a:prstGeom>
+          <a:ln>
+            <a:solidFill>
+              <a:schemeClr val="accent1"/>
+            </a:solidFill>
+            <a:tailEnd type="none"/>
+          </a:ln>
+        </p:spPr>
+        <p:style>
+          <a:lnRef idx="2">
+            <a:schemeClr val="accent1"/>
+          </a:lnRef>
+          <a:fillRef idx="0">
+            <a:srgbClr val="FFFFFF"/>
+          </a:fillRef>
+          <a:effectRef idx="0">
+            <a:srgbClr val="FFFFFF"/>
+          </a:effectRef>
+          <a:fontRef idx="minor">
+            <a:schemeClr val="tx1"/>
+          </a:fontRef>
+        </p:style>
+      </p:cxnSp>
+      <p:sp>
+        <p:nvSpPr>
+          <p:cNvPr id="11" name="文本框 10"/>
+          <p:cNvSpPr txBox="1"/>
+          <p:nvPr/>
+        </p:nvSpPr>
+        <p:spPr>
+          <a:xfrm>
+            <a:off x="6718935" y="3350895"/>
+            <a:ext cx="4064000" cy="368300"/>
+          </a:xfrm>
+          <a:prstGeom prst="rect">
+            <a:avLst/>
+          </a:prstGeom>
+          <a:noFill/>
+        </p:spPr>
+        <p:txBody>
+          <a:bodyPr wrap="square" rtlCol="0">
+            <a:spAutoFit/>
+          </a:bodyPr>
+          <a:p>
+            <a:r>
+              <a:rPr lang="zh-CN" altLang="en-US"/>
+              <a:t>平面：过</a:t>
+            </a:r>
+            <a:r>
+              <a:rPr lang="zh-CN" altLang="en-US"/>
+              <a:t>点（</a:t>
+            </a:r>
+            <a:r>
+              <a:rPr lang="en-US" altLang="zh-CN"/>
+              <a:t>az, bz , z</a:t>
+            </a:r>
+            <a:r>
+              <a:rPr lang="zh-CN" altLang="en-US"/>
+              <a:t>）</a:t>
+            </a:r>
+            <a:endParaRPr lang="zh-CN" altLang="en-US"/>
+          </a:p>
+        </p:txBody>
+      </p:sp>
+      <p:cxnSp>
+        <p:nvCxnSpPr>
+          <p:cNvPr id="12" name="直接箭头连接符 11"/>
+          <p:cNvCxnSpPr/>
+          <p:nvPr>
+            <p:custDataLst>
+              <p:tags r:id="rId3"/>
+            </p:custDataLst>
+          </p:nvPr>
+        </p:nvCxnSpPr>
+        <p:spPr>
+          <a:xfrm flipV="1">
+            <a:off x="4299585" y="1499870"/>
+            <a:ext cx="141605" cy="1042670"/>
+          </a:xfrm>
+          <a:prstGeom prst="straightConnector1">
+            <a:avLst/>
+          </a:prstGeom>
+          <a:ln>
+            <a:solidFill>
+              <a:schemeClr val="accent6"/>
+            </a:solidFill>
+            <a:tailEnd type="arrow"/>
+          </a:ln>
+        </p:spPr>
+        <p:style>
+          <a:lnRef idx="2">
+            <a:schemeClr val="accent1"/>
+          </a:lnRef>
+          <a:fillRef idx="0">
+            <a:srgbClr val="FFFFFF"/>
+          </a:fillRef>
+          <a:effectRef idx="0">
+            <a:srgbClr val="FFFFFF"/>
+          </a:effectRef>
+          <a:fontRef idx="minor">
+            <a:schemeClr val="tx1"/>
+          </a:fontRef>
+        </p:style>
+      </p:cxnSp>
+      <p:sp>
+        <p:nvSpPr>
+          <p:cNvPr id="13" name="文本框 12"/>
+          <p:cNvSpPr txBox="1"/>
+          <p:nvPr/>
+        </p:nvSpPr>
+        <p:spPr>
+          <a:xfrm>
+            <a:off x="4547235" y="1348740"/>
+            <a:ext cx="843280" cy="334645"/>
+          </a:xfrm>
+          <a:prstGeom prst="rect">
+            <a:avLst/>
+          </a:prstGeom>
+          <a:noFill/>
+        </p:spPr>
+        <p:txBody>
+          <a:bodyPr wrap="square" rtlCol="0">
+            <a:noAutofit/>
+          </a:bodyPr>
+          <a:p>
+            <a:r>
+              <a:rPr lang="en-US" altLang="zh-CN"/>
+              <a:t>(a,b,1)</a:t>
+            </a:r>
+            <a:endParaRPr lang="en-US" altLang="zh-CN"/>
+          </a:p>
+        </p:txBody>
+      </p:sp>
+      <p:cxnSp>
+        <p:nvCxnSpPr>
+          <p:cNvPr id="14" name="直接箭头连接符 13"/>
+          <p:cNvCxnSpPr/>
+          <p:nvPr>
+            <p:custDataLst>
+              <p:tags r:id="rId4"/>
+            </p:custDataLst>
+          </p:nvPr>
+        </p:nvCxnSpPr>
+        <p:spPr>
+          <a:xfrm flipV="1">
+            <a:off x="3985895" y="-191770"/>
+            <a:ext cx="707390" cy="4780915"/>
+          </a:xfrm>
+          <a:prstGeom prst="straightConnector1">
+            <a:avLst/>
+          </a:prstGeom>
+          <a:ln>
+            <a:solidFill>
+              <a:srgbClr val="7030A0"/>
+            </a:solidFill>
+            <a:tailEnd type="none"/>
+          </a:ln>
+        </p:spPr>
+        <p:style>
+          <a:lnRef idx="2">
+            <a:schemeClr val="accent1"/>
+          </a:lnRef>
+          <a:fillRef idx="0">
+            <a:srgbClr val="FFFFFF"/>
+          </a:fillRef>
+          <a:effectRef idx="0">
+            <a:srgbClr val="FFFFFF"/>
+          </a:effectRef>
+          <a:fontRef idx="minor">
+            <a:schemeClr val="tx1"/>
+          </a:fontRef>
+        </p:style>
+      </p:cxnSp>
+      <p:sp>
+        <p:nvSpPr>
+          <p:cNvPr id="16" name="文本框 15"/>
+          <p:cNvSpPr txBox="1"/>
+          <p:nvPr/>
+        </p:nvSpPr>
+        <p:spPr>
+          <a:xfrm>
+            <a:off x="4694555" y="-560070"/>
+            <a:ext cx="3561080" cy="368300"/>
+          </a:xfrm>
+          <a:prstGeom prst="rect">
+            <a:avLst/>
+          </a:prstGeom>
+          <a:noFill/>
+        </p:spPr>
+        <p:txBody>
+          <a:bodyPr wrap="square" rtlCol="0">
+            <a:spAutoFit/>
+          </a:bodyPr>
+          <a:p>
+            <a:r>
+              <a:rPr lang="zh-CN" altLang="en-US"/>
+              <a:t>直线</a:t>
+            </a:r>
+            <a:r>
+              <a:rPr lang="zh-CN" altLang="en-US">
+                <a:sym typeface="+mn-ea"/>
+              </a:rPr>
+              <a:t>：过</a:t>
+            </a:r>
+            <a:r>
+              <a:rPr lang="en-US" altLang="zh-CN">
+                <a:sym typeface="+mn-ea"/>
+              </a:rPr>
+              <a:t>0</a:t>
+            </a:r>
+            <a:r>
+              <a:rPr lang="zh-CN" altLang="en-US">
+                <a:sym typeface="+mn-ea"/>
+              </a:rPr>
+              <a:t>点，法向（</a:t>
+            </a:r>
+            <a:r>
+              <a:rPr lang="en-US" altLang="zh-CN">
+                <a:sym typeface="+mn-ea"/>
+              </a:rPr>
+              <a:t>a, b , 1</a:t>
+            </a:r>
+            <a:r>
+              <a:rPr lang="zh-CN" altLang="en-US">
+                <a:sym typeface="+mn-ea"/>
+              </a:rPr>
+              <a:t>）</a:t>
+            </a:r>
+            <a:endParaRPr lang="zh-CN" altLang="en-US"/>
+          </a:p>
+        </p:txBody>
+      </p:sp>
+      <p:sp>
+        <p:nvSpPr>
+          <p:cNvPr id="2" name="文本框 1"/>
+          <p:cNvSpPr txBox="1"/>
+          <p:nvPr/>
+        </p:nvSpPr>
+        <p:spPr>
+          <a:xfrm>
+            <a:off x="2892425" y="2726055"/>
+            <a:ext cx="6096000" cy="368300"/>
+          </a:xfrm>
+          <a:prstGeom prst="rect">
+            <a:avLst/>
+          </a:prstGeom>
+          <a:noFill/>
+        </p:spPr>
+        <p:txBody>
+          <a:bodyPr wrap="square" rtlCol="0" anchor="t">
+            <a:spAutoFit/>
+          </a:bodyPr>
+          <a:p>
+            <a:r>
+              <a:rPr lang="zh-CN" altLang="en-US">
+                <a:sym typeface="+mn-ea"/>
+              </a:rPr>
+              <a:t>（</a:t>
+            </a:r>
+            <a:r>
+              <a:rPr lang="en-US" altLang="zh-CN">
+                <a:sym typeface="+mn-ea"/>
+              </a:rPr>
+              <a:t>az, bz , z</a:t>
+            </a:r>
+            <a:r>
+              <a:rPr lang="zh-CN" altLang="en-US">
+                <a:sym typeface="+mn-ea"/>
+              </a:rPr>
+              <a:t>）</a:t>
+            </a:r>
+            <a:endParaRPr lang="zh-CN" altLang="en-US">
+              <a:sym typeface="+mn-ea"/>
+            </a:endParaRPr>
+          </a:p>
+        </p:txBody>
+      </p:sp>
+    </p:spTree>
+  </p:cSld>
+  <p:clrMapOvr>
+    <a:masterClrMapping/>
+  </p:clrMapOvr>
+</p:sld>
+</file>
+
+<file path=ppt/slides/slide5.xml><?xml version="1.0" encoding="utf-8"?>
+<p:sld xmlns:a="http://schemas.openxmlformats.org/drawingml/2006/main" xmlns:r="http://schemas.openxmlformats.org/officeDocument/2006/relationships" xmlns:p="http://schemas.openxmlformats.org/presentationml/2006/main">
+  <p:cSld>
+    <p:spTree>
+      <p:nvGrpSpPr>
+        <p:cNvPr id="1" name=""/>
+        <p:cNvGrpSpPr/>
+        <p:nvPr/>
+      </p:nvGrpSpPr>
+      <p:grpSpPr/>
+      <p:sp>
+        <p:nvSpPr>
+          <p:cNvPr id="5" name="文本框 4"/>
+          <p:cNvSpPr txBox="1"/>
+          <p:nvPr/>
+        </p:nvSpPr>
+        <p:spPr>
+          <a:xfrm>
+            <a:off x="4317365" y="122555"/>
+            <a:ext cx="613410" cy="368300"/>
+          </a:xfrm>
+          <a:prstGeom prst="rect">
+            <a:avLst/>
+          </a:prstGeom>
+          <a:noFill/>
+        </p:spPr>
+        <p:txBody>
+          <a:bodyPr wrap="square" rtlCol="0">
+            <a:spAutoFit/>
+          </a:bodyPr>
+          <a:p>
+            <a:r>
+              <a:rPr lang="en-US" altLang="zh-CN"/>
+              <a:t>Z</a:t>
+            </a:r>
+            <a:endParaRPr lang="en-US" altLang="zh-CN"/>
+          </a:p>
+        </p:txBody>
+      </p:sp>
+      <p:sp>
+        <p:nvSpPr>
+          <p:cNvPr id="9" name="文本框 8"/>
+          <p:cNvSpPr txBox="1"/>
+          <p:nvPr/>
+        </p:nvSpPr>
+        <p:spPr>
+          <a:xfrm>
+            <a:off x="7095490" y="2574925"/>
+            <a:ext cx="727710" cy="368300"/>
+          </a:xfrm>
+          <a:prstGeom prst="rect">
+            <a:avLst/>
+          </a:prstGeom>
+          <a:noFill/>
+        </p:spPr>
+        <p:txBody>
+          <a:bodyPr wrap="square" rtlCol="0">
+            <a:spAutoFit/>
+          </a:bodyPr>
+          <a:p>
+            <a:r>
+              <a:rPr lang="en-US" altLang="zh-CN"/>
+              <a:t>XOY</a:t>
+            </a:r>
+            <a:endParaRPr lang="en-US" altLang="zh-CN"/>
+          </a:p>
+        </p:txBody>
+      </p:sp>
+      <p:cxnSp>
+        <p:nvCxnSpPr>
+          <p:cNvPr id="10" name="直接箭头连接符 9"/>
+          <p:cNvCxnSpPr/>
+          <p:nvPr>
+            <p:custDataLst>
+              <p:tags r:id="rId1"/>
+            </p:custDataLst>
+          </p:nvPr>
+        </p:nvCxnSpPr>
+        <p:spPr>
+          <a:xfrm>
+            <a:off x="1652270" y="4401185"/>
+            <a:ext cx="4357370" cy="0"/>
+          </a:xfrm>
+          <a:prstGeom prst="straightConnector1">
+            <a:avLst/>
+          </a:prstGeom>
+          <a:ln>
+            <a:solidFill>
+              <a:schemeClr val="accent1"/>
+            </a:solidFill>
+            <a:tailEnd type="none"/>
+          </a:ln>
+        </p:spPr>
+        <p:style>
+          <a:lnRef idx="2">
+            <a:schemeClr val="accent1"/>
+          </a:lnRef>
+          <a:fillRef idx="0">
+            <a:srgbClr val="FFFFFF"/>
+          </a:fillRef>
+          <a:effectRef idx="0">
+            <a:srgbClr val="FFFFFF"/>
+          </a:effectRef>
+          <a:fontRef idx="minor">
+            <a:schemeClr val="tx1"/>
+          </a:fontRef>
+        </p:style>
+      </p:cxnSp>
+      <p:sp>
+        <p:nvSpPr>
+          <p:cNvPr id="11" name="文本框 10"/>
+          <p:cNvSpPr txBox="1"/>
+          <p:nvPr/>
+        </p:nvSpPr>
+        <p:spPr>
+          <a:xfrm>
+            <a:off x="7506335" y="2028825"/>
+            <a:ext cx="4064000" cy="368300"/>
+          </a:xfrm>
+          <a:prstGeom prst="rect">
+            <a:avLst/>
+          </a:prstGeom>
+          <a:noFill/>
+        </p:spPr>
+        <p:txBody>
+          <a:bodyPr wrap="square" rtlCol="0">
+            <a:spAutoFit/>
+          </a:bodyPr>
+          <a:p>
+            <a:r>
+              <a:rPr lang="zh-CN" altLang="en-US"/>
+              <a:t>平面：过</a:t>
+            </a:r>
+            <a:r>
+              <a:rPr lang="zh-CN" altLang="en-US"/>
+              <a:t>点（</a:t>
+            </a:r>
+            <a:r>
+              <a:rPr lang="en-US" altLang="zh-CN"/>
+              <a:t>az, bz , z</a:t>
+            </a:r>
+            <a:r>
+              <a:rPr lang="zh-CN" altLang="en-US"/>
+              <a:t>）</a:t>
+            </a:r>
+            <a:endParaRPr lang="zh-CN" altLang="en-US"/>
+          </a:p>
+        </p:txBody>
+      </p:sp>
+      <p:cxnSp>
+        <p:nvCxnSpPr>
+          <p:cNvPr id="12" name="直接箭头连接符 11"/>
+          <p:cNvCxnSpPr/>
+          <p:nvPr>
+            <p:custDataLst>
+              <p:tags r:id="rId2"/>
+            </p:custDataLst>
+          </p:nvPr>
+        </p:nvCxnSpPr>
+        <p:spPr>
+          <a:xfrm flipH="1" flipV="1">
+            <a:off x="3799205" y="3253740"/>
+            <a:ext cx="10160" cy="1148080"/>
+          </a:xfrm>
+          <a:prstGeom prst="straightConnector1">
+            <a:avLst/>
+          </a:prstGeom>
+          <a:ln>
+            <a:solidFill>
+              <a:schemeClr val="accent6"/>
+            </a:solidFill>
+            <a:tailEnd type="arrow"/>
+          </a:ln>
+        </p:spPr>
+        <p:style>
+          <a:lnRef idx="2">
+            <a:schemeClr val="accent1"/>
+          </a:lnRef>
+          <a:fillRef idx="0">
+            <a:srgbClr val="FFFFFF"/>
+          </a:fillRef>
+          <a:effectRef idx="0">
+            <a:srgbClr val="FFFFFF"/>
+          </a:effectRef>
+          <a:fontRef idx="minor">
+            <a:schemeClr val="tx1"/>
+          </a:fontRef>
+        </p:style>
+      </p:cxnSp>
+      <p:sp>
+        <p:nvSpPr>
+          <p:cNvPr id="13" name="文本框 12"/>
+          <p:cNvSpPr txBox="1"/>
+          <p:nvPr/>
+        </p:nvSpPr>
+        <p:spPr>
+          <a:xfrm>
+            <a:off x="4547235" y="1348740"/>
+            <a:ext cx="843280" cy="334645"/>
+          </a:xfrm>
+          <a:prstGeom prst="rect">
+            <a:avLst/>
+          </a:prstGeom>
+          <a:noFill/>
+        </p:spPr>
+        <p:txBody>
+          <a:bodyPr wrap="square" rtlCol="0">
+            <a:noAutofit/>
+          </a:bodyPr>
+          <a:p>
+            <a:r>
+              <a:rPr lang="en-US" altLang="zh-CN"/>
+              <a:t>(a,b,1)</a:t>
+            </a:r>
+            <a:endParaRPr lang="en-US" altLang="zh-CN"/>
+          </a:p>
+        </p:txBody>
+      </p:sp>
+      <p:cxnSp>
+        <p:nvCxnSpPr>
+          <p:cNvPr id="14" name="直接箭头连接符 13"/>
+          <p:cNvCxnSpPr/>
+          <p:nvPr>
+            <p:custDataLst>
+              <p:tags r:id="rId3"/>
+            </p:custDataLst>
+          </p:nvPr>
+        </p:nvCxnSpPr>
+        <p:spPr>
+          <a:xfrm flipH="1" flipV="1">
+            <a:off x="5995035" y="3822700"/>
+            <a:ext cx="14605" cy="578485"/>
+          </a:xfrm>
+          <a:prstGeom prst="straightConnector1">
+            <a:avLst/>
+          </a:prstGeom>
+          <a:ln>
+            <a:solidFill>
+              <a:srgbClr val="7030A0"/>
+            </a:solidFill>
+            <a:tailEnd type="none"/>
+          </a:ln>
+        </p:spPr>
+        <p:style>
+          <a:lnRef idx="2">
+            <a:schemeClr val="accent1"/>
+          </a:lnRef>
+          <a:fillRef idx="0">
+            <a:srgbClr val="FFFFFF"/>
+          </a:fillRef>
+          <a:effectRef idx="0">
+            <a:srgbClr val="FFFFFF"/>
+          </a:effectRef>
+          <a:fontRef idx="minor">
+            <a:schemeClr val="tx1"/>
+          </a:fontRef>
+        </p:style>
+      </p:cxnSp>
+      <p:sp>
+        <p:nvSpPr>
+          <p:cNvPr id="16" name="文本框 15"/>
+          <p:cNvSpPr txBox="1"/>
+          <p:nvPr/>
+        </p:nvSpPr>
+        <p:spPr>
+          <a:xfrm>
+            <a:off x="4694555" y="-560070"/>
+            <a:ext cx="3561080" cy="368300"/>
+          </a:xfrm>
+          <a:prstGeom prst="rect">
+            <a:avLst/>
+          </a:prstGeom>
+          <a:noFill/>
+        </p:spPr>
+        <p:txBody>
+          <a:bodyPr wrap="square" rtlCol="0">
+            <a:spAutoFit/>
+          </a:bodyPr>
+          <a:p>
+            <a:r>
+              <a:rPr lang="zh-CN" altLang="en-US"/>
+              <a:t>直线</a:t>
+            </a:r>
+            <a:r>
+              <a:rPr lang="zh-CN" altLang="en-US">
+                <a:sym typeface="+mn-ea"/>
+              </a:rPr>
+              <a:t>：过</a:t>
+            </a:r>
+            <a:r>
+              <a:rPr lang="en-US" altLang="zh-CN">
+                <a:sym typeface="+mn-ea"/>
+              </a:rPr>
+              <a:t>0</a:t>
+            </a:r>
+            <a:r>
+              <a:rPr lang="zh-CN" altLang="en-US">
+                <a:sym typeface="+mn-ea"/>
+              </a:rPr>
+              <a:t>点，法向（</a:t>
+            </a:r>
+            <a:r>
+              <a:rPr lang="en-US" altLang="zh-CN">
+                <a:sym typeface="+mn-ea"/>
+              </a:rPr>
+              <a:t>a, b , 1</a:t>
+            </a:r>
+            <a:r>
+              <a:rPr lang="zh-CN" altLang="en-US">
+                <a:sym typeface="+mn-ea"/>
+              </a:rPr>
+              <a:t>）</a:t>
+            </a:r>
+            <a:endParaRPr lang="zh-CN" altLang="en-US"/>
+          </a:p>
+        </p:txBody>
+      </p:sp>
+      <p:sp>
+        <p:nvSpPr>
+          <p:cNvPr id="3" name="文本框 2"/>
+          <p:cNvSpPr txBox="1"/>
+          <p:nvPr/>
+        </p:nvSpPr>
+        <p:spPr>
+          <a:xfrm>
+            <a:off x="3543300" y="3231515"/>
+            <a:ext cx="642620" cy="368300"/>
+          </a:xfrm>
+          <a:prstGeom prst="rect">
+            <a:avLst/>
+          </a:prstGeom>
+          <a:noFill/>
+        </p:spPr>
+        <p:txBody>
+          <a:bodyPr wrap="square" rtlCol="0">
+            <a:spAutoFit/>
+          </a:bodyPr>
+          <a:p>
+            <a:r>
+              <a:rPr lang="en-US" altLang="zh-CN"/>
+              <a:t>A</a:t>
+            </a:r>
+            <a:endParaRPr lang="en-US" altLang="zh-CN"/>
+          </a:p>
+        </p:txBody>
+      </p:sp>
+      <p:sp>
+        <p:nvSpPr>
+          <p:cNvPr id="6" name="文本框 5"/>
+          <p:cNvSpPr txBox="1"/>
+          <p:nvPr/>
+        </p:nvSpPr>
+        <p:spPr>
+          <a:xfrm>
+            <a:off x="3442335" y="4512945"/>
+            <a:ext cx="4064000" cy="368300"/>
+          </a:xfrm>
+          <a:prstGeom prst="rect">
+            <a:avLst/>
+          </a:prstGeom>
+          <a:noFill/>
+        </p:spPr>
+        <p:txBody>
+          <a:bodyPr wrap="square" rtlCol="0">
+            <a:spAutoFit/>
+          </a:bodyPr>
+          <a:p>
+            <a:r>
+              <a:rPr lang="en-US" altLang="zh-CN"/>
+              <a:t>X0</a:t>
+            </a:r>
+            <a:endParaRPr lang="en-US" altLang="zh-CN"/>
+          </a:p>
+        </p:txBody>
+      </p:sp>
+      <p:cxnSp>
+        <p:nvCxnSpPr>
+          <p:cNvPr id="7" name="直接箭头连接符 6"/>
+          <p:cNvCxnSpPr/>
+          <p:nvPr>
+            <p:custDataLst>
+              <p:tags r:id="rId4"/>
+            </p:custDataLst>
+          </p:nvPr>
+        </p:nvCxnSpPr>
+        <p:spPr>
+          <a:xfrm flipV="1">
+            <a:off x="5650230" y="3850640"/>
+            <a:ext cx="334010" cy="542925"/>
+          </a:xfrm>
+          <a:prstGeom prst="straightConnector1">
+            <a:avLst/>
+          </a:prstGeom>
+          <a:ln w="25400">
+            <a:solidFill>
+              <a:schemeClr val="accent3">
+                <a:lumMod val="40000"/>
+                <a:lumOff val="60000"/>
+              </a:schemeClr>
+            </a:solidFill>
+            <a:tailEnd type="none"/>
+          </a:ln>
+        </p:spPr>
+        <p:style>
+          <a:lnRef idx="2">
+            <a:schemeClr val="accent1"/>
+          </a:lnRef>
+          <a:fillRef idx="0">
+            <a:srgbClr val="FFFFFF"/>
+          </a:fillRef>
+          <a:effectRef idx="0">
+            <a:srgbClr val="FFFFFF"/>
+          </a:effectRef>
+          <a:fontRef idx="minor">
+            <a:schemeClr val="tx1"/>
+          </a:fontRef>
+        </p:style>
+      </p:cxnSp>
+      <p:sp>
+        <p:nvSpPr>
+          <p:cNvPr id="15" name="左大括号 14"/>
+          <p:cNvSpPr/>
+          <p:nvPr/>
+        </p:nvSpPr>
+        <p:spPr>
+          <a:xfrm rot="16200000">
+            <a:off x="4397375" y="3914140"/>
+            <a:ext cx="654050" cy="1851025"/>
+          </a:xfrm>
+          <a:prstGeom prst="leftBrace">
+            <a:avLst/>
+          </a:prstGeom>
+        </p:spPr>
+        <p:style>
+          <a:lnRef idx="2">
+            <a:schemeClr val="accent1"/>
+          </a:lnRef>
+          <a:fillRef idx="0">
+            <a:srgbClr val="FFFFFF"/>
+          </a:fillRef>
+          <a:effectRef idx="0">
+            <a:srgbClr val="FFFFFF"/>
+          </a:effectRef>
+          <a:fontRef idx="minor">
+            <a:schemeClr val="tx1"/>
+          </a:fontRef>
+        </p:style>
+        <p:txBody>
+          <a:bodyPr rtlCol="0" anchor="ctr"/>
+          <a:p>
+            <a:pPr algn="ctr"/>
+            <a:endParaRPr lang="zh-CN" altLang="en-US"/>
+          </a:p>
+        </p:txBody>
+      </p:sp>
+      <p:sp>
+        <p:nvSpPr>
+          <p:cNvPr id="17" name="文本框 16"/>
+          <p:cNvSpPr txBox="1"/>
+          <p:nvPr/>
+        </p:nvSpPr>
+        <p:spPr>
+          <a:xfrm>
+            <a:off x="4522470" y="5286375"/>
+            <a:ext cx="867410" cy="368300"/>
+          </a:xfrm>
+          <a:prstGeom prst="rect">
+            <a:avLst/>
+          </a:prstGeom>
+          <a:noFill/>
+        </p:spPr>
+        <p:txBody>
+          <a:bodyPr wrap="square" rtlCol="0">
+            <a:spAutoFit/>
+          </a:bodyPr>
+          <a:p>
+            <a:r>
+              <a:rPr lang="en-US" altLang="zh-CN"/>
+              <a:t>r</a:t>
+            </a:r>
+            <a:endParaRPr lang="en-US" altLang="zh-CN"/>
+          </a:p>
+        </p:txBody>
+      </p:sp>
+      <p:sp>
+        <p:nvSpPr>
+          <p:cNvPr id="18" name="文本框 17"/>
+          <p:cNvSpPr txBox="1"/>
+          <p:nvPr>
+            <p:custDataLst>
+              <p:tags r:id="rId5"/>
+            </p:custDataLst>
+          </p:nvPr>
+        </p:nvSpPr>
+        <p:spPr>
+          <a:xfrm>
+            <a:off x="5650230" y="5202555"/>
+            <a:ext cx="863600" cy="368300"/>
+          </a:xfrm>
+          <a:prstGeom prst="rect">
+            <a:avLst/>
+          </a:prstGeom>
+          <a:noFill/>
+        </p:spPr>
+        <p:txBody>
+          <a:bodyPr wrap="square" rtlCol="0">
+            <a:spAutoFit/>
+          </a:bodyPr>
+          <a:p>
+            <a:r>
+              <a:rPr lang="en-US" altLang="zh-CN"/>
+              <a:t>f</a:t>
+            </a:r>
+            <a:endParaRPr lang="en-US" altLang="zh-CN"/>
+          </a:p>
+        </p:txBody>
+      </p:sp>
+      <p:sp>
+        <p:nvSpPr>
+          <p:cNvPr id="19" name="左大括号 18"/>
+          <p:cNvSpPr/>
+          <p:nvPr>
+            <p:custDataLst>
+              <p:tags r:id="rId6"/>
+            </p:custDataLst>
+          </p:nvPr>
+        </p:nvSpPr>
+        <p:spPr>
+          <a:xfrm rot="16200000">
+            <a:off x="5495290" y="4671060"/>
+            <a:ext cx="654050" cy="344805"/>
+          </a:xfrm>
+          <a:prstGeom prst="leftBrace">
+            <a:avLst>
+              <a:gd name="adj1" fmla="val 25000"/>
+              <a:gd name="adj2" fmla="val 50000"/>
+            </a:avLst>
+          </a:prstGeom>
+        </p:spPr>
+        <p:style>
+          <a:lnRef idx="2">
+            <a:schemeClr val="accent1"/>
+          </a:lnRef>
+          <a:fillRef idx="0">
+            <a:srgbClr val="FFFFFF"/>
+          </a:fillRef>
+          <a:effectRef idx="0">
+            <a:srgbClr val="FFFFFF"/>
+          </a:effectRef>
+          <a:fontRef idx="minor">
+            <a:schemeClr val="tx1"/>
+          </a:fontRef>
+        </p:style>
+        <p:txBody>
+          <a:bodyPr rtlCol="0" anchor="ctr"/>
+          <a:p>
+            <a:pPr algn="ctr"/>
+            <a:endParaRPr lang="zh-CN" altLang="en-US"/>
+          </a:p>
+        </p:txBody>
+      </p:sp>
+      <p:sp>
+        <p:nvSpPr>
+          <p:cNvPr id="20" name="左大括号 19"/>
+          <p:cNvSpPr/>
+          <p:nvPr>
+            <p:custDataLst>
+              <p:tags r:id="rId7"/>
+            </p:custDataLst>
+          </p:nvPr>
+        </p:nvSpPr>
+        <p:spPr>
+          <a:xfrm rot="10800000">
+            <a:off x="6092825" y="3848100"/>
+            <a:ext cx="654050" cy="626745"/>
+          </a:xfrm>
+          <a:prstGeom prst="leftBrace">
+            <a:avLst>
+              <a:gd name="adj1" fmla="val 25000"/>
+              <a:gd name="adj2" fmla="val 50000"/>
+            </a:avLst>
+          </a:prstGeom>
+        </p:spPr>
+        <p:style>
+          <a:lnRef idx="2">
+            <a:schemeClr val="accent1"/>
+          </a:lnRef>
+          <a:fillRef idx="0">
+            <a:srgbClr val="FFFFFF"/>
+          </a:fillRef>
+          <a:effectRef idx="0">
+            <a:srgbClr val="FFFFFF"/>
+          </a:effectRef>
+          <a:fontRef idx="minor">
+            <a:schemeClr val="tx1"/>
+          </a:fontRef>
+        </p:style>
+        <p:txBody>
+          <a:bodyPr rtlCol="0" anchor="ctr"/>
+          <a:p>
+            <a:pPr algn="ctr"/>
+            <a:endParaRPr lang="zh-CN" altLang="en-US"/>
+          </a:p>
+        </p:txBody>
+      </p:sp>
+      <p:sp>
+        <p:nvSpPr>
+          <p:cNvPr id="21" name="文本框 20"/>
+          <p:cNvSpPr txBox="1"/>
+          <p:nvPr>
+            <p:custDataLst>
+              <p:tags r:id="rId8"/>
+            </p:custDataLst>
+          </p:nvPr>
+        </p:nvSpPr>
+        <p:spPr>
+          <a:xfrm>
+            <a:off x="6830060" y="3952240"/>
+            <a:ext cx="529590" cy="368300"/>
+          </a:xfrm>
+          <a:prstGeom prst="rect">
+            <a:avLst/>
+          </a:prstGeom>
+          <a:noFill/>
+        </p:spPr>
+        <p:txBody>
+          <a:bodyPr wrap="square" rtlCol="0">
+            <a:spAutoFit/>
+          </a:bodyPr>
+          <a:p>
+            <a:r>
+              <a:rPr lang="en-US" altLang="zh-CN"/>
+              <a:t>e</a:t>
+            </a:r>
+            <a:endParaRPr lang="en-US" altLang="zh-CN"/>
+          </a:p>
+        </p:txBody>
+      </p:sp>
+      <p:sp>
+        <p:nvSpPr>
+          <p:cNvPr id="22" name="文本框 21"/>
+          <p:cNvSpPr txBox="1"/>
+          <p:nvPr>
+            <p:custDataLst>
+              <p:tags r:id="rId9"/>
+            </p:custDataLst>
+          </p:nvPr>
+        </p:nvSpPr>
+        <p:spPr>
+          <a:xfrm>
+            <a:off x="5563235" y="3870325"/>
+            <a:ext cx="529590" cy="368300"/>
+          </a:xfrm>
+          <a:prstGeom prst="rect">
+            <a:avLst/>
+          </a:prstGeom>
+          <a:noFill/>
+        </p:spPr>
+        <p:txBody>
+          <a:bodyPr wrap="square" rtlCol="0">
+            <a:spAutoFit/>
+          </a:bodyPr>
+          <a:p>
+            <a:r>
+              <a:rPr lang="en-US" altLang="zh-CN"/>
+              <a:t>d</a:t>
+            </a:r>
+            <a:endParaRPr lang="en-US" altLang="zh-CN"/>
+          </a:p>
+        </p:txBody>
+      </p:sp>
+    </p:spTree>
+  </p:cSld>
+  <p:clrMapOvr>
+    <a:masterClrMapping/>
+  </p:clrMapOvr>
+</p:sld>
+</file>
+
+<file path=ppt/slides/slide6.xml><?xml version="1.0" encoding="utf-8"?>
+<p:sld xmlns:a="http://schemas.openxmlformats.org/drawingml/2006/main" xmlns:r="http://schemas.openxmlformats.org/officeDocument/2006/relationships" xmlns:p="http://schemas.openxmlformats.org/presentationml/2006/main">
+  <p:cSld>
+    <p:spTree>
+      <p:nvGrpSpPr>
+        <p:cNvPr id="1" name=""/>
+        <p:cNvGrpSpPr/>
+        <p:nvPr/>
+      </p:nvGrpSpPr>
+      <p:grpSpPr/>
+      <p:sp>
+        <p:nvSpPr>
+          <p:cNvPr id="5" name="文本框 4"/>
+          <p:cNvSpPr txBox="1"/>
+          <p:nvPr/>
+        </p:nvSpPr>
+        <p:spPr>
+          <a:xfrm>
+            <a:off x="1964055" y="1009650"/>
+            <a:ext cx="613410" cy="368300"/>
+          </a:xfrm>
+          <a:prstGeom prst="rect">
+            <a:avLst/>
+          </a:prstGeom>
+          <a:noFill/>
+        </p:spPr>
+        <p:txBody>
+          <a:bodyPr wrap="square" rtlCol="0">
+            <a:spAutoFit/>
+          </a:bodyPr>
+          <a:p>
+            <a:r>
+              <a:rPr lang="en-US" altLang="zh-CN"/>
+              <a:t>а</a:t>
+            </a:r>
+            <a:endParaRPr lang="en-US" altLang="zh-CN"/>
+          </a:p>
+        </p:txBody>
+      </p:sp>
+      <p:sp>
+        <p:nvSpPr>
+          <p:cNvPr id="9" name="文本框 8"/>
+          <p:cNvSpPr txBox="1"/>
+          <p:nvPr/>
+        </p:nvSpPr>
+        <p:spPr>
+          <a:xfrm>
+            <a:off x="7095490" y="2574925"/>
+            <a:ext cx="727710" cy="368300"/>
+          </a:xfrm>
+          <a:prstGeom prst="rect">
+            <a:avLst/>
+          </a:prstGeom>
+          <a:noFill/>
+        </p:spPr>
+        <p:txBody>
+          <a:bodyPr wrap="square" rtlCol="0">
+            <a:spAutoFit/>
+          </a:bodyPr>
+          <a:p>
+            <a:r>
+              <a:rPr lang="en-US" altLang="zh-CN"/>
+              <a:t>XOY</a:t>
+            </a:r>
+            <a:endParaRPr lang="en-US" altLang="zh-CN"/>
+          </a:p>
+        </p:txBody>
+      </p:sp>
+      <p:cxnSp>
+        <p:nvCxnSpPr>
+          <p:cNvPr id="10" name="直接箭头连接符 9"/>
+          <p:cNvCxnSpPr/>
+          <p:nvPr>
+            <p:custDataLst>
+              <p:tags r:id="rId1"/>
+            </p:custDataLst>
+          </p:nvPr>
+        </p:nvCxnSpPr>
+        <p:spPr>
+          <a:xfrm flipV="1">
+            <a:off x="58420" y="589280"/>
+            <a:ext cx="2323465" cy="3441700"/>
+          </a:xfrm>
+          <a:prstGeom prst="straightConnector1">
+            <a:avLst/>
+          </a:prstGeom>
+          <a:ln>
+            <a:solidFill>
+              <a:schemeClr val="accent1"/>
+            </a:solidFill>
+            <a:tailEnd type="none"/>
+          </a:ln>
+        </p:spPr>
+        <p:style>
+          <a:lnRef idx="2">
+            <a:schemeClr val="accent1"/>
+          </a:lnRef>
+          <a:fillRef idx="0">
+            <a:srgbClr val="FFFFFF"/>
+          </a:fillRef>
+          <a:effectRef idx="0">
+            <a:srgbClr val="FFFFFF"/>
+          </a:effectRef>
+          <a:fontRef idx="minor">
+            <a:schemeClr val="tx1"/>
+          </a:fontRef>
+        </p:style>
+      </p:cxnSp>
+      <p:sp>
+        <p:nvSpPr>
+          <p:cNvPr id="11" name="文本框 10"/>
+          <p:cNvSpPr txBox="1"/>
+          <p:nvPr/>
+        </p:nvSpPr>
+        <p:spPr>
+          <a:xfrm>
+            <a:off x="7506335" y="2028825"/>
+            <a:ext cx="4064000" cy="368300"/>
+          </a:xfrm>
+          <a:prstGeom prst="rect">
+            <a:avLst/>
+          </a:prstGeom>
+          <a:noFill/>
+        </p:spPr>
+        <p:txBody>
+          <a:bodyPr wrap="square" rtlCol="0">
+            <a:spAutoFit/>
+          </a:bodyPr>
+          <a:p>
+            <a:r>
+              <a:rPr lang="zh-CN" altLang="en-US"/>
+              <a:t>平面：过</a:t>
+            </a:r>
+            <a:r>
+              <a:rPr lang="zh-CN" altLang="en-US"/>
+              <a:t>点（</a:t>
+            </a:r>
+            <a:r>
+              <a:rPr lang="en-US" altLang="zh-CN"/>
+              <a:t>az, bz , z</a:t>
+            </a:r>
+            <a:r>
+              <a:rPr lang="zh-CN" altLang="en-US"/>
+              <a:t>）</a:t>
+            </a:r>
+            <a:endParaRPr lang="zh-CN" altLang="en-US"/>
+          </a:p>
+        </p:txBody>
+      </p:sp>
+      <p:cxnSp>
+        <p:nvCxnSpPr>
+          <p:cNvPr id="12" name="直接箭头连接符 11"/>
+          <p:cNvCxnSpPr/>
+          <p:nvPr>
+            <p:custDataLst>
+              <p:tags r:id="rId2"/>
+            </p:custDataLst>
+          </p:nvPr>
+        </p:nvCxnSpPr>
+        <p:spPr>
+          <a:xfrm flipH="1" flipV="1">
+            <a:off x="2372360" y="-99060"/>
+            <a:ext cx="24765" cy="5894705"/>
+          </a:xfrm>
+          <a:prstGeom prst="straightConnector1">
+            <a:avLst/>
+          </a:prstGeom>
+          <a:ln>
+            <a:solidFill>
+              <a:schemeClr val="accent5"/>
+            </a:solidFill>
+            <a:tailEnd type="arrow"/>
+          </a:ln>
+        </p:spPr>
+        <p:style>
+          <a:lnRef idx="2">
+            <a:schemeClr val="accent1"/>
+          </a:lnRef>
+          <a:fillRef idx="0">
+            <a:srgbClr val="FFFFFF"/>
+          </a:fillRef>
+          <a:effectRef idx="0">
+            <a:srgbClr val="FFFFFF"/>
+          </a:effectRef>
+          <a:fontRef idx="minor">
+            <a:schemeClr val="tx1"/>
+          </a:fontRef>
+        </p:style>
+      </p:cxnSp>
+      <p:sp>
+        <p:nvSpPr>
+          <p:cNvPr id="13" name="文本框 12"/>
+          <p:cNvSpPr txBox="1"/>
+          <p:nvPr/>
+        </p:nvSpPr>
+        <p:spPr>
+          <a:xfrm>
+            <a:off x="3444875" y="3524885"/>
+            <a:ext cx="1598930" cy="447675"/>
+          </a:xfrm>
+          <a:prstGeom prst="rect">
+            <a:avLst/>
+          </a:prstGeom>
+          <a:noFill/>
+        </p:spPr>
+        <p:txBody>
+          <a:bodyPr wrap="square" rtlCol="0">
+            <a:noAutofit/>
+          </a:bodyPr>
+          <a:p>
+            <a:r>
+              <a:rPr lang="en-US" altLang="zh-CN" sz="2400">
+                <a:solidFill>
+                  <a:schemeClr val="accent4"/>
+                </a:solidFill>
+              </a:rPr>
+              <a:t>t=rcos(а/2)</a:t>
+            </a:r>
+            <a:endParaRPr lang="en-US" altLang="zh-CN" sz="2400">
+              <a:solidFill>
+                <a:schemeClr val="accent4"/>
+              </a:solidFill>
+            </a:endParaRPr>
+          </a:p>
+        </p:txBody>
+      </p:sp>
+      <p:cxnSp>
+        <p:nvCxnSpPr>
+          <p:cNvPr id="14" name="直接箭头连接符 13"/>
+          <p:cNvCxnSpPr/>
+          <p:nvPr>
+            <p:custDataLst>
+              <p:tags r:id="rId3"/>
+            </p:custDataLst>
+          </p:nvPr>
+        </p:nvCxnSpPr>
+        <p:spPr>
+          <a:xfrm flipH="1" flipV="1">
+            <a:off x="5995035" y="3822700"/>
+            <a:ext cx="14605" cy="578485"/>
+          </a:xfrm>
+          <a:prstGeom prst="straightConnector1">
+            <a:avLst/>
+          </a:prstGeom>
+          <a:ln>
+            <a:solidFill>
+              <a:srgbClr val="7030A0"/>
+            </a:solidFill>
+            <a:tailEnd type="none"/>
+          </a:ln>
+        </p:spPr>
+        <p:style>
+          <a:lnRef idx="2">
+            <a:schemeClr val="accent1"/>
+          </a:lnRef>
+          <a:fillRef idx="0">
+            <a:srgbClr val="FFFFFF"/>
+          </a:fillRef>
+          <a:effectRef idx="0">
+            <a:srgbClr val="FFFFFF"/>
+          </a:effectRef>
+          <a:fontRef idx="minor">
+            <a:schemeClr val="tx1"/>
+          </a:fontRef>
+        </p:style>
+      </p:cxnSp>
+      <p:sp>
+        <p:nvSpPr>
+          <p:cNvPr id="16" name="文本框 15"/>
+          <p:cNvSpPr txBox="1"/>
+          <p:nvPr/>
+        </p:nvSpPr>
+        <p:spPr>
+          <a:xfrm>
+            <a:off x="4694555" y="-560070"/>
+            <a:ext cx="3561080" cy="368300"/>
+          </a:xfrm>
+          <a:prstGeom prst="rect">
+            <a:avLst/>
+          </a:prstGeom>
+          <a:noFill/>
+        </p:spPr>
+        <p:txBody>
+          <a:bodyPr wrap="square" rtlCol="0">
+            <a:spAutoFit/>
+          </a:bodyPr>
+          <a:p>
+            <a:r>
+              <a:rPr lang="zh-CN" altLang="en-US"/>
+              <a:t>直线</a:t>
+            </a:r>
+            <a:r>
+              <a:rPr lang="zh-CN" altLang="en-US">
+                <a:sym typeface="+mn-ea"/>
+              </a:rPr>
+              <a:t>：过</a:t>
+            </a:r>
+            <a:r>
+              <a:rPr lang="en-US" altLang="zh-CN">
+                <a:sym typeface="+mn-ea"/>
+              </a:rPr>
+              <a:t>0</a:t>
+            </a:r>
+            <a:r>
+              <a:rPr lang="zh-CN" altLang="en-US">
+                <a:sym typeface="+mn-ea"/>
+              </a:rPr>
+              <a:t>点，法向（</a:t>
+            </a:r>
+            <a:r>
+              <a:rPr lang="en-US" altLang="zh-CN">
+                <a:sym typeface="+mn-ea"/>
+              </a:rPr>
+              <a:t>a, b , 1</a:t>
+            </a:r>
+            <a:r>
+              <a:rPr lang="zh-CN" altLang="en-US">
+                <a:sym typeface="+mn-ea"/>
+              </a:rPr>
+              <a:t>）</a:t>
+            </a:r>
+            <a:endParaRPr lang="zh-CN" altLang="en-US"/>
+          </a:p>
+        </p:txBody>
+      </p:sp>
+      <p:sp>
+        <p:nvSpPr>
+          <p:cNvPr id="3" name="文本框 2"/>
+          <p:cNvSpPr txBox="1"/>
+          <p:nvPr/>
+        </p:nvSpPr>
+        <p:spPr>
+          <a:xfrm>
+            <a:off x="2472055" y="1388745"/>
+            <a:ext cx="1259205" cy="368300"/>
+          </a:xfrm>
+          <a:prstGeom prst="rect">
+            <a:avLst/>
+          </a:prstGeom>
+          <a:noFill/>
+        </p:spPr>
+        <p:txBody>
+          <a:bodyPr wrap="square" rtlCol="0">
+            <a:spAutoFit/>
+          </a:bodyPr>
+          <a:p>
+            <a:r>
+              <a:rPr lang="en-US" altLang="zh-CN"/>
+              <a:t>e</a:t>
+            </a:r>
+            <a:r>
+              <a:rPr lang="en-US" altLang="zh-CN" baseline="-25000"/>
+              <a:t>i</a:t>
+            </a:r>
+            <a:r>
+              <a:rPr lang="en-US" altLang="zh-CN"/>
+              <a:t>cos(а/2)</a:t>
+            </a:r>
+            <a:endParaRPr lang="zh-CN" altLang="en-US"/>
+          </a:p>
+        </p:txBody>
+      </p:sp>
+      <p:sp>
+        <p:nvSpPr>
+          <p:cNvPr id="6" name="文本框 5"/>
+          <p:cNvSpPr txBox="1"/>
+          <p:nvPr/>
+        </p:nvSpPr>
+        <p:spPr>
+          <a:xfrm>
+            <a:off x="1945640" y="3959225"/>
+            <a:ext cx="1501140" cy="368300"/>
+          </a:xfrm>
+          <a:prstGeom prst="rect">
+            <a:avLst/>
+          </a:prstGeom>
+          <a:noFill/>
+        </p:spPr>
+        <p:txBody>
+          <a:bodyPr wrap="square" rtlCol="0">
+            <a:spAutoFit/>
+          </a:bodyPr>
+          <a:p>
+            <a:r>
+              <a:rPr lang="en-US" altLang="zh-CN"/>
+              <a:t>X0</a:t>
+            </a:r>
+            <a:endParaRPr lang="en-US" altLang="zh-CN"/>
+          </a:p>
+        </p:txBody>
+      </p:sp>
+      <p:cxnSp>
+        <p:nvCxnSpPr>
+          <p:cNvPr id="7" name="直接箭头连接符 6"/>
+          <p:cNvCxnSpPr/>
+          <p:nvPr>
+            <p:custDataLst>
+              <p:tags r:id="rId4"/>
+            </p:custDataLst>
+          </p:nvPr>
+        </p:nvCxnSpPr>
+        <p:spPr>
+          <a:xfrm flipV="1">
+            <a:off x="2397125" y="3259455"/>
+            <a:ext cx="1539875" cy="896620"/>
+          </a:xfrm>
+          <a:prstGeom prst="straightConnector1">
+            <a:avLst/>
+          </a:prstGeom>
+          <a:ln w="25400">
+            <a:solidFill>
+              <a:schemeClr val="accent3">
+                <a:lumMod val="40000"/>
+                <a:lumOff val="60000"/>
+              </a:schemeClr>
+            </a:solidFill>
+            <a:tailEnd type="none"/>
+          </a:ln>
+        </p:spPr>
+        <p:style>
+          <a:lnRef idx="2">
+            <a:schemeClr val="accent1"/>
+          </a:lnRef>
+          <a:fillRef idx="0">
+            <a:srgbClr val="FFFFFF"/>
+          </a:fillRef>
+          <a:effectRef idx="0">
+            <a:srgbClr val="FFFFFF"/>
+          </a:effectRef>
+          <a:fontRef idx="minor">
+            <a:schemeClr val="tx1"/>
+          </a:fontRef>
+        </p:style>
+      </p:cxnSp>
+      <p:sp>
+        <p:nvSpPr>
+          <p:cNvPr id="15" name="左大括号 14"/>
+          <p:cNvSpPr/>
+          <p:nvPr/>
+        </p:nvSpPr>
+        <p:spPr>
+          <a:xfrm rot="16200000">
+            <a:off x="3175635" y="3623310"/>
+            <a:ext cx="654050" cy="1851025"/>
+          </a:xfrm>
+          <a:prstGeom prst="leftBrace">
+            <a:avLst/>
+          </a:prstGeom>
+        </p:spPr>
+        <p:style>
+          <a:lnRef idx="2">
+            <a:schemeClr val="accent1"/>
+          </a:lnRef>
+          <a:fillRef idx="0">
+            <a:srgbClr val="FFFFFF"/>
+          </a:fillRef>
+          <a:effectRef idx="0">
+            <a:srgbClr val="FFFFFF"/>
+          </a:effectRef>
+          <a:fontRef idx="minor">
+            <a:schemeClr val="tx1"/>
+          </a:fontRef>
+        </p:style>
+        <p:txBody>
+          <a:bodyPr rtlCol="0" anchor="ctr"/>
+          <a:p>
+            <a:pPr algn="ctr"/>
+            <a:endParaRPr lang="zh-CN" altLang="en-US"/>
+          </a:p>
+        </p:txBody>
+      </p:sp>
+      <p:sp>
+        <p:nvSpPr>
+          <p:cNvPr id="17" name="文本框 16"/>
+          <p:cNvSpPr txBox="1"/>
+          <p:nvPr/>
+        </p:nvSpPr>
+        <p:spPr>
+          <a:xfrm>
+            <a:off x="3333115" y="4892040"/>
+            <a:ext cx="867410" cy="368300"/>
+          </a:xfrm>
+          <a:prstGeom prst="rect">
+            <a:avLst/>
+          </a:prstGeom>
+          <a:noFill/>
+        </p:spPr>
+        <p:txBody>
+          <a:bodyPr wrap="square" rtlCol="0">
+            <a:spAutoFit/>
+          </a:bodyPr>
+          <a:p>
+            <a:r>
+              <a:rPr lang="en-US" altLang="zh-CN"/>
+              <a:t>r</a:t>
+            </a:r>
+            <a:endParaRPr lang="en-US" altLang="zh-CN"/>
+          </a:p>
+        </p:txBody>
+      </p:sp>
+      <p:sp>
+        <p:nvSpPr>
+          <p:cNvPr id="18" name="文本框 17"/>
+          <p:cNvSpPr txBox="1"/>
+          <p:nvPr>
+            <p:custDataLst>
+              <p:tags r:id="rId5"/>
+            </p:custDataLst>
+          </p:nvPr>
+        </p:nvSpPr>
+        <p:spPr>
+          <a:xfrm>
+            <a:off x="5650230" y="5202555"/>
+            <a:ext cx="863600" cy="368300"/>
+          </a:xfrm>
+          <a:prstGeom prst="rect">
+            <a:avLst/>
+          </a:prstGeom>
+          <a:noFill/>
+        </p:spPr>
+        <p:txBody>
+          <a:bodyPr wrap="square" rtlCol="0">
+            <a:spAutoFit/>
+          </a:bodyPr>
+          <a:p>
+            <a:r>
+              <a:rPr lang="en-US" altLang="zh-CN"/>
+              <a:t>f</a:t>
+            </a:r>
+            <a:endParaRPr lang="en-US" altLang="zh-CN"/>
+          </a:p>
+        </p:txBody>
+      </p:sp>
+      <p:sp>
+        <p:nvSpPr>
+          <p:cNvPr id="19" name="左大括号 18"/>
+          <p:cNvSpPr/>
+          <p:nvPr>
+            <p:custDataLst>
+              <p:tags r:id="rId6"/>
+            </p:custDataLst>
+          </p:nvPr>
+        </p:nvSpPr>
+        <p:spPr>
+          <a:xfrm rot="16200000">
+            <a:off x="5495290" y="4671060"/>
+            <a:ext cx="654050" cy="344805"/>
+          </a:xfrm>
+          <a:prstGeom prst="leftBrace">
+            <a:avLst>
+              <a:gd name="adj1" fmla="val 25000"/>
+              <a:gd name="adj2" fmla="val 50000"/>
+            </a:avLst>
+          </a:prstGeom>
+        </p:spPr>
+        <p:style>
+          <a:lnRef idx="2">
+            <a:schemeClr val="accent1"/>
+          </a:lnRef>
+          <a:fillRef idx="0">
+            <a:srgbClr val="FFFFFF"/>
+          </a:fillRef>
+          <a:effectRef idx="0">
+            <a:srgbClr val="FFFFFF"/>
+          </a:effectRef>
+          <a:fontRef idx="minor">
+            <a:schemeClr val="tx1"/>
+          </a:fontRef>
+        </p:style>
+        <p:txBody>
+          <a:bodyPr rtlCol="0" anchor="ctr"/>
+          <a:p>
+            <a:pPr algn="ctr"/>
+            <a:endParaRPr lang="zh-CN" altLang="en-US"/>
+          </a:p>
+        </p:txBody>
+      </p:sp>
+      <p:sp>
+        <p:nvSpPr>
+          <p:cNvPr id="20" name="左大括号 19"/>
+          <p:cNvSpPr/>
+          <p:nvPr>
+            <p:custDataLst>
+              <p:tags r:id="rId7"/>
+            </p:custDataLst>
+          </p:nvPr>
+        </p:nvSpPr>
+        <p:spPr>
+          <a:xfrm rot="10800000" flipH="1">
+            <a:off x="1638935" y="2367915"/>
+            <a:ext cx="658495" cy="1776095"/>
+          </a:xfrm>
+          <a:prstGeom prst="leftBrace">
+            <a:avLst>
+              <a:gd name="adj1" fmla="val 25000"/>
+              <a:gd name="adj2" fmla="val 50000"/>
+            </a:avLst>
+          </a:prstGeom>
+        </p:spPr>
+        <p:style>
+          <a:lnRef idx="2">
+            <a:schemeClr val="accent1"/>
+          </a:lnRef>
+          <a:fillRef idx="0">
+            <a:srgbClr val="FFFFFF"/>
+          </a:fillRef>
+          <a:effectRef idx="0">
+            <a:srgbClr val="FFFFFF"/>
+          </a:effectRef>
+          <a:fontRef idx="minor">
+            <a:schemeClr val="tx1"/>
+          </a:fontRef>
+        </p:style>
+        <p:txBody>
+          <a:bodyPr rtlCol="0" anchor="ctr"/>
+          <a:p>
+            <a:pPr algn="ctr"/>
+            <a:endParaRPr lang="zh-CN" altLang="en-US"/>
+          </a:p>
+        </p:txBody>
+      </p:sp>
+      <p:sp>
+        <p:nvSpPr>
+          <p:cNvPr id="21" name="文本框 20"/>
+          <p:cNvSpPr txBox="1"/>
+          <p:nvPr>
+            <p:custDataLst>
+              <p:tags r:id="rId8"/>
+            </p:custDataLst>
+          </p:nvPr>
+        </p:nvSpPr>
+        <p:spPr>
+          <a:xfrm>
+            <a:off x="2768600" y="2228850"/>
+            <a:ext cx="529590" cy="368300"/>
+          </a:xfrm>
+          <a:prstGeom prst="rect">
+            <a:avLst/>
+          </a:prstGeom>
+          <a:noFill/>
+        </p:spPr>
+        <p:txBody>
+          <a:bodyPr wrap="square" rtlCol="0">
+            <a:spAutoFit/>
+          </a:bodyPr>
+          <a:p>
+            <a:r>
+              <a:rPr lang="en-US" altLang="zh-CN"/>
+              <a:t>e</a:t>
+            </a:r>
+            <a:r>
+              <a:rPr lang="en-US" altLang="zh-CN" baseline="-25000"/>
+              <a:t>i</a:t>
+            </a:r>
+            <a:endParaRPr lang="en-US" altLang="zh-CN" baseline="-25000"/>
+          </a:p>
+        </p:txBody>
+      </p:sp>
+      <p:cxnSp>
+        <p:nvCxnSpPr>
+          <p:cNvPr id="2" name="直接箭头连接符 1"/>
+          <p:cNvCxnSpPr/>
+          <p:nvPr>
+            <p:custDataLst>
+              <p:tags r:id="rId9"/>
+            </p:custDataLst>
+          </p:nvPr>
+        </p:nvCxnSpPr>
+        <p:spPr>
+          <a:xfrm flipH="1" flipV="1">
+            <a:off x="2397125" y="617855"/>
+            <a:ext cx="2102485" cy="3604260"/>
+          </a:xfrm>
+          <a:prstGeom prst="straightConnector1">
+            <a:avLst/>
+          </a:prstGeom>
+          <a:ln>
+            <a:solidFill>
+              <a:schemeClr val="accent1"/>
+            </a:solidFill>
+            <a:tailEnd type="none"/>
+          </a:ln>
+        </p:spPr>
+        <p:style>
+          <a:lnRef idx="2">
+            <a:schemeClr val="accent1"/>
+          </a:lnRef>
+          <a:fillRef idx="0">
+            <a:srgbClr val="FFFFFF"/>
+          </a:fillRef>
+          <a:effectRef idx="0">
+            <a:srgbClr val="FFFFFF"/>
+          </a:effectRef>
+          <a:fontRef idx="minor">
+            <a:schemeClr val="tx1"/>
+          </a:fontRef>
+        </p:style>
+      </p:cxnSp>
+      <p:sp>
+        <p:nvSpPr>
+          <p:cNvPr id="4" name="弧形 3"/>
+          <p:cNvSpPr/>
+          <p:nvPr/>
+        </p:nvSpPr>
+        <p:spPr>
+          <a:xfrm rot="8340000">
+            <a:off x="1906905" y="-57785"/>
+            <a:ext cx="882650" cy="1088390"/>
+          </a:xfrm>
+          <a:prstGeom prst="arc">
+            <a:avLst>
+              <a:gd name="adj1" fmla="val 16836526"/>
+              <a:gd name="adj2" fmla="val 20328326"/>
+            </a:avLst>
+          </a:prstGeom>
+          <a:ln>
+            <a:solidFill>
+              <a:schemeClr val="accent3"/>
+            </a:solidFill>
+          </a:ln>
+        </p:spPr>
+        <p:style>
+          <a:lnRef idx="2">
+            <a:schemeClr val="accent1"/>
+          </a:lnRef>
+          <a:fillRef idx="0">
+            <a:srgbClr val="FFFFFF"/>
+          </a:fillRef>
+          <a:effectRef idx="0">
+            <a:srgbClr val="FFFFFF"/>
+          </a:effectRef>
+          <a:fontRef idx="minor">
+            <a:schemeClr val="tx1"/>
+          </a:fontRef>
+        </p:style>
+        <p:txBody>
+          <a:bodyPr rtlCol="0" anchor="ctr"/>
+          <a:p>
+            <a:pPr algn="ctr"/>
+            <a:endParaRPr lang="zh-CN" altLang="en-US"/>
+          </a:p>
+        </p:txBody>
+      </p:sp>
+      <p:cxnSp>
+        <p:nvCxnSpPr>
+          <p:cNvPr id="8" name="直接箭头连接符 7"/>
+          <p:cNvCxnSpPr/>
+          <p:nvPr>
+            <p:custDataLst>
+              <p:tags r:id="rId10"/>
+            </p:custDataLst>
+          </p:nvPr>
+        </p:nvCxnSpPr>
+        <p:spPr>
+          <a:xfrm>
+            <a:off x="2386965" y="4144645"/>
+            <a:ext cx="2103755" cy="0"/>
+          </a:xfrm>
+          <a:prstGeom prst="straightConnector1">
+            <a:avLst/>
+          </a:prstGeom>
+          <a:ln>
+            <a:solidFill>
+              <a:schemeClr val="accent6"/>
+            </a:solidFill>
+            <a:tailEnd type="none"/>
+          </a:ln>
+        </p:spPr>
+        <p:style>
+          <a:lnRef idx="2">
+            <a:schemeClr val="accent1"/>
+          </a:lnRef>
+          <a:fillRef idx="0">
+            <a:srgbClr val="FFFFFF"/>
+          </a:fillRef>
+          <a:effectRef idx="0">
+            <a:srgbClr val="FFFFFF"/>
+          </a:effectRef>
+          <a:fontRef idx="minor">
+            <a:schemeClr val="tx1"/>
+          </a:fontRef>
+        </p:style>
+      </p:cxnSp>
+      <p:sp>
+        <p:nvSpPr>
+          <p:cNvPr id="23" name="文本框 22"/>
+          <p:cNvSpPr txBox="1"/>
+          <p:nvPr>
+            <p:custDataLst>
+              <p:tags r:id="rId11"/>
+            </p:custDataLst>
+          </p:nvPr>
+        </p:nvSpPr>
+        <p:spPr>
+          <a:xfrm>
+            <a:off x="2630170" y="3837305"/>
+            <a:ext cx="613410" cy="368300"/>
+          </a:xfrm>
+          <a:prstGeom prst="rect">
+            <a:avLst/>
+          </a:prstGeom>
+          <a:noFill/>
+        </p:spPr>
+        <p:txBody>
+          <a:bodyPr wrap="square" rtlCol="0">
+            <a:spAutoFit/>
+          </a:bodyPr>
+          <a:p>
+            <a:r>
+              <a:rPr lang="en-US" altLang="zh-CN"/>
+              <a:t>а/2</a:t>
+            </a:r>
+            <a:endParaRPr lang="en-US" altLang="zh-CN"/>
+          </a:p>
+        </p:txBody>
+      </p:sp>
+      <p:sp>
+        <p:nvSpPr>
+          <p:cNvPr id="24" name="椭圆 23"/>
+          <p:cNvSpPr/>
+          <p:nvPr/>
+        </p:nvSpPr>
+        <p:spPr>
+          <a:xfrm>
+            <a:off x="3719195" y="2301875"/>
+            <a:ext cx="95250" cy="95250"/>
+          </a:xfrm>
+          <a:prstGeom prst="ellipse">
+            <a:avLst/>
+          </a:prstGeom>
+          <a:solidFill>
+            <a:schemeClr val="tx1"/>
+          </a:solidFill>
+          <a:ln>
+            <a:solidFill>
+              <a:schemeClr val="tx1"/>
+            </a:solidFill>
+          </a:ln>
+        </p:spPr>
+        <p:style>
+          <a:lnRef idx="2">
+            <a:schemeClr val="accent1">
+              <a:lumMod val="75000"/>
+            </a:schemeClr>
+          </a:lnRef>
+          <a:fillRef idx="1">
+            <a:schemeClr val="accent1"/>
+          </a:fillRef>
+          <a:effectRef idx="0">
+            <a:srgbClr val="FFFFFF"/>
+          </a:effectRef>
+          <a:fontRef idx="minor">
+            <a:schemeClr val="lt1"/>
+          </a:fontRef>
+        </p:style>
+        <p:txBody>
+          <a:bodyPr rtlCol="0" anchor="ctr"/>
+          <a:p>
+            <a:pPr algn="ctr"/>
+            <a:endParaRPr lang="zh-CN" altLang="en-US"/>
+          </a:p>
+        </p:txBody>
+      </p:sp>
+      <p:sp>
+        <p:nvSpPr>
+          <p:cNvPr id="25" name="文本框 24"/>
+          <p:cNvSpPr txBox="1"/>
+          <p:nvPr/>
+        </p:nvSpPr>
+        <p:spPr>
+          <a:xfrm>
+            <a:off x="3836670" y="1961515"/>
+            <a:ext cx="4064000" cy="398780"/>
+          </a:xfrm>
+          <a:prstGeom prst="rect">
+            <a:avLst/>
+          </a:prstGeom>
+          <a:noFill/>
+        </p:spPr>
+        <p:txBody>
+          <a:bodyPr wrap="square" rtlCol="0">
+            <a:spAutoFit/>
+          </a:bodyPr>
+          <a:p>
+            <a:r>
+              <a:rPr lang="en-US" altLang="zh-CN" sz="2000"/>
+              <a:t>p</a:t>
+            </a:r>
+            <a:r>
+              <a:rPr lang="en-US" altLang="zh-CN" sz="2000" baseline="-25000"/>
+              <a:t>i</a:t>
+            </a:r>
+            <a:endParaRPr lang="en-US" altLang="zh-CN" sz="2000" baseline="-25000"/>
+          </a:p>
+        </p:txBody>
+      </p:sp>
+      <p:cxnSp>
+        <p:nvCxnSpPr>
+          <p:cNvPr id="26" name="直接箭头连接符 25"/>
+          <p:cNvCxnSpPr>
+            <a:endCxn id="24" idx="2"/>
+          </p:cNvCxnSpPr>
+          <p:nvPr>
+            <p:custDataLst>
+              <p:tags r:id="rId12"/>
+            </p:custDataLst>
+          </p:nvPr>
+        </p:nvCxnSpPr>
+        <p:spPr>
+          <a:xfrm>
+            <a:off x="2381885" y="2344420"/>
+            <a:ext cx="1337310" cy="5080"/>
+          </a:xfrm>
+          <a:prstGeom prst="straightConnector1">
+            <a:avLst/>
+          </a:prstGeom>
+          <a:ln>
+            <a:solidFill>
+              <a:schemeClr val="accent6"/>
+            </a:solidFill>
+            <a:tailEnd type="none"/>
+          </a:ln>
+        </p:spPr>
+        <p:style>
+          <a:lnRef idx="2">
+            <a:schemeClr val="accent1"/>
+          </a:lnRef>
+          <a:fillRef idx="0">
+            <a:srgbClr val="FFFFFF"/>
+          </a:fillRef>
+          <a:effectRef idx="0">
+            <a:srgbClr val="FFFFFF"/>
+          </a:effectRef>
+          <a:fontRef idx="minor">
+            <a:schemeClr val="tx1"/>
+          </a:fontRef>
+        </p:style>
+      </p:cxnSp>
+      <p:sp>
+        <p:nvSpPr>
+          <p:cNvPr id="27" name="文本框 26"/>
+          <p:cNvSpPr txBox="1"/>
+          <p:nvPr>
+            <p:custDataLst>
+              <p:tags r:id="rId13"/>
+            </p:custDataLst>
+          </p:nvPr>
+        </p:nvSpPr>
+        <p:spPr>
+          <a:xfrm>
+            <a:off x="1233170" y="3072130"/>
+            <a:ext cx="529590" cy="368300"/>
+          </a:xfrm>
+          <a:prstGeom prst="rect">
+            <a:avLst/>
+          </a:prstGeom>
+          <a:noFill/>
+        </p:spPr>
+        <p:txBody>
+          <a:bodyPr wrap="square" rtlCol="0">
+            <a:spAutoFit/>
+          </a:bodyPr>
+          <a:p>
+            <a:r>
+              <a:rPr lang="en-US" altLang="zh-CN"/>
+              <a:t>f</a:t>
+            </a:r>
+            <a:r>
+              <a:rPr lang="en-US" altLang="zh-CN" baseline="-25000"/>
+              <a:t>i</a:t>
+            </a:r>
+            <a:endParaRPr lang="en-US" altLang="zh-CN" baseline="-25000"/>
+          </a:p>
+        </p:txBody>
+      </p:sp>
+      <p:cxnSp>
+        <p:nvCxnSpPr>
+          <p:cNvPr id="28" name="直接箭头连接符 27"/>
+          <p:cNvCxnSpPr/>
+          <p:nvPr>
+            <p:custDataLst>
+              <p:tags r:id="rId14"/>
+            </p:custDataLst>
+          </p:nvPr>
+        </p:nvCxnSpPr>
+        <p:spPr>
+          <a:xfrm flipV="1">
+            <a:off x="2413635" y="1725295"/>
+            <a:ext cx="1049020" cy="612775"/>
+          </a:xfrm>
+          <a:prstGeom prst="straightConnector1">
+            <a:avLst/>
+          </a:prstGeom>
+          <a:ln w="25400">
+            <a:solidFill>
+              <a:schemeClr val="accent3">
+                <a:lumMod val="40000"/>
+                <a:lumOff val="60000"/>
+              </a:schemeClr>
+            </a:solidFill>
+            <a:tailEnd type="none"/>
+          </a:ln>
+        </p:spPr>
+        <p:style>
+          <a:lnRef idx="2">
+            <a:schemeClr val="accent1"/>
+          </a:lnRef>
+          <a:fillRef idx="0">
+            <a:srgbClr val="FFFFFF"/>
+          </a:fillRef>
+          <a:effectRef idx="0">
+            <a:srgbClr val="FFFFFF"/>
+          </a:effectRef>
+          <a:fontRef idx="minor">
+            <a:schemeClr val="tx1"/>
+          </a:fontRef>
+        </p:style>
+      </p:cxnSp>
+      <p:cxnSp>
+        <p:nvCxnSpPr>
+          <p:cNvPr id="29" name="直接箭头连接符 28"/>
+          <p:cNvCxnSpPr/>
+          <p:nvPr>
+            <p:custDataLst>
+              <p:tags r:id="rId15"/>
+            </p:custDataLst>
+          </p:nvPr>
+        </p:nvCxnSpPr>
+        <p:spPr>
+          <a:xfrm>
+            <a:off x="3446780" y="1757045"/>
+            <a:ext cx="885825" cy="1517650"/>
+          </a:xfrm>
+          <a:prstGeom prst="straightConnector1">
+            <a:avLst/>
+          </a:prstGeom>
+          <a:ln w="25400">
+            <a:solidFill>
+              <a:schemeClr val="accent1"/>
+            </a:solidFill>
+            <a:tailEnd type="none"/>
+          </a:ln>
+        </p:spPr>
+        <p:style>
+          <a:lnRef idx="2">
+            <a:schemeClr val="accent1"/>
+          </a:lnRef>
+          <a:fillRef idx="0">
+            <a:srgbClr val="FFFFFF"/>
+          </a:fillRef>
+          <a:effectRef idx="0">
+            <a:srgbClr val="FFFFFF"/>
+          </a:effectRef>
+          <a:fontRef idx="minor">
+            <a:schemeClr val="tx1"/>
+          </a:fontRef>
+        </p:style>
+      </p:cxnSp>
+      <p:cxnSp>
+        <p:nvCxnSpPr>
+          <p:cNvPr id="30" name="直接箭头连接符 29"/>
+          <p:cNvCxnSpPr/>
+          <p:nvPr>
+            <p:custDataLst>
+              <p:tags r:id="rId16"/>
+            </p:custDataLst>
+          </p:nvPr>
+        </p:nvCxnSpPr>
+        <p:spPr>
+          <a:xfrm flipH="1" flipV="1">
+            <a:off x="3437255" y="1757045"/>
+            <a:ext cx="8890" cy="1784350"/>
+          </a:xfrm>
+          <a:prstGeom prst="straightConnector1">
+            <a:avLst/>
+          </a:prstGeom>
+          <a:ln w="25400">
+            <a:solidFill>
+              <a:schemeClr val="accent6">
+                <a:lumMod val="75000"/>
+              </a:schemeClr>
+            </a:solidFill>
+            <a:tailEnd type="none"/>
+          </a:ln>
+        </p:spPr>
+        <p:style>
+          <a:lnRef idx="2">
+            <a:schemeClr val="accent1"/>
+          </a:lnRef>
+          <a:fillRef idx="0">
+            <a:srgbClr val="FFFFFF"/>
+          </a:fillRef>
+          <a:effectRef idx="0">
+            <a:srgbClr val="FFFFFF"/>
+          </a:effectRef>
+          <a:fontRef idx="minor">
+            <a:schemeClr val="tx1"/>
+          </a:fontRef>
+        </p:style>
+      </p:cxnSp>
+      <p:cxnSp>
+        <p:nvCxnSpPr>
+          <p:cNvPr id="31" name="直接箭头连接符 30"/>
+          <p:cNvCxnSpPr/>
+          <p:nvPr>
+            <p:custDataLst>
+              <p:tags r:id="rId17"/>
+            </p:custDataLst>
+          </p:nvPr>
+        </p:nvCxnSpPr>
+        <p:spPr>
+          <a:xfrm flipV="1">
+            <a:off x="3435350" y="3069590"/>
+            <a:ext cx="786130" cy="482600"/>
+          </a:xfrm>
+          <a:prstGeom prst="straightConnector1">
+            <a:avLst/>
+          </a:prstGeom>
+          <a:ln w="25400">
+            <a:solidFill>
+              <a:schemeClr val="accent5">
+                <a:lumMod val="60000"/>
+                <a:lumOff val="40000"/>
+              </a:schemeClr>
+            </a:solidFill>
+            <a:tailEnd type="none"/>
+          </a:ln>
+        </p:spPr>
+        <p:style>
+          <a:lnRef idx="2">
+            <a:schemeClr val="accent1"/>
+          </a:lnRef>
+          <a:fillRef idx="0">
+            <a:srgbClr val="FFFFFF"/>
+          </a:fillRef>
+          <a:effectRef idx="0">
+            <a:srgbClr val="FFFFFF"/>
+          </a:effectRef>
+          <a:fontRef idx="minor">
+            <a:schemeClr val="tx1"/>
+          </a:fontRef>
+        </p:style>
+      </p:cxnSp>
+      <p:sp>
+        <p:nvSpPr>
+          <p:cNvPr id="32" name="文本框 31"/>
+          <p:cNvSpPr txBox="1"/>
+          <p:nvPr>
+            <p:custDataLst>
+              <p:tags r:id="rId18"/>
+            </p:custDataLst>
+          </p:nvPr>
+        </p:nvSpPr>
+        <p:spPr>
+          <a:xfrm>
+            <a:off x="3219450" y="2757170"/>
+            <a:ext cx="529590" cy="368300"/>
+          </a:xfrm>
+          <a:prstGeom prst="rect">
+            <a:avLst/>
+          </a:prstGeom>
+          <a:noFill/>
+        </p:spPr>
+        <p:txBody>
+          <a:bodyPr wrap="square" rtlCol="0">
+            <a:spAutoFit/>
+          </a:bodyPr>
+          <a:p>
+            <a:r>
+              <a:rPr lang="en-US" altLang="zh-CN"/>
+              <a:t>f</a:t>
+            </a:r>
+            <a:r>
+              <a:rPr lang="en-US" altLang="zh-CN" baseline="-25000"/>
+              <a:t>i</a:t>
+            </a:r>
+            <a:endParaRPr lang="en-US" altLang="zh-CN" baseline="-25000"/>
+          </a:p>
+        </p:txBody>
+      </p:sp>
+      <p:sp>
+        <p:nvSpPr>
+          <p:cNvPr id="33" name="文本框 32"/>
+          <p:cNvSpPr txBox="1"/>
+          <p:nvPr>
+            <p:custDataLst>
+              <p:tags r:id="rId19"/>
+            </p:custDataLst>
+          </p:nvPr>
+        </p:nvSpPr>
+        <p:spPr>
+          <a:xfrm>
+            <a:off x="3898900" y="3151505"/>
+            <a:ext cx="1130935" cy="368300"/>
+          </a:xfrm>
+          <a:prstGeom prst="rect">
+            <a:avLst/>
+          </a:prstGeom>
+          <a:noFill/>
+        </p:spPr>
+        <p:txBody>
+          <a:bodyPr wrap="square" rtlCol="0">
+            <a:spAutoFit/>
+          </a:bodyPr>
+          <a:p>
+            <a:r>
+              <a:rPr lang="en-US" altLang="zh-CN"/>
+              <a:t>f</a:t>
+            </a:r>
+            <a:r>
+              <a:rPr lang="en-US" altLang="zh-CN" baseline="-25000"/>
+              <a:t>i</a:t>
+            </a:r>
+            <a:r>
+              <a:rPr lang="en-US" altLang="zh-CN"/>
+              <a:t>sin(a/2)</a:t>
+            </a:r>
+            <a:endParaRPr lang="en-US" altLang="zh-CN"/>
+          </a:p>
+        </p:txBody>
+      </p:sp>
+    </p:spTree>
+  </p:cSld>
+  <p:clrMapOvr>
+    <a:masterClrMapping/>
+  </p:clrMapOvr>
+</p:sld>
+</file>
+
+<file path=ppt/slides/slide7.xml><?xml version="1.0" encoding="utf-8"?>
+<p:sld xmlns:a="http://schemas.openxmlformats.org/drawingml/2006/main" xmlns:r="http://schemas.openxmlformats.org/officeDocument/2006/relationships" xmlns:p="http://schemas.openxmlformats.org/presentationml/2006/main">
+  <p:cSld>
+    <p:spTree>
+      <p:nvGrpSpPr>
+        <p:cNvPr id="1" name=""/>
+        <p:cNvGrpSpPr/>
+        <p:nvPr/>
+      </p:nvGrpSpPr>
+      <p:grpSpPr/>
+      <p:cxnSp>
+        <p:nvCxnSpPr>
+          <p:cNvPr id="73" name="直接箭头连接符 72"/>
+          <p:cNvCxnSpPr/>
+          <p:nvPr>
+            <p:custDataLst>
+              <p:tags r:id="rId1"/>
+            </p:custDataLst>
+          </p:nvPr>
+        </p:nvCxnSpPr>
+        <p:spPr>
+          <a:xfrm flipV="1">
+            <a:off x="7871039" y="3436462"/>
+            <a:ext cx="4785360" cy="73660"/>
+          </a:xfrm>
+          <a:prstGeom prst="straightConnector1">
+            <a:avLst/>
+          </a:prstGeom>
+          <a:ln>
+            <a:solidFill>
+              <a:schemeClr val="accent4"/>
+            </a:solidFill>
+            <a:tailEnd type="arrow"/>
+          </a:ln>
+        </p:spPr>
+        <p:style>
+          <a:lnRef idx="2">
+            <a:schemeClr val="accent1"/>
+          </a:lnRef>
+          <a:fillRef idx="0">
+            <a:srgbClr val="FFFFFF"/>
+          </a:fillRef>
+          <a:effectRef idx="0">
+            <a:srgbClr val="FFFFFF"/>
+          </a:effectRef>
+          <a:fontRef idx="minor">
+            <a:schemeClr val="tx1"/>
+          </a:fontRef>
+        </p:style>
+      </p:cxnSp>
+      <p:sp>
+        <p:nvSpPr>
+          <p:cNvPr id="5" name="文本框 4"/>
+          <p:cNvSpPr txBox="1"/>
+          <p:nvPr/>
+        </p:nvSpPr>
+        <p:spPr>
+          <a:xfrm rot="1200000">
+            <a:off x="3575685" y="800735"/>
+            <a:ext cx="613410" cy="368300"/>
+          </a:xfrm>
+          <a:prstGeom prst="rect">
+            <a:avLst/>
+          </a:prstGeom>
+          <a:noFill/>
+        </p:spPr>
+        <p:txBody>
+          <a:bodyPr wrap="square" rtlCol="0">
+            <a:spAutoFit/>
+          </a:bodyPr>
+          <a:p>
+            <a:r>
+              <a:rPr lang="en-US" altLang="zh-CN"/>
+              <a:t>а</a:t>
+            </a:r>
+            <a:endParaRPr lang="en-US" altLang="zh-CN"/>
+          </a:p>
+        </p:txBody>
+      </p:sp>
+      <p:cxnSp>
+        <p:nvCxnSpPr>
+          <p:cNvPr id="10" name="直接箭头连接符 9"/>
+          <p:cNvCxnSpPr/>
+          <p:nvPr>
+            <p:custDataLst>
+              <p:tags r:id="rId2"/>
+            </p:custDataLst>
+          </p:nvPr>
+        </p:nvCxnSpPr>
+        <p:spPr>
+          <a:xfrm rot="1200000" flipV="1">
+            <a:off x="1351280" y="-46355"/>
+            <a:ext cx="2323465" cy="3441700"/>
+          </a:xfrm>
+          <a:prstGeom prst="straightConnector1">
+            <a:avLst/>
+          </a:prstGeom>
+          <a:ln>
+            <a:solidFill>
+              <a:schemeClr val="accent1"/>
+            </a:solidFill>
+            <a:tailEnd type="none"/>
+          </a:ln>
+        </p:spPr>
+        <p:style>
+          <a:lnRef idx="2">
+            <a:schemeClr val="accent1"/>
+          </a:lnRef>
+          <a:fillRef idx="0">
+            <a:srgbClr val="FFFFFF"/>
+          </a:fillRef>
+          <a:effectRef idx="0">
+            <a:srgbClr val="FFFFFF"/>
+          </a:effectRef>
+          <a:fontRef idx="minor">
+            <a:schemeClr val="tx1"/>
+          </a:fontRef>
+        </p:style>
+      </p:cxnSp>
+      <p:cxnSp>
+        <p:nvCxnSpPr>
+          <p:cNvPr id="12" name="直接箭头连接符 11"/>
+          <p:cNvCxnSpPr/>
+          <p:nvPr>
+            <p:custDataLst>
+              <p:tags r:id="rId3"/>
+            </p:custDataLst>
+          </p:nvPr>
+        </p:nvCxnSpPr>
+        <p:spPr>
+          <a:xfrm rot="1200000" flipH="1" flipV="1">
+            <a:off x="3411220" y="-368935"/>
+            <a:ext cx="24765" cy="5894705"/>
+          </a:xfrm>
+          <a:prstGeom prst="straightConnector1">
+            <a:avLst/>
+          </a:prstGeom>
+          <a:ln>
+            <a:solidFill>
+              <a:schemeClr val="accent5"/>
+            </a:solidFill>
+            <a:tailEnd type="arrow"/>
+          </a:ln>
+        </p:spPr>
+        <p:style>
+          <a:lnRef idx="2">
+            <a:schemeClr val="accent1"/>
+          </a:lnRef>
+          <a:fillRef idx="0">
+            <a:srgbClr val="FFFFFF"/>
+          </a:fillRef>
+          <a:effectRef idx="0">
+            <a:srgbClr val="FFFFFF"/>
+          </a:effectRef>
+          <a:fontRef idx="minor">
+            <a:schemeClr val="tx1"/>
+          </a:fontRef>
+        </p:style>
+      </p:cxnSp>
+      <p:cxnSp>
+        <p:nvCxnSpPr>
+          <p:cNvPr id="2" name="直接箭头连接符 1"/>
+          <p:cNvCxnSpPr/>
+          <p:nvPr>
+            <p:custDataLst>
+              <p:tags r:id="rId4"/>
+            </p:custDataLst>
+          </p:nvPr>
+        </p:nvCxnSpPr>
+        <p:spPr>
+          <a:xfrm rot="1200000" flipH="1" flipV="1">
+            <a:off x="3517900" y="737870"/>
+            <a:ext cx="2102485" cy="3604260"/>
+          </a:xfrm>
+          <a:prstGeom prst="straightConnector1">
+            <a:avLst/>
+          </a:prstGeom>
+          <a:ln>
+            <a:solidFill>
+              <a:schemeClr val="accent1"/>
+            </a:solidFill>
+            <a:tailEnd type="none"/>
+          </a:ln>
+        </p:spPr>
+        <p:style>
+          <a:lnRef idx="2">
+            <a:schemeClr val="accent1"/>
+          </a:lnRef>
+          <a:fillRef idx="0">
+            <a:srgbClr val="FFFFFF"/>
+          </a:fillRef>
+          <a:effectRef idx="0">
+            <a:srgbClr val="FFFFFF"/>
+          </a:effectRef>
+          <a:fontRef idx="minor">
+            <a:schemeClr val="tx1"/>
+          </a:fontRef>
+        </p:style>
+      </p:cxnSp>
+      <p:sp>
+        <p:nvSpPr>
+          <p:cNvPr id="4" name="弧形 3"/>
+          <p:cNvSpPr/>
+          <p:nvPr/>
+        </p:nvSpPr>
+        <p:spPr>
+          <a:xfrm rot="9540000">
+            <a:off x="3755390" y="-197485"/>
+            <a:ext cx="882650" cy="1088390"/>
+          </a:xfrm>
+          <a:prstGeom prst="arc">
+            <a:avLst>
+              <a:gd name="adj1" fmla="val 16836526"/>
+              <a:gd name="adj2" fmla="val 20328326"/>
+            </a:avLst>
+          </a:prstGeom>
+          <a:ln>
+            <a:solidFill>
+              <a:schemeClr val="accent3"/>
+            </a:solidFill>
+          </a:ln>
+        </p:spPr>
+        <p:style>
+          <a:lnRef idx="2">
+            <a:schemeClr val="accent1"/>
+          </a:lnRef>
+          <a:fillRef idx="0">
+            <a:srgbClr val="FFFFFF"/>
+          </a:fillRef>
+          <a:effectRef idx="0">
+            <a:srgbClr val="FFFFFF"/>
+          </a:effectRef>
+          <a:fontRef idx="minor">
+            <a:schemeClr val="tx1"/>
+          </a:fontRef>
+        </p:style>
+        <p:txBody>
+          <a:bodyPr rtlCol="0" anchor="ctr"/>
+          <a:p>
+            <a:pPr algn="ctr"/>
+            <a:endParaRPr lang="zh-CN" altLang="en-US"/>
+          </a:p>
+        </p:txBody>
+      </p:sp>
+      <p:sp>
+        <p:nvSpPr>
+          <p:cNvPr id="24" name="椭圆 23"/>
+          <p:cNvSpPr/>
+          <p:nvPr/>
+        </p:nvSpPr>
+        <p:spPr>
+          <a:xfrm rot="1200000">
+            <a:off x="4845050" y="2534920"/>
+            <a:ext cx="95250" cy="95250"/>
+          </a:xfrm>
+          <a:prstGeom prst="ellipse">
+            <a:avLst/>
+          </a:prstGeom>
+          <a:solidFill>
+            <a:schemeClr val="tx1"/>
+          </a:solidFill>
+          <a:ln>
+            <a:solidFill>
+              <a:schemeClr val="tx1"/>
+            </a:solidFill>
+          </a:ln>
+        </p:spPr>
+        <p:style>
+          <a:lnRef idx="2">
+            <a:schemeClr val="accent1">
+              <a:lumMod val="75000"/>
+            </a:schemeClr>
+          </a:lnRef>
+          <a:fillRef idx="1">
+            <a:schemeClr val="accent1"/>
+          </a:fillRef>
+          <a:effectRef idx="0">
+            <a:srgbClr val="FFFFFF"/>
+          </a:effectRef>
+          <a:fontRef idx="minor">
+            <a:schemeClr val="lt1"/>
+          </a:fontRef>
+        </p:style>
+        <p:txBody>
+          <a:bodyPr rtlCol="0" anchor="ctr"/>
+          <a:p>
+            <a:pPr algn="ctr"/>
+            <a:endParaRPr lang="zh-CN" altLang="en-US"/>
+          </a:p>
+        </p:txBody>
+      </p:sp>
+      <p:sp>
+        <p:nvSpPr>
+          <p:cNvPr id="22" name="文本框 21"/>
+          <p:cNvSpPr txBox="1"/>
+          <p:nvPr>
+            <p:custDataLst>
+              <p:tags r:id="rId5"/>
+            </p:custDataLst>
+          </p:nvPr>
+        </p:nvSpPr>
+        <p:spPr>
+          <a:xfrm>
+            <a:off x="9776460" y="818515"/>
+            <a:ext cx="613410" cy="368300"/>
+          </a:xfrm>
+          <a:prstGeom prst="rect">
+            <a:avLst/>
+          </a:prstGeom>
+          <a:noFill/>
+        </p:spPr>
+        <p:txBody>
+          <a:bodyPr wrap="square" rtlCol="0">
+            <a:spAutoFit/>
+          </a:bodyPr>
+          <a:p>
+            <a:r>
+              <a:rPr lang="en-US" altLang="zh-CN"/>
+              <a:t>а</a:t>
+            </a:r>
+            <a:endParaRPr lang="en-US" altLang="zh-CN"/>
+          </a:p>
+        </p:txBody>
+      </p:sp>
+      <p:cxnSp>
+        <p:nvCxnSpPr>
+          <p:cNvPr id="34" name="直接箭头连接符 33"/>
+          <p:cNvCxnSpPr/>
+          <p:nvPr>
+            <p:custDataLst>
+              <p:tags r:id="rId6"/>
+            </p:custDataLst>
+          </p:nvPr>
+        </p:nvCxnSpPr>
+        <p:spPr>
+          <a:xfrm flipV="1">
+            <a:off x="7870825" y="398145"/>
+            <a:ext cx="2323465" cy="3441700"/>
+          </a:xfrm>
+          <a:prstGeom prst="straightConnector1">
+            <a:avLst/>
+          </a:prstGeom>
+          <a:ln>
+            <a:solidFill>
+              <a:schemeClr val="accent1"/>
+            </a:solidFill>
+            <a:tailEnd type="none"/>
+          </a:ln>
+        </p:spPr>
+        <p:style>
+          <a:lnRef idx="2">
+            <a:schemeClr val="accent1"/>
+          </a:lnRef>
+          <a:fillRef idx="0">
+            <a:srgbClr val="FFFFFF"/>
+          </a:fillRef>
+          <a:effectRef idx="0">
+            <a:srgbClr val="FFFFFF"/>
+          </a:effectRef>
+          <a:fontRef idx="minor">
+            <a:schemeClr val="tx1"/>
+          </a:fontRef>
+        </p:style>
+      </p:cxnSp>
+      <p:sp>
+        <p:nvSpPr>
+          <p:cNvPr id="36" name="左大括号 35"/>
+          <p:cNvSpPr/>
+          <p:nvPr>
+            <p:custDataLst>
+              <p:tags r:id="rId7"/>
+            </p:custDataLst>
+          </p:nvPr>
+        </p:nvSpPr>
+        <p:spPr>
+          <a:xfrm rot="16200000">
+            <a:off x="10767060" y="3008630"/>
+            <a:ext cx="654050" cy="1692910"/>
+          </a:xfrm>
+          <a:prstGeom prst="leftBrace">
+            <a:avLst/>
+          </a:prstGeom>
+        </p:spPr>
+        <p:style>
+          <a:lnRef idx="2">
+            <a:schemeClr val="accent1"/>
+          </a:lnRef>
+          <a:fillRef idx="0">
+            <a:srgbClr val="FFFFFF"/>
+          </a:fillRef>
+          <a:effectRef idx="0">
+            <a:srgbClr val="FFFFFF"/>
+          </a:effectRef>
+          <a:fontRef idx="minor">
+            <a:schemeClr val="tx1"/>
+          </a:fontRef>
+        </p:style>
+        <p:txBody>
+          <a:bodyPr rtlCol="0" anchor="ctr"/>
+          <a:p>
+            <a:pPr algn="ctr"/>
+            <a:endParaRPr lang="zh-CN" altLang="en-US"/>
+          </a:p>
+        </p:txBody>
+      </p:sp>
+      <p:sp>
+        <p:nvSpPr>
+          <p:cNvPr id="37" name="文本框 36"/>
+          <p:cNvSpPr txBox="1"/>
+          <p:nvPr>
+            <p:custDataLst>
+              <p:tags r:id="rId8"/>
+            </p:custDataLst>
+          </p:nvPr>
+        </p:nvSpPr>
+        <p:spPr>
+          <a:xfrm>
+            <a:off x="10850880" y="4352925"/>
+            <a:ext cx="867410" cy="368300"/>
+          </a:xfrm>
+          <a:prstGeom prst="rect">
+            <a:avLst/>
+          </a:prstGeom>
+          <a:noFill/>
+        </p:spPr>
+        <p:txBody>
+          <a:bodyPr wrap="square" rtlCol="0">
+            <a:spAutoFit/>
+          </a:bodyPr>
+          <a:p>
+            <a:r>
+              <a:rPr lang="en-US" altLang="zh-CN"/>
+              <a:t>r</a:t>
+            </a:r>
+            <a:endParaRPr lang="en-US" altLang="zh-CN"/>
+          </a:p>
+        </p:txBody>
+      </p:sp>
+      <p:cxnSp>
+        <p:nvCxnSpPr>
+          <p:cNvPr id="38" name="直接箭头连接符 37"/>
+          <p:cNvCxnSpPr/>
+          <p:nvPr>
+            <p:custDataLst>
+              <p:tags r:id="rId9"/>
+            </p:custDataLst>
+          </p:nvPr>
+        </p:nvCxnSpPr>
+        <p:spPr>
+          <a:xfrm flipH="1" flipV="1">
+            <a:off x="10209530" y="426720"/>
+            <a:ext cx="2102485" cy="3604260"/>
+          </a:xfrm>
+          <a:prstGeom prst="straightConnector1">
+            <a:avLst/>
+          </a:prstGeom>
+          <a:ln>
+            <a:solidFill>
+              <a:schemeClr val="accent1"/>
+            </a:solidFill>
+            <a:tailEnd type="none"/>
+          </a:ln>
+        </p:spPr>
+        <p:style>
+          <a:lnRef idx="2">
+            <a:schemeClr val="accent1"/>
+          </a:lnRef>
+          <a:fillRef idx="0">
+            <a:srgbClr val="FFFFFF"/>
+          </a:fillRef>
+          <a:effectRef idx="0">
+            <a:srgbClr val="FFFFFF"/>
+          </a:effectRef>
+          <a:fontRef idx="minor">
+            <a:schemeClr val="tx1"/>
+          </a:fontRef>
+        </p:style>
+      </p:cxnSp>
+      <p:sp>
+        <p:nvSpPr>
+          <p:cNvPr id="39" name="弧形 38"/>
+          <p:cNvSpPr/>
+          <p:nvPr>
+            <p:custDataLst>
+              <p:tags r:id="rId10"/>
+            </p:custDataLst>
+          </p:nvPr>
+        </p:nvSpPr>
+        <p:spPr>
+          <a:xfrm rot="8340000">
+            <a:off x="9719310" y="-248920"/>
+            <a:ext cx="882650" cy="1088390"/>
+          </a:xfrm>
+          <a:prstGeom prst="arc">
+            <a:avLst>
+              <a:gd name="adj1" fmla="val 16836526"/>
+              <a:gd name="adj2" fmla="val 20328326"/>
+            </a:avLst>
+          </a:prstGeom>
+          <a:ln>
+            <a:solidFill>
+              <a:schemeClr val="accent3"/>
+            </a:solidFill>
+          </a:ln>
+        </p:spPr>
+        <p:style>
+          <a:lnRef idx="2">
+            <a:schemeClr val="accent1"/>
+          </a:lnRef>
+          <a:fillRef idx="0">
+            <a:srgbClr val="FFFFFF"/>
+          </a:fillRef>
+          <a:effectRef idx="0">
+            <a:srgbClr val="FFFFFF"/>
+          </a:effectRef>
+          <a:fontRef idx="minor">
+            <a:schemeClr val="tx1"/>
+          </a:fontRef>
+        </p:style>
+        <p:txBody>
+          <a:bodyPr rtlCol="0" anchor="ctr"/>
+          <a:p>
+            <a:pPr algn="ctr"/>
+            <a:endParaRPr lang="zh-CN" altLang="en-US"/>
+          </a:p>
+        </p:txBody>
+      </p:sp>
+      <p:cxnSp>
+        <p:nvCxnSpPr>
+          <p:cNvPr id="40" name="直接箭头连接符 39"/>
+          <p:cNvCxnSpPr/>
+          <p:nvPr>
+            <p:custDataLst>
+              <p:tags r:id="rId11"/>
+            </p:custDataLst>
+          </p:nvPr>
+        </p:nvCxnSpPr>
+        <p:spPr>
+          <a:xfrm flipV="1">
+            <a:off x="10179050" y="3440430"/>
+            <a:ext cx="1787525" cy="36195"/>
+          </a:xfrm>
+          <a:prstGeom prst="straightConnector1">
+            <a:avLst/>
+          </a:prstGeom>
+          <a:ln>
+            <a:solidFill>
+              <a:schemeClr val="accent6"/>
+            </a:solidFill>
+            <a:tailEnd type="none"/>
+          </a:ln>
+        </p:spPr>
+        <p:style>
+          <a:lnRef idx="2">
+            <a:schemeClr val="accent1"/>
+          </a:lnRef>
+          <a:fillRef idx="0">
+            <a:srgbClr val="FFFFFF"/>
+          </a:fillRef>
+          <a:effectRef idx="0">
+            <a:srgbClr val="FFFFFF"/>
+          </a:effectRef>
+          <a:fontRef idx="minor">
+            <a:schemeClr val="tx1"/>
+          </a:fontRef>
+        </p:style>
+      </p:cxnSp>
+      <p:sp>
+        <p:nvSpPr>
+          <p:cNvPr id="41" name="椭圆 40"/>
+          <p:cNvSpPr/>
+          <p:nvPr>
+            <p:custDataLst>
+              <p:tags r:id="rId12"/>
+            </p:custDataLst>
+          </p:nvPr>
+        </p:nvSpPr>
+        <p:spPr>
+          <a:xfrm>
+            <a:off x="11531600" y="2110740"/>
+            <a:ext cx="95250" cy="95250"/>
+          </a:xfrm>
+          <a:prstGeom prst="ellipse">
+            <a:avLst/>
+          </a:prstGeom>
+          <a:solidFill>
+            <a:schemeClr val="tx1"/>
+          </a:solidFill>
+          <a:ln>
+            <a:solidFill>
+              <a:schemeClr val="tx1"/>
+            </a:solidFill>
+          </a:ln>
+        </p:spPr>
+        <p:style>
+          <a:lnRef idx="2">
+            <a:schemeClr val="accent1">
+              <a:lumMod val="75000"/>
+            </a:schemeClr>
+          </a:lnRef>
+          <a:fillRef idx="1">
+            <a:schemeClr val="accent1"/>
+          </a:fillRef>
+          <a:effectRef idx="0">
+            <a:srgbClr val="FFFFFF"/>
+          </a:effectRef>
+          <a:fontRef idx="minor">
+            <a:schemeClr val="lt1"/>
+          </a:fontRef>
+        </p:style>
+        <p:txBody>
+          <a:bodyPr rtlCol="0" anchor="ctr"/>
+          <a:p>
+            <a:pPr algn="ctr"/>
+            <a:endParaRPr lang="zh-CN" altLang="en-US"/>
+          </a:p>
+        </p:txBody>
+      </p:sp>
+      <p:sp>
+        <p:nvSpPr>
+          <p:cNvPr id="52" name="椭圆 51"/>
+          <p:cNvSpPr/>
+          <p:nvPr>
+            <p:custDataLst>
+              <p:tags r:id="rId13"/>
+            </p:custDataLst>
+          </p:nvPr>
+        </p:nvSpPr>
+        <p:spPr>
+          <a:xfrm rot="1200000">
+            <a:off x="3602990" y="160655"/>
+            <a:ext cx="95250" cy="95250"/>
+          </a:xfrm>
+          <a:prstGeom prst="ellipse">
+            <a:avLst/>
+          </a:prstGeom>
+          <a:solidFill>
+            <a:schemeClr val="tx1"/>
+          </a:solidFill>
+          <a:ln>
+            <a:solidFill>
+              <a:schemeClr val="tx1"/>
+            </a:solidFill>
+          </a:ln>
+        </p:spPr>
+        <p:style>
+          <a:lnRef idx="2">
+            <a:schemeClr val="accent1">
+              <a:lumMod val="75000"/>
+            </a:schemeClr>
+          </a:lnRef>
+          <a:fillRef idx="1">
+            <a:schemeClr val="accent1"/>
+          </a:fillRef>
+          <a:effectRef idx="0">
+            <a:srgbClr val="FFFFFF"/>
+          </a:effectRef>
+          <a:fontRef idx="minor">
+            <a:schemeClr val="lt1"/>
+          </a:fontRef>
+        </p:style>
+        <p:txBody>
+          <a:bodyPr rtlCol="0" anchor="ctr"/>
+          <a:p>
+            <a:pPr algn="ctr"/>
+            <a:endParaRPr lang="zh-CN" altLang="en-US"/>
+          </a:p>
+        </p:txBody>
+      </p:sp>
+      <p:sp>
+        <p:nvSpPr>
+          <p:cNvPr id="53" name="椭圆 52"/>
+          <p:cNvSpPr/>
+          <p:nvPr>
+            <p:custDataLst>
+              <p:tags r:id="rId14"/>
+            </p:custDataLst>
+          </p:nvPr>
+        </p:nvSpPr>
+        <p:spPr>
+          <a:xfrm rot="1200000">
+            <a:off x="4519930" y="1965960"/>
+            <a:ext cx="95250" cy="95250"/>
+          </a:xfrm>
+          <a:prstGeom prst="ellipse">
+            <a:avLst/>
+          </a:prstGeom>
+          <a:solidFill>
+            <a:schemeClr val="tx1"/>
+          </a:solidFill>
+          <a:ln>
+            <a:solidFill>
+              <a:schemeClr val="tx1"/>
+            </a:solidFill>
+          </a:ln>
+        </p:spPr>
+        <p:style>
+          <a:lnRef idx="2">
+            <a:schemeClr val="accent1">
+              <a:lumMod val="75000"/>
+            </a:schemeClr>
+          </a:lnRef>
+          <a:fillRef idx="1">
+            <a:schemeClr val="accent1"/>
+          </a:fillRef>
+          <a:effectRef idx="0">
+            <a:srgbClr val="FFFFFF"/>
+          </a:effectRef>
+          <a:fontRef idx="minor">
+            <a:schemeClr val="lt1"/>
+          </a:fontRef>
+        </p:style>
+        <p:txBody>
+          <a:bodyPr rtlCol="0" anchor="ctr"/>
+          <a:p>
+            <a:pPr algn="ctr"/>
+            <a:endParaRPr lang="zh-CN" altLang="en-US"/>
+          </a:p>
+        </p:txBody>
+      </p:sp>
+      <p:sp>
+        <p:nvSpPr>
+          <p:cNvPr id="54" name="椭圆 53"/>
+          <p:cNvSpPr/>
+          <p:nvPr>
+            <p:custDataLst>
+              <p:tags r:id="rId15"/>
+            </p:custDataLst>
+          </p:nvPr>
+        </p:nvSpPr>
+        <p:spPr>
+          <a:xfrm rot="1200000">
+            <a:off x="2417445" y="1276350"/>
+            <a:ext cx="95250" cy="95250"/>
+          </a:xfrm>
+          <a:prstGeom prst="ellipse">
+            <a:avLst/>
+          </a:prstGeom>
+          <a:solidFill>
+            <a:schemeClr val="tx1"/>
+          </a:solidFill>
+          <a:ln>
+            <a:solidFill>
+              <a:schemeClr val="tx1"/>
+            </a:solidFill>
+          </a:ln>
+        </p:spPr>
+        <p:style>
+          <a:lnRef idx="2">
+            <a:schemeClr val="accent1">
+              <a:lumMod val="75000"/>
+            </a:schemeClr>
+          </a:lnRef>
+          <a:fillRef idx="1">
+            <a:schemeClr val="accent1"/>
+          </a:fillRef>
+          <a:effectRef idx="0">
+            <a:srgbClr val="FFFFFF"/>
+          </a:effectRef>
+          <a:fontRef idx="minor">
+            <a:schemeClr val="lt1"/>
+          </a:fontRef>
+        </p:style>
+        <p:txBody>
+          <a:bodyPr rtlCol="0" anchor="ctr"/>
+          <a:p>
+            <a:pPr algn="ctr"/>
+            <a:endParaRPr lang="zh-CN" altLang="en-US"/>
+          </a:p>
+        </p:txBody>
+      </p:sp>
+      <p:sp>
+        <p:nvSpPr>
+          <p:cNvPr id="55" name="椭圆 54"/>
+          <p:cNvSpPr/>
+          <p:nvPr>
+            <p:custDataLst>
+              <p:tags r:id="rId16"/>
+            </p:custDataLst>
+          </p:nvPr>
+        </p:nvSpPr>
+        <p:spPr>
+          <a:xfrm rot="1200000">
+            <a:off x="2978150" y="1844040"/>
+            <a:ext cx="95250" cy="95250"/>
+          </a:xfrm>
+          <a:prstGeom prst="ellipse">
+            <a:avLst/>
+          </a:prstGeom>
+          <a:solidFill>
+            <a:schemeClr val="tx1"/>
+          </a:solidFill>
+          <a:ln>
+            <a:solidFill>
+              <a:schemeClr val="tx1"/>
+            </a:solidFill>
+          </a:ln>
+        </p:spPr>
+        <p:style>
+          <a:lnRef idx="2">
+            <a:schemeClr val="accent1">
+              <a:lumMod val="75000"/>
+            </a:schemeClr>
+          </a:lnRef>
+          <a:fillRef idx="1">
+            <a:schemeClr val="accent1"/>
+          </a:fillRef>
+          <a:effectRef idx="0">
+            <a:srgbClr val="FFFFFF"/>
+          </a:effectRef>
+          <a:fontRef idx="minor">
+            <a:schemeClr val="lt1"/>
+          </a:fontRef>
+        </p:style>
+        <p:txBody>
+          <a:bodyPr rtlCol="0" anchor="ctr"/>
+          <a:p>
+            <a:pPr algn="ctr"/>
+            <a:endParaRPr lang="zh-CN" altLang="en-US"/>
+          </a:p>
+        </p:txBody>
+      </p:sp>
+      <p:sp>
+        <p:nvSpPr>
+          <p:cNvPr id="56" name="椭圆 55"/>
+          <p:cNvSpPr/>
+          <p:nvPr>
+            <p:custDataLst>
+              <p:tags r:id="rId17"/>
+            </p:custDataLst>
+          </p:nvPr>
+        </p:nvSpPr>
+        <p:spPr>
+          <a:xfrm rot="1200000">
+            <a:off x="4504690" y="3169920"/>
+            <a:ext cx="95250" cy="95250"/>
+          </a:xfrm>
+          <a:prstGeom prst="ellipse">
+            <a:avLst/>
+          </a:prstGeom>
+          <a:solidFill>
+            <a:schemeClr val="tx1"/>
+          </a:solidFill>
+          <a:ln>
+            <a:solidFill>
+              <a:schemeClr val="tx1"/>
+            </a:solidFill>
+          </a:ln>
+        </p:spPr>
+        <p:style>
+          <a:lnRef idx="2">
+            <a:schemeClr val="accent1">
+              <a:lumMod val="75000"/>
+            </a:schemeClr>
+          </a:lnRef>
+          <a:fillRef idx="1">
+            <a:schemeClr val="accent1"/>
+          </a:fillRef>
+          <a:effectRef idx="0">
+            <a:srgbClr val="FFFFFF"/>
+          </a:effectRef>
+          <a:fontRef idx="minor">
+            <a:schemeClr val="lt1"/>
+          </a:fontRef>
+        </p:style>
+        <p:txBody>
+          <a:bodyPr rtlCol="0" anchor="ctr"/>
+          <a:p>
+            <a:pPr algn="ctr"/>
+            <a:endParaRPr lang="zh-CN" altLang="en-US"/>
+          </a:p>
+        </p:txBody>
+      </p:sp>
+      <p:cxnSp>
+        <p:nvCxnSpPr>
+          <p:cNvPr id="57" name="直接箭头连接符 56"/>
+          <p:cNvCxnSpPr/>
+          <p:nvPr>
+            <p:custDataLst>
+              <p:tags r:id="rId18"/>
+            </p:custDataLst>
+          </p:nvPr>
+        </p:nvCxnSpPr>
+        <p:spPr>
+          <a:xfrm flipV="1">
+            <a:off x="2554184" y="-1055684"/>
+            <a:ext cx="10010" cy="6534941"/>
+          </a:xfrm>
+          <a:prstGeom prst="straightConnector1">
+            <a:avLst/>
+          </a:prstGeom>
+          <a:ln>
+            <a:solidFill>
+              <a:schemeClr val="accent3"/>
+            </a:solidFill>
+            <a:tailEnd type="arrow"/>
+          </a:ln>
+        </p:spPr>
+        <p:style>
+          <a:lnRef idx="2">
+            <a:schemeClr val="accent1"/>
+          </a:lnRef>
+          <a:fillRef idx="0">
+            <a:srgbClr val="FFFFFF"/>
+          </a:fillRef>
+          <a:effectRef idx="0">
+            <a:srgbClr val="FFFFFF"/>
+          </a:effectRef>
+          <a:fontRef idx="minor">
+            <a:schemeClr val="tx1"/>
+          </a:fontRef>
+        </p:style>
+      </p:cxnSp>
+      <p:sp>
+        <p:nvSpPr>
+          <p:cNvPr id="58" name="文本框 57"/>
+          <p:cNvSpPr txBox="1"/>
+          <p:nvPr/>
+        </p:nvSpPr>
+        <p:spPr>
+          <a:xfrm>
+            <a:off x="2109470" y="-723265"/>
+            <a:ext cx="675640" cy="368300"/>
+          </a:xfrm>
+          <a:prstGeom prst="rect">
+            <a:avLst/>
+          </a:prstGeom>
+          <a:noFill/>
+        </p:spPr>
+        <p:txBody>
+          <a:bodyPr wrap="square" rtlCol="0">
+            <a:spAutoFit/>
+          </a:bodyPr>
+          <a:p>
+            <a:r>
+              <a:rPr lang="en-US" altLang="zh-CN"/>
+              <a:t>Z</a:t>
+            </a:r>
+            <a:endParaRPr lang="en-US" altLang="zh-CN"/>
+          </a:p>
+        </p:txBody>
+      </p:sp>
+      <p:cxnSp>
+        <p:nvCxnSpPr>
+          <p:cNvPr id="59" name="直接箭头连接符 58"/>
+          <p:cNvCxnSpPr/>
+          <p:nvPr>
+            <p:custDataLst>
+              <p:tags r:id="rId19"/>
+            </p:custDataLst>
+          </p:nvPr>
+        </p:nvCxnSpPr>
+        <p:spPr>
+          <a:xfrm flipV="1">
+            <a:off x="677124" y="3614897"/>
+            <a:ext cx="4785360" cy="73660"/>
+          </a:xfrm>
+          <a:prstGeom prst="straightConnector1">
+            <a:avLst/>
+          </a:prstGeom>
+          <a:ln>
+            <a:solidFill>
+              <a:schemeClr val="accent4"/>
+            </a:solidFill>
+            <a:tailEnd type="arrow"/>
+          </a:ln>
+        </p:spPr>
+        <p:style>
+          <a:lnRef idx="2">
+            <a:schemeClr val="accent1"/>
+          </a:lnRef>
+          <a:fillRef idx="0">
+            <a:srgbClr val="FFFFFF"/>
+          </a:fillRef>
+          <a:effectRef idx="0">
+            <a:srgbClr val="FFFFFF"/>
+          </a:effectRef>
+          <a:fontRef idx="minor">
+            <a:schemeClr val="tx1"/>
+          </a:fontRef>
+        </p:style>
+      </p:cxnSp>
+      <p:cxnSp>
+        <p:nvCxnSpPr>
+          <p:cNvPr id="61" name="直接箭头连接符 60"/>
+          <p:cNvCxnSpPr/>
+          <p:nvPr>
+            <p:custDataLst>
+              <p:tags r:id="rId20"/>
+            </p:custDataLst>
+          </p:nvPr>
+        </p:nvCxnSpPr>
+        <p:spPr>
+          <a:xfrm flipH="1" flipV="1">
+            <a:off x="10179048" y="-271750"/>
+            <a:ext cx="32849" cy="5884233"/>
+          </a:xfrm>
+          <a:prstGeom prst="straightConnector1">
+            <a:avLst/>
+          </a:prstGeom>
+          <a:ln>
+            <a:solidFill>
+              <a:schemeClr val="accent5"/>
+            </a:solidFill>
+            <a:tailEnd type="arrow"/>
+          </a:ln>
+        </p:spPr>
+        <p:style>
+          <a:lnRef idx="2">
+            <a:schemeClr val="accent1"/>
+          </a:lnRef>
+          <a:fillRef idx="0">
+            <a:srgbClr val="FFFFFF"/>
+          </a:fillRef>
+          <a:effectRef idx="0">
+            <a:srgbClr val="FFFFFF"/>
+          </a:effectRef>
+          <a:fontRef idx="minor">
+            <a:schemeClr val="tx1"/>
+          </a:fontRef>
+        </p:style>
+      </p:cxnSp>
+      <p:sp>
+        <p:nvSpPr>
+          <p:cNvPr id="63" name="椭圆 62"/>
+          <p:cNvSpPr/>
+          <p:nvPr>
+            <p:custDataLst>
+              <p:tags r:id="rId21"/>
+            </p:custDataLst>
+          </p:nvPr>
+        </p:nvSpPr>
+        <p:spPr>
+          <a:xfrm rot="21540000">
+            <a:off x="9558020" y="333375"/>
+            <a:ext cx="95250" cy="95250"/>
+          </a:xfrm>
+          <a:prstGeom prst="ellipse">
+            <a:avLst/>
+          </a:prstGeom>
+          <a:solidFill>
+            <a:schemeClr val="tx1"/>
+          </a:solidFill>
+          <a:ln>
+            <a:solidFill>
+              <a:schemeClr val="tx1"/>
+            </a:solidFill>
+          </a:ln>
+        </p:spPr>
+        <p:style>
+          <a:lnRef idx="2">
+            <a:schemeClr val="accent1">
+              <a:lumMod val="75000"/>
+            </a:schemeClr>
+          </a:lnRef>
+          <a:fillRef idx="1">
+            <a:schemeClr val="accent1"/>
+          </a:fillRef>
+          <a:effectRef idx="0">
+            <a:srgbClr val="FFFFFF"/>
+          </a:effectRef>
+          <a:fontRef idx="minor">
+            <a:schemeClr val="lt1"/>
+          </a:fontRef>
+        </p:style>
+        <p:txBody>
+          <a:bodyPr rtlCol="0" anchor="ctr"/>
+          <a:p>
+            <a:pPr algn="ctr"/>
+            <a:endParaRPr lang="zh-CN" altLang="en-US"/>
+          </a:p>
+        </p:txBody>
+      </p:sp>
+      <p:sp>
+        <p:nvSpPr>
+          <p:cNvPr id="64" name="椭圆 63"/>
+          <p:cNvSpPr/>
+          <p:nvPr>
+            <p:custDataLst>
+              <p:tags r:id="rId22"/>
+            </p:custDataLst>
+          </p:nvPr>
+        </p:nvSpPr>
+        <p:spPr>
+          <a:xfrm rot="21540000">
+            <a:off x="11060430" y="1690370"/>
+            <a:ext cx="95250" cy="95250"/>
+          </a:xfrm>
+          <a:prstGeom prst="ellipse">
+            <a:avLst/>
+          </a:prstGeom>
+          <a:solidFill>
+            <a:schemeClr val="tx1"/>
+          </a:solidFill>
+          <a:ln>
+            <a:solidFill>
+              <a:schemeClr val="tx1"/>
+            </a:solidFill>
+          </a:ln>
+        </p:spPr>
+        <p:style>
+          <a:lnRef idx="2">
+            <a:schemeClr val="accent1">
+              <a:lumMod val="75000"/>
+            </a:schemeClr>
+          </a:lnRef>
+          <a:fillRef idx="1">
+            <a:schemeClr val="accent1"/>
+          </a:fillRef>
+          <a:effectRef idx="0">
+            <a:srgbClr val="FFFFFF"/>
+          </a:effectRef>
+          <a:fontRef idx="minor">
+            <a:schemeClr val="lt1"/>
+          </a:fontRef>
+        </p:style>
+        <p:txBody>
+          <a:bodyPr rtlCol="0" anchor="ctr"/>
+          <a:p>
+            <a:pPr algn="ctr"/>
+            <a:endParaRPr lang="zh-CN" altLang="en-US"/>
+          </a:p>
+        </p:txBody>
+      </p:sp>
+      <p:sp>
+        <p:nvSpPr>
+          <p:cNvPr id="65" name="椭圆 64"/>
+          <p:cNvSpPr/>
+          <p:nvPr>
+            <p:custDataLst>
+              <p:tags r:id="rId23"/>
+            </p:custDataLst>
+          </p:nvPr>
+        </p:nvSpPr>
+        <p:spPr>
+          <a:xfrm rot="21540000">
+            <a:off x="8850630" y="1799590"/>
+            <a:ext cx="95250" cy="95250"/>
+          </a:xfrm>
+          <a:prstGeom prst="ellipse">
+            <a:avLst/>
+          </a:prstGeom>
+          <a:solidFill>
+            <a:schemeClr val="tx1"/>
+          </a:solidFill>
+          <a:ln>
+            <a:solidFill>
+              <a:schemeClr val="tx1"/>
+            </a:solidFill>
+          </a:ln>
+        </p:spPr>
+        <p:style>
+          <a:lnRef idx="2">
+            <a:schemeClr val="accent1">
+              <a:lumMod val="75000"/>
+            </a:schemeClr>
+          </a:lnRef>
+          <a:fillRef idx="1">
+            <a:schemeClr val="accent1"/>
+          </a:fillRef>
+          <a:effectRef idx="0">
+            <a:srgbClr val="FFFFFF"/>
+          </a:effectRef>
+          <a:fontRef idx="minor">
+            <a:schemeClr val="lt1"/>
+          </a:fontRef>
+        </p:style>
+        <p:txBody>
+          <a:bodyPr rtlCol="0" anchor="ctr"/>
+          <a:p>
+            <a:pPr algn="ctr"/>
+            <a:endParaRPr lang="zh-CN" altLang="en-US"/>
+          </a:p>
+        </p:txBody>
+      </p:sp>
+      <p:sp>
+        <p:nvSpPr>
+          <p:cNvPr id="66" name="椭圆 65"/>
+          <p:cNvSpPr/>
+          <p:nvPr>
+            <p:custDataLst>
+              <p:tags r:id="rId24"/>
+            </p:custDataLst>
+          </p:nvPr>
+        </p:nvSpPr>
+        <p:spPr>
+          <a:xfrm rot="21540000">
+            <a:off x="9577705" y="2128520"/>
+            <a:ext cx="95250" cy="95250"/>
+          </a:xfrm>
+          <a:prstGeom prst="ellipse">
+            <a:avLst/>
+          </a:prstGeom>
+          <a:solidFill>
+            <a:schemeClr val="tx1"/>
+          </a:solidFill>
+          <a:ln>
+            <a:solidFill>
+              <a:schemeClr val="tx1"/>
+            </a:solidFill>
+          </a:ln>
+        </p:spPr>
+        <p:style>
+          <a:lnRef idx="2">
+            <a:schemeClr val="accent1">
+              <a:lumMod val="75000"/>
+            </a:schemeClr>
+          </a:lnRef>
+          <a:fillRef idx="1">
+            <a:schemeClr val="accent1"/>
+          </a:fillRef>
+          <a:effectRef idx="0">
+            <a:srgbClr val="FFFFFF"/>
+          </a:effectRef>
+          <a:fontRef idx="minor">
+            <a:schemeClr val="lt1"/>
+          </a:fontRef>
+        </p:style>
+        <p:txBody>
+          <a:bodyPr rtlCol="0" anchor="ctr"/>
+          <a:p>
+            <a:pPr algn="ctr"/>
+            <a:endParaRPr lang="zh-CN" altLang="en-US"/>
+          </a:p>
+        </p:txBody>
+      </p:sp>
+      <p:sp>
+        <p:nvSpPr>
+          <p:cNvPr id="67" name="椭圆 66"/>
+          <p:cNvSpPr/>
+          <p:nvPr>
+            <p:custDataLst>
+              <p:tags r:id="rId25"/>
+            </p:custDataLst>
+          </p:nvPr>
+        </p:nvSpPr>
+        <p:spPr>
+          <a:xfrm rot="21540000">
+            <a:off x="11478260" y="2819400"/>
+            <a:ext cx="95250" cy="95250"/>
+          </a:xfrm>
+          <a:prstGeom prst="ellipse">
+            <a:avLst/>
+          </a:prstGeom>
+          <a:solidFill>
+            <a:schemeClr val="tx1"/>
+          </a:solidFill>
+          <a:ln>
+            <a:solidFill>
+              <a:schemeClr val="tx1"/>
+            </a:solidFill>
+          </a:ln>
+        </p:spPr>
+        <p:style>
+          <a:lnRef idx="2">
+            <a:schemeClr val="accent1">
+              <a:lumMod val="75000"/>
+            </a:schemeClr>
+          </a:lnRef>
+          <a:fillRef idx="1">
+            <a:schemeClr val="accent1"/>
+          </a:fillRef>
+          <a:effectRef idx="0">
+            <a:srgbClr val="FFFFFF"/>
+          </a:effectRef>
+          <a:fontRef idx="minor">
+            <a:schemeClr val="lt1"/>
+          </a:fontRef>
+        </p:style>
+        <p:txBody>
+          <a:bodyPr rtlCol="0" anchor="ctr"/>
+          <a:p>
+            <a:pPr algn="ctr"/>
+            <a:endParaRPr lang="zh-CN" altLang="en-US"/>
+          </a:p>
+        </p:txBody>
+      </p:sp>
+      <p:sp>
+        <p:nvSpPr>
+          <p:cNvPr id="69" name="文本框 68"/>
+          <p:cNvSpPr txBox="1"/>
+          <p:nvPr/>
+        </p:nvSpPr>
+        <p:spPr>
+          <a:xfrm>
+            <a:off x="9300210" y="3531235"/>
+            <a:ext cx="1055370" cy="368300"/>
+          </a:xfrm>
+          <a:prstGeom prst="rect">
+            <a:avLst/>
+          </a:prstGeom>
+          <a:noFill/>
+        </p:spPr>
+        <p:txBody>
+          <a:bodyPr wrap="square" rtlCol="0">
+            <a:spAutoFit/>
+          </a:bodyPr>
+          <a:p>
+            <a:r>
+              <a:rPr lang="en-US" altLang="zh-CN"/>
+              <a:t>(x0, y0)</a:t>
+            </a:r>
+            <a:endParaRPr lang="en-US" altLang="zh-CN"/>
+          </a:p>
+        </p:txBody>
+      </p:sp>
+      <p:sp>
+        <p:nvSpPr>
+          <p:cNvPr id="70" name="文本框 69"/>
+          <p:cNvSpPr txBox="1"/>
+          <p:nvPr/>
+        </p:nvSpPr>
+        <p:spPr>
+          <a:xfrm>
+            <a:off x="4385310" y="-124460"/>
+            <a:ext cx="567690" cy="368300"/>
+          </a:xfrm>
+          <a:prstGeom prst="rect">
+            <a:avLst/>
+          </a:prstGeom>
+          <a:noFill/>
+        </p:spPr>
+        <p:txBody>
+          <a:bodyPr wrap="square" rtlCol="0">
+            <a:spAutoFit/>
+          </a:bodyPr>
+          <a:p>
+            <a:r>
+              <a:rPr lang="en-US" altLang="zh-CN"/>
+              <a:t>A</a:t>
+            </a:r>
+            <a:endParaRPr lang="en-US" altLang="zh-CN"/>
+          </a:p>
+        </p:txBody>
+      </p:sp>
+      <p:sp>
+        <p:nvSpPr>
+          <p:cNvPr id="71" name="右箭头 70"/>
+          <p:cNvSpPr/>
+          <p:nvPr/>
+        </p:nvSpPr>
+        <p:spPr>
+          <a:xfrm>
+            <a:off x="5842000" y="2252980"/>
+            <a:ext cx="1361440" cy="1187450"/>
+          </a:xfrm>
+          <a:prstGeom prst="rightArrow">
+            <a:avLst/>
+          </a:prstGeom>
+        </p:spPr>
+        <p:style>
+          <a:lnRef idx="2">
+            <a:schemeClr val="accent1">
+              <a:lumMod val="75000"/>
+            </a:schemeClr>
+          </a:lnRef>
+          <a:fillRef idx="1">
+            <a:schemeClr val="accent1"/>
+          </a:fillRef>
+          <a:effectRef idx="0">
+            <a:srgbClr val="FFFFFF"/>
+          </a:effectRef>
+          <a:fontRef idx="minor">
+            <a:schemeClr val="lt1"/>
+          </a:fontRef>
+        </p:style>
+        <p:txBody>
+          <a:bodyPr rtlCol="0" anchor="ctr"/>
+          <a:p>
+            <a:pPr algn="ctr"/>
+            <a:endParaRPr lang="zh-CN" altLang="en-US"/>
+          </a:p>
+        </p:txBody>
+      </p:sp>
+      <p:sp>
+        <p:nvSpPr>
+          <p:cNvPr id="72" name="文本框 71"/>
+          <p:cNvSpPr txBox="1"/>
+          <p:nvPr/>
+        </p:nvSpPr>
+        <p:spPr>
+          <a:xfrm>
+            <a:off x="6015990" y="1875155"/>
+            <a:ext cx="4064000" cy="368300"/>
+          </a:xfrm>
+          <a:prstGeom prst="rect">
+            <a:avLst/>
+          </a:prstGeom>
+          <a:noFill/>
+        </p:spPr>
+        <p:txBody>
+          <a:bodyPr wrap="square" rtlCol="0">
+            <a:spAutoFit/>
+          </a:bodyPr>
+          <a:p>
+            <a:r>
+              <a:rPr lang="zh-CN" altLang="en-US"/>
+              <a:t>旋转</a:t>
+            </a:r>
+            <a:endParaRPr lang="zh-CN" altLang="en-US"/>
+          </a:p>
+        </p:txBody>
+      </p:sp>
+      <p:sp>
+        <p:nvSpPr>
+          <p:cNvPr id="74" name="文本框 73"/>
+          <p:cNvSpPr txBox="1"/>
+          <p:nvPr/>
+        </p:nvSpPr>
+        <p:spPr>
+          <a:xfrm>
+            <a:off x="9860915" y="-485775"/>
+            <a:ext cx="739140" cy="368300"/>
+          </a:xfrm>
+          <a:prstGeom prst="rect">
+            <a:avLst/>
+          </a:prstGeom>
+          <a:noFill/>
+        </p:spPr>
+        <p:txBody>
+          <a:bodyPr wrap="square" rtlCol="0">
+            <a:spAutoFit/>
+          </a:bodyPr>
+          <a:p>
+            <a:r>
+              <a:rPr lang="en-US" altLang="zh-CN"/>
+              <a:t>A</a:t>
+            </a:r>
+            <a:endParaRPr lang="en-US" altLang="zh-CN"/>
+          </a:p>
+        </p:txBody>
+      </p:sp>
+      <p:sp>
+        <p:nvSpPr>
+          <p:cNvPr id="76" name="文本框 75"/>
+          <p:cNvSpPr txBox="1"/>
+          <p:nvPr>
+            <p:custDataLst>
+              <p:tags r:id="rId26"/>
+            </p:custDataLst>
+          </p:nvPr>
+        </p:nvSpPr>
+        <p:spPr>
+          <a:xfrm>
+            <a:off x="4953635" y="3688715"/>
+            <a:ext cx="667385" cy="368300"/>
+          </a:xfrm>
+          <a:prstGeom prst="rect">
+            <a:avLst/>
+          </a:prstGeom>
+          <a:noFill/>
+        </p:spPr>
+        <p:txBody>
+          <a:bodyPr wrap="square" rtlCol="0">
+            <a:spAutoFit/>
+          </a:bodyPr>
+          <a:p>
+            <a:r>
+              <a:rPr lang="en-US" altLang="zh-CN"/>
+              <a:t>XOY</a:t>
+            </a:r>
+            <a:endParaRPr lang="en-US" altLang="zh-CN"/>
+          </a:p>
+        </p:txBody>
+      </p:sp>
+      <p:cxnSp>
+        <p:nvCxnSpPr>
+          <p:cNvPr id="77" name="直接箭头连接符 76"/>
+          <p:cNvCxnSpPr/>
+          <p:nvPr>
+            <p:custDataLst>
+              <p:tags r:id="rId27"/>
+            </p:custDataLst>
+          </p:nvPr>
+        </p:nvCxnSpPr>
+        <p:spPr>
+          <a:xfrm flipV="1">
+            <a:off x="10762829" y="-922334"/>
+            <a:ext cx="10010" cy="6534941"/>
+          </a:xfrm>
+          <a:prstGeom prst="straightConnector1">
+            <a:avLst/>
+          </a:prstGeom>
+          <a:ln>
+            <a:solidFill>
+              <a:schemeClr val="accent3"/>
+            </a:solidFill>
+            <a:tailEnd type="arrow"/>
+          </a:ln>
+        </p:spPr>
+        <p:style>
+          <a:lnRef idx="2">
+            <a:schemeClr val="accent1"/>
+          </a:lnRef>
+          <a:fillRef idx="0">
+            <a:srgbClr val="FFFFFF"/>
+          </a:fillRef>
+          <a:effectRef idx="0">
+            <a:srgbClr val="FFFFFF"/>
+          </a:effectRef>
+          <a:fontRef idx="minor">
+            <a:schemeClr val="tx1"/>
+          </a:fontRef>
+        </p:style>
+      </p:cxnSp>
+      <p:sp>
+        <p:nvSpPr>
+          <p:cNvPr id="78" name="文本框 77"/>
+          <p:cNvSpPr txBox="1"/>
+          <p:nvPr/>
+        </p:nvSpPr>
+        <p:spPr>
+          <a:xfrm>
+            <a:off x="10850880" y="-1166495"/>
+            <a:ext cx="776605" cy="368300"/>
+          </a:xfrm>
+          <a:prstGeom prst="rect">
+            <a:avLst/>
+          </a:prstGeom>
+          <a:noFill/>
+        </p:spPr>
+        <p:txBody>
+          <a:bodyPr wrap="square" rtlCol="0">
+            <a:spAutoFit/>
+          </a:bodyPr>
+          <a:p>
+            <a:r>
+              <a:rPr lang="en-US" altLang="zh-CN"/>
+              <a:t>Z</a:t>
+            </a:r>
+            <a:endParaRPr lang="en-US" altLang="zh-CN"/>
+          </a:p>
+        </p:txBody>
+      </p:sp>
+      <p:sp>
+        <p:nvSpPr>
+          <p:cNvPr id="79" name="文本框 78"/>
+          <p:cNvSpPr txBox="1"/>
+          <p:nvPr>
+            <p:custDataLst>
+              <p:tags r:id="rId28"/>
+            </p:custDataLst>
+          </p:nvPr>
+        </p:nvSpPr>
+        <p:spPr>
+          <a:xfrm>
+            <a:off x="12327255" y="3528060"/>
+            <a:ext cx="667385" cy="368300"/>
+          </a:xfrm>
+          <a:prstGeom prst="rect">
+            <a:avLst/>
+          </a:prstGeom>
+          <a:noFill/>
+        </p:spPr>
+        <p:txBody>
+          <a:bodyPr wrap="square" rtlCol="0">
+            <a:spAutoFit/>
+          </a:bodyPr>
+          <a:p>
+            <a:r>
+              <a:rPr lang="en-US" altLang="zh-CN"/>
+              <a:t>XOY</a:t>
+            </a:r>
+            <a:endParaRPr lang="en-US" altLang="zh-CN"/>
+          </a:p>
+        </p:txBody>
+      </p:sp>
+    </p:spTree>
+  </p:cSld>
+  <p:clrMapOvr>
+    <a:masterClrMapping/>
+  </p:clrMapOvr>
+</p:sld>
+</file>
+
+<file path=ppt/slides/slide8.xml><?xml version="1.0" encoding="utf-8"?>
+<p:sld xmlns:a="http://schemas.openxmlformats.org/drawingml/2006/main" xmlns:r="http://schemas.openxmlformats.org/officeDocument/2006/relationships" xmlns:p="http://schemas.openxmlformats.org/presentationml/2006/main">
+  <p:cSld>
+    <p:spTree>
+      <p:nvGrpSpPr>
+        <p:cNvPr id="1" name=""/>
+        <p:cNvGrpSpPr/>
+        <p:nvPr/>
+      </p:nvGrpSpPr>
+      <p:grpSpPr/>
+      <p:grpSp>
+        <p:nvGrpSpPr>
+          <p:cNvPr id="18" name="组合 17"/>
+          <p:cNvGrpSpPr/>
+          <p:nvPr/>
+        </p:nvGrpSpPr>
+        <p:grpSpPr>
+          <a:xfrm rot="4800000">
+            <a:off x="4159885" y="-1187450"/>
+            <a:ext cx="1209040" cy="7216140"/>
+            <a:chOff x="3663" y="-2427"/>
+            <a:chExt cx="1904" cy="11364"/>
+          </a:xfrm>
+        </p:grpSpPr>
+        <p:sp>
+          <p:nvSpPr>
+            <p:cNvPr id="5" name="文本框 4"/>
+            <p:cNvSpPr txBox="1"/>
+            <p:nvPr/>
+          </p:nvSpPr>
+          <p:spPr>
+            <a:xfrm rot="21060000">
+              <a:off x="4430" y="642"/>
+              <a:ext cx="966" cy="580"/>
+            </a:xfrm>
+            <a:prstGeom prst="rect">
+              <a:avLst/>
+            </a:prstGeom>
+            <a:noFill/>
+          </p:spPr>
+          <p:txBody>
+            <a:bodyPr wrap="square" rtlCol="0">
+              <a:spAutoFit/>
+            </a:bodyPr>
+            <a:p>
+              <a:r>
+                <a:rPr lang="en-US" altLang="zh-CN"/>
+                <a:t>X0</a:t>
+              </a:r>
+              <a:endParaRPr lang="en-US" altLang="zh-CN"/>
+            </a:p>
+          </p:txBody>
+        </p:sp>
+        <p:cxnSp>
+          <p:nvCxnSpPr>
+            <p:cNvPr id="12" name="直接箭头连接符 11"/>
+            <p:cNvCxnSpPr/>
+            <p:nvPr>
+              <p:custDataLst>
+                <p:tags r:id="rId1"/>
+              </p:custDataLst>
+            </p:nvPr>
+          </p:nvCxnSpPr>
+          <p:spPr>
+            <a:xfrm flipH="1" flipV="1">
+              <a:off x="4339" y="-1696"/>
+              <a:ext cx="397" cy="9902"/>
+            </a:xfrm>
+            <a:prstGeom prst="straightConnector1">
+              <a:avLst/>
+            </a:prstGeom>
+            <a:ln>
+              <a:solidFill>
+                <a:schemeClr val="accent5"/>
+              </a:solidFill>
+              <a:tailEnd type="arrow"/>
+            </a:ln>
+          </p:spPr>
+          <p:style>
+            <a:lnRef idx="2">
+              <a:schemeClr val="accent1"/>
+            </a:lnRef>
+            <a:fillRef idx="0">
+              <a:srgbClr val="FFFFFF"/>
+            </a:fillRef>
+            <a:effectRef idx="0">
+              <a:srgbClr val="FFFFFF"/>
+            </a:effectRef>
+            <a:fontRef idx="minor">
+              <a:schemeClr val="tx1"/>
+            </a:fontRef>
+          </p:style>
+        </p:cxnSp>
+        <p:sp>
+          <p:nvSpPr>
+            <p:cNvPr id="24" name="椭圆 23"/>
+            <p:cNvSpPr/>
+            <p:nvPr/>
+          </p:nvSpPr>
+          <p:spPr>
+            <a:xfrm rot="1200000">
+              <a:off x="4324" y="4184"/>
+              <a:ext cx="150" cy="150"/>
+            </a:xfrm>
+            <a:prstGeom prst="ellipse">
+              <a:avLst/>
+            </a:prstGeom>
+            <a:solidFill>
+              <a:schemeClr val="tx1"/>
+            </a:solidFill>
+            <a:ln>
+              <a:solidFill>
+                <a:schemeClr val="tx1"/>
+              </a:solidFill>
+            </a:ln>
+          </p:spPr>
+          <p:style>
+            <a:lnRef idx="2">
+              <a:schemeClr val="accent1">
+                <a:lumMod val="75000"/>
+              </a:schemeClr>
+            </a:lnRef>
+            <a:fillRef idx="1">
+              <a:schemeClr val="accent1"/>
+            </a:fillRef>
+            <a:effectRef idx="0">
+              <a:srgbClr val="FFFFFF"/>
+            </a:effectRef>
+            <a:fontRef idx="minor">
+              <a:schemeClr val="lt1"/>
+            </a:fontRef>
+          </p:style>
+          <p:txBody>
+            <a:bodyPr rtlCol="0" anchor="ctr"/>
+            <a:p>
+              <a:pPr algn="ctr"/>
+              <a:endParaRPr lang="zh-CN" altLang="en-US"/>
+            </a:p>
+          </p:txBody>
+        </p:sp>
+        <p:sp>
+          <p:nvSpPr>
+            <p:cNvPr id="52" name="椭圆 51"/>
+            <p:cNvSpPr/>
+            <p:nvPr>
+              <p:custDataLst>
+                <p:tags r:id="rId2"/>
+              </p:custDataLst>
+            </p:nvPr>
+          </p:nvSpPr>
+          <p:spPr>
+            <a:xfrm rot="1200000">
+              <a:off x="3999" y="3738"/>
+              <a:ext cx="150" cy="150"/>
+            </a:xfrm>
+            <a:prstGeom prst="ellipse">
+              <a:avLst/>
+            </a:prstGeom>
+            <a:solidFill>
+              <a:schemeClr val="tx1"/>
+            </a:solidFill>
+            <a:ln>
+              <a:solidFill>
+                <a:schemeClr val="tx1"/>
+              </a:solidFill>
+            </a:ln>
+          </p:spPr>
+          <p:style>
+            <a:lnRef idx="2">
+              <a:schemeClr val="accent1">
+                <a:lumMod val="75000"/>
+              </a:schemeClr>
+            </a:lnRef>
+            <a:fillRef idx="1">
+              <a:schemeClr val="accent1"/>
+            </a:fillRef>
+            <a:effectRef idx="0">
+              <a:srgbClr val="FFFFFF"/>
+            </a:effectRef>
+            <a:fontRef idx="minor">
+              <a:schemeClr val="lt1"/>
+            </a:fontRef>
+          </p:style>
+          <p:txBody>
+            <a:bodyPr rtlCol="0" anchor="ctr"/>
+            <a:p>
+              <a:pPr algn="ctr"/>
+              <a:endParaRPr lang="zh-CN" altLang="en-US"/>
+            </a:p>
+          </p:txBody>
+        </p:sp>
+        <p:sp>
+          <p:nvSpPr>
+            <p:cNvPr id="53" name="椭圆 52"/>
+            <p:cNvSpPr/>
+            <p:nvPr>
+              <p:custDataLst>
+                <p:tags r:id="rId3"/>
+              </p:custDataLst>
+            </p:nvPr>
+          </p:nvSpPr>
+          <p:spPr>
+            <a:xfrm rot="1200000">
+              <a:off x="4882" y="2010"/>
+              <a:ext cx="150" cy="150"/>
+            </a:xfrm>
+            <a:prstGeom prst="ellipse">
+              <a:avLst/>
+            </a:prstGeom>
+            <a:solidFill>
+              <a:schemeClr val="tx1"/>
+            </a:solidFill>
+            <a:ln>
+              <a:solidFill>
+                <a:schemeClr val="tx1"/>
+              </a:solidFill>
+            </a:ln>
+          </p:spPr>
+          <p:style>
+            <a:lnRef idx="2">
+              <a:schemeClr val="accent1">
+                <a:lumMod val="75000"/>
+              </a:schemeClr>
+            </a:lnRef>
+            <a:fillRef idx="1">
+              <a:schemeClr val="accent1"/>
+            </a:fillRef>
+            <a:effectRef idx="0">
+              <a:srgbClr val="FFFFFF"/>
+            </a:effectRef>
+            <a:fontRef idx="minor">
+              <a:schemeClr val="lt1"/>
+            </a:fontRef>
+          </p:style>
+          <p:txBody>
+            <a:bodyPr rtlCol="0" anchor="ctr"/>
+            <a:p>
+              <a:pPr algn="ctr"/>
+              <a:endParaRPr lang="zh-CN" altLang="en-US"/>
+            </a:p>
+          </p:txBody>
+        </p:sp>
+        <p:sp>
+          <p:nvSpPr>
+            <p:cNvPr id="54" name="椭圆 53"/>
+            <p:cNvSpPr/>
+            <p:nvPr>
+              <p:custDataLst>
+                <p:tags r:id="rId4"/>
+              </p:custDataLst>
+            </p:nvPr>
+          </p:nvSpPr>
+          <p:spPr>
+            <a:xfrm rot="1200000">
+              <a:off x="3807" y="2010"/>
+              <a:ext cx="150" cy="150"/>
+            </a:xfrm>
+            <a:prstGeom prst="ellipse">
+              <a:avLst/>
+            </a:prstGeom>
+            <a:solidFill>
+              <a:schemeClr val="tx1"/>
+            </a:solidFill>
+            <a:ln>
+              <a:solidFill>
+                <a:schemeClr val="tx1"/>
+              </a:solidFill>
+            </a:ln>
+          </p:spPr>
+          <p:style>
+            <a:lnRef idx="2">
+              <a:schemeClr val="accent1">
+                <a:lumMod val="75000"/>
+              </a:schemeClr>
+            </a:lnRef>
+            <a:fillRef idx="1">
+              <a:schemeClr val="accent1"/>
+            </a:fillRef>
+            <a:effectRef idx="0">
+              <a:srgbClr val="FFFFFF"/>
+            </a:effectRef>
+            <a:fontRef idx="minor">
+              <a:schemeClr val="lt1"/>
+            </a:fontRef>
+          </p:style>
+          <p:txBody>
+            <a:bodyPr rtlCol="0" anchor="ctr"/>
+            <a:p>
+              <a:pPr algn="ctr"/>
+              <a:endParaRPr lang="zh-CN" altLang="en-US"/>
+            </a:p>
+          </p:txBody>
+        </p:sp>
+        <p:sp>
+          <p:nvSpPr>
+            <p:cNvPr id="55" name="椭圆 54"/>
+            <p:cNvSpPr/>
+            <p:nvPr>
+              <p:custDataLst>
+                <p:tags r:id="rId5"/>
+              </p:custDataLst>
+            </p:nvPr>
+          </p:nvSpPr>
+          <p:spPr>
+            <a:xfrm rot="1200000">
+              <a:off x="4690" y="2904"/>
+              <a:ext cx="150" cy="150"/>
+            </a:xfrm>
+            <a:prstGeom prst="ellipse">
+              <a:avLst/>
+            </a:prstGeom>
+            <a:solidFill>
+              <a:schemeClr val="tx1"/>
+            </a:solidFill>
+            <a:ln>
+              <a:solidFill>
+                <a:schemeClr val="tx1"/>
+              </a:solidFill>
+            </a:ln>
+          </p:spPr>
+          <p:style>
+            <a:lnRef idx="2">
+              <a:schemeClr val="accent1">
+                <a:lumMod val="75000"/>
+              </a:schemeClr>
+            </a:lnRef>
+            <a:fillRef idx="1">
+              <a:schemeClr val="accent1"/>
+            </a:fillRef>
+            <a:effectRef idx="0">
+              <a:srgbClr val="FFFFFF"/>
+            </a:effectRef>
+            <a:fontRef idx="minor">
+              <a:schemeClr val="lt1"/>
+            </a:fontRef>
+          </p:style>
+          <p:txBody>
+            <a:bodyPr rtlCol="0" anchor="ctr"/>
+            <a:p>
+              <a:pPr algn="ctr"/>
+              <a:endParaRPr lang="zh-CN" altLang="en-US"/>
+            </a:p>
+          </p:txBody>
+        </p:sp>
+        <p:sp>
+          <p:nvSpPr>
+            <p:cNvPr id="56" name="椭圆 55"/>
+            <p:cNvSpPr/>
+            <p:nvPr>
+              <p:custDataLst>
+                <p:tags r:id="rId6"/>
+              </p:custDataLst>
+            </p:nvPr>
+          </p:nvSpPr>
+          <p:spPr>
+            <a:xfrm rot="1200000">
+              <a:off x="4863" y="5421"/>
+              <a:ext cx="150" cy="150"/>
+            </a:xfrm>
+            <a:prstGeom prst="ellipse">
+              <a:avLst/>
+            </a:prstGeom>
+            <a:solidFill>
+              <a:schemeClr val="tx1"/>
+            </a:solidFill>
+            <a:ln>
+              <a:solidFill>
+                <a:schemeClr val="tx1"/>
+              </a:solidFill>
+            </a:ln>
+          </p:spPr>
+          <p:style>
+            <a:lnRef idx="2">
+              <a:schemeClr val="accent1">
+                <a:lumMod val="75000"/>
+              </a:schemeClr>
+            </a:lnRef>
+            <a:fillRef idx="1">
+              <a:schemeClr val="accent1"/>
+            </a:fillRef>
+            <a:effectRef idx="0">
+              <a:srgbClr val="FFFFFF"/>
+            </a:effectRef>
+            <a:fontRef idx="minor">
+              <a:schemeClr val="lt1"/>
+            </a:fontRef>
+          </p:style>
+          <p:txBody>
+            <a:bodyPr rtlCol="0" anchor="ctr"/>
+            <a:p>
+              <a:pPr algn="ctr"/>
+              <a:endParaRPr lang="zh-CN" altLang="en-US"/>
+            </a:p>
+          </p:txBody>
+        </p:sp>
+        <p:cxnSp>
+          <p:nvCxnSpPr>
+            <p:cNvPr id="57" name="直接箭头连接符 56"/>
+            <p:cNvCxnSpPr/>
+            <p:nvPr>
+              <p:custDataLst>
+                <p:tags r:id="rId7"/>
+              </p:custDataLst>
+            </p:nvPr>
+          </p:nvCxnSpPr>
+          <p:spPr>
+            <a:xfrm flipH="1" flipV="1">
+              <a:off x="3663" y="-1899"/>
+              <a:ext cx="399" cy="10256"/>
+            </a:xfrm>
+            <a:prstGeom prst="straightConnector1">
+              <a:avLst/>
+            </a:prstGeom>
+            <a:ln>
+              <a:solidFill>
+                <a:schemeClr val="accent3"/>
+              </a:solidFill>
+              <a:prstDash val="dash"/>
+              <a:tailEnd type="none"/>
+            </a:ln>
+          </p:spPr>
+          <p:style>
+            <a:lnRef idx="2">
+              <a:schemeClr val="accent1"/>
+            </a:lnRef>
+            <a:fillRef idx="0">
+              <a:srgbClr val="FFFFFF"/>
+            </a:fillRef>
+            <a:effectRef idx="0">
+              <a:srgbClr val="FFFFFF"/>
+            </a:effectRef>
+            <a:fontRef idx="minor">
+              <a:schemeClr val="tx1"/>
+            </a:fontRef>
+          </p:style>
+        </p:cxnSp>
+        <p:sp>
+          <p:nvSpPr>
+            <p:cNvPr id="70" name="文本框 69"/>
+            <p:cNvSpPr txBox="1"/>
+            <p:nvPr/>
+          </p:nvSpPr>
+          <p:spPr>
+            <a:xfrm>
+              <a:off x="3912" y="-2427"/>
+              <a:ext cx="894" cy="580"/>
+            </a:xfrm>
+            <a:prstGeom prst="rect">
+              <a:avLst/>
+            </a:prstGeom>
+            <a:noFill/>
+          </p:spPr>
+          <p:txBody>
+            <a:bodyPr wrap="square" rtlCol="0">
+              <a:spAutoFit/>
+            </a:bodyPr>
+            <a:p>
+              <a:r>
+                <a:rPr lang="en-US" altLang="zh-CN"/>
+                <a:t>A</a:t>
+              </a:r>
+              <a:endParaRPr lang="en-US" altLang="zh-CN"/>
+            </a:p>
+          </p:txBody>
+        </p:sp>
+        <p:sp>
+          <p:nvSpPr>
+            <p:cNvPr id="3" name="椭圆 2"/>
+            <p:cNvSpPr/>
+            <p:nvPr>
+              <p:custDataLst>
+                <p:tags r:id="rId8"/>
+              </p:custDataLst>
+            </p:nvPr>
+          </p:nvSpPr>
+          <p:spPr>
+            <a:xfrm rot="1200000">
+              <a:off x="4258" y="5049"/>
+              <a:ext cx="150" cy="150"/>
+            </a:xfrm>
+            <a:prstGeom prst="ellipse">
+              <a:avLst/>
+            </a:prstGeom>
+            <a:solidFill>
+              <a:schemeClr val="tx1"/>
+            </a:solidFill>
+            <a:ln>
+              <a:solidFill>
+                <a:schemeClr val="tx1"/>
+              </a:solidFill>
+            </a:ln>
+          </p:spPr>
+          <p:style>
+            <a:lnRef idx="2">
+              <a:schemeClr val="accent1">
+                <a:lumMod val="75000"/>
+              </a:schemeClr>
+            </a:lnRef>
+            <a:fillRef idx="1">
+              <a:schemeClr val="accent1"/>
+            </a:fillRef>
+            <a:effectRef idx="0">
+              <a:srgbClr val="FFFFFF"/>
+            </a:effectRef>
+            <a:fontRef idx="minor">
+              <a:schemeClr val="lt1"/>
+            </a:fontRef>
+          </p:style>
+          <p:txBody>
+            <a:bodyPr rtlCol="0" anchor="ctr"/>
+            <a:p>
+              <a:pPr algn="ctr"/>
+              <a:endParaRPr lang="zh-CN" altLang="en-US"/>
+            </a:p>
+          </p:txBody>
+        </p:sp>
+        <p:sp>
+          <p:nvSpPr>
+            <p:cNvPr id="6" name="椭圆 5"/>
+            <p:cNvSpPr/>
+            <p:nvPr>
+              <p:custDataLst>
+                <p:tags r:id="rId9"/>
+              </p:custDataLst>
+            </p:nvPr>
+          </p:nvSpPr>
+          <p:spPr>
+            <a:xfrm rot="1200000">
+              <a:off x="3933" y="4603"/>
+              <a:ext cx="150" cy="150"/>
+            </a:xfrm>
+            <a:prstGeom prst="ellipse">
+              <a:avLst/>
+            </a:prstGeom>
+            <a:solidFill>
+              <a:schemeClr val="tx1"/>
+            </a:solidFill>
+            <a:ln>
+              <a:solidFill>
+                <a:schemeClr val="tx1"/>
+              </a:solidFill>
+            </a:ln>
+          </p:spPr>
+          <p:style>
+            <a:lnRef idx="2">
+              <a:schemeClr val="accent1">
+                <a:lumMod val="75000"/>
+              </a:schemeClr>
+            </a:lnRef>
+            <a:fillRef idx="1">
+              <a:schemeClr val="accent1"/>
+            </a:fillRef>
+            <a:effectRef idx="0">
+              <a:srgbClr val="FFFFFF"/>
+            </a:effectRef>
+            <a:fontRef idx="minor">
+              <a:schemeClr val="lt1"/>
+            </a:fontRef>
+          </p:style>
+          <p:txBody>
+            <a:bodyPr rtlCol="0" anchor="ctr"/>
+            <a:p>
+              <a:pPr algn="ctr"/>
+              <a:endParaRPr lang="zh-CN" altLang="en-US"/>
+            </a:p>
+          </p:txBody>
+        </p:sp>
+        <p:sp>
+          <p:nvSpPr>
+            <p:cNvPr id="7" name="椭圆 6"/>
+            <p:cNvSpPr/>
+            <p:nvPr>
+              <p:custDataLst>
+                <p:tags r:id="rId10"/>
+              </p:custDataLst>
+            </p:nvPr>
+          </p:nvSpPr>
+          <p:spPr>
+            <a:xfrm rot="1200000">
+              <a:off x="4624" y="3769"/>
+              <a:ext cx="150" cy="150"/>
+            </a:xfrm>
+            <a:prstGeom prst="ellipse">
+              <a:avLst/>
+            </a:prstGeom>
+            <a:solidFill>
+              <a:schemeClr val="tx1"/>
+            </a:solidFill>
+            <a:ln>
+              <a:solidFill>
+                <a:schemeClr val="tx1"/>
+              </a:solidFill>
+            </a:ln>
+          </p:spPr>
+          <p:style>
+            <a:lnRef idx="2">
+              <a:schemeClr val="accent1">
+                <a:lumMod val="75000"/>
+              </a:schemeClr>
+            </a:lnRef>
+            <a:fillRef idx="1">
+              <a:schemeClr val="accent1"/>
+            </a:fillRef>
+            <a:effectRef idx="0">
+              <a:srgbClr val="FFFFFF"/>
+            </a:effectRef>
+            <a:fontRef idx="minor">
+              <a:schemeClr val="lt1"/>
+            </a:fontRef>
+          </p:style>
+          <p:txBody>
+            <a:bodyPr rtlCol="0" anchor="ctr"/>
+            <a:p>
+              <a:pPr algn="ctr"/>
+              <a:endParaRPr lang="zh-CN" altLang="en-US"/>
+            </a:p>
+          </p:txBody>
+        </p:sp>
+        <p:sp>
+          <p:nvSpPr>
+            <p:cNvPr id="8" name="椭圆 7"/>
+            <p:cNvSpPr/>
+            <p:nvPr>
+              <p:custDataLst>
+                <p:tags r:id="rId11"/>
+              </p:custDataLst>
+            </p:nvPr>
+          </p:nvSpPr>
+          <p:spPr>
+            <a:xfrm rot="1200000">
+              <a:off x="5082" y="3654"/>
+              <a:ext cx="150" cy="150"/>
+            </a:xfrm>
+            <a:prstGeom prst="ellipse">
+              <a:avLst/>
+            </a:prstGeom>
+            <a:solidFill>
+              <a:schemeClr val="tx1"/>
+            </a:solidFill>
+            <a:ln>
+              <a:solidFill>
+                <a:schemeClr val="tx1"/>
+              </a:solidFill>
+            </a:ln>
+          </p:spPr>
+          <p:style>
+            <a:lnRef idx="2">
+              <a:schemeClr val="accent1">
+                <a:lumMod val="75000"/>
+              </a:schemeClr>
+            </a:lnRef>
+            <a:fillRef idx="1">
+              <a:schemeClr val="accent1"/>
+            </a:fillRef>
+            <a:effectRef idx="0">
+              <a:srgbClr val="FFFFFF"/>
+            </a:effectRef>
+            <a:fontRef idx="minor">
+              <a:schemeClr val="lt1"/>
+            </a:fontRef>
+          </p:style>
+          <p:txBody>
+            <a:bodyPr rtlCol="0" anchor="ctr"/>
+            <a:p>
+              <a:pPr algn="ctr"/>
+              <a:endParaRPr lang="zh-CN" altLang="en-US"/>
+            </a:p>
+          </p:txBody>
+        </p:sp>
+        <p:sp>
+          <p:nvSpPr>
+            <p:cNvPr id="9" name="椭圆 8"/>
+            <p:cNvSpPr/>
+            <p:nvPr>
+              <p:custDataLst>
+                <p:tags r:id="rId12"/>
+              </p:custDataLst>
+            </p:nvPr>
+          </p:nvSpPr>
+          <p:spPr>
+            <a:xfrm rot="1200000">
+              <a:off x="4890" y="4548"/>
+              <a:ext cx="150" cy="150"/>
+            </a:xfrm>
+            <a:prstGeom prst="ellipse">
+              <a:avLst/>
+            </a:prstGeom>
+            <a:solidFill>
+              <a:schemeClr val="tx1"/>
+            </a:solidFill>
+            <a:ln>
+              <a:solidFill>
+                <a:schemeClr val="tx1"/>
+              </a:solidFill>
+            </a:ln>
+          </p:spPr>
+          <p:style>
+            <a:lnRef idx="2">
+              <a:schemeClr val="accent1">
+                <a:lumMod val="75000"/>
+              </a:schemeClr>
+            </a:lnRef>
+            <a:fillRef idx="1">
+              <a:schemeClr val="accent1"/>
+            </a:fillRef>
+            <a:effectRef idx="0">
+              <a:srgbClr val="FFFFFF"/>
+            </a:effectRef>
+            <a:fontRef idx="minor">
+              <a:schemeClr val="lt1"/>
+            </a:fontRef>
+          </p:style>
+          <p:txBody>
+            <a:bodyPr rtlCol="0" anchor="ctr"/>
+            <a:p>
+              <a:pPr algn="ctr"/>
+              <a:endParaRPr lang="zh-CN" altLang="en-US"/>
+            </a:p>
+          </p:txBody>
+        </p:sp>
+        <p:sp>
+          <p:nvSpPr>
+            <p:cNvPr id="11" name="椭圆 10"/>
+            <p:cNvSpPr/>
+            <p:nvPr>
+              <p:custDataLst>
+                <p:tags r:id="rId13"/>
+              </p:custDataLst>
+            </p:nvPr>
+          </p:nvSpPr>
+          <p:spPr>
+            <a:xfrm rot="1200000">
+              <a:off x="4133" y="6247"/>
+              <a:ext cx="150" cy="150"/>
+            </a:xfrm>
+            <a:prstGeom prst="ellipse">
+              <a:avLst/>
+            </a:prstGeom>
+            <a:solidFill>
+              <a:schemeClr val="tx1"/>
+            </a:solidFill>
+            <a:ln>
+              <a:solidFill>
+                <a:schemeClr val="tx1"/>
+              </a:solidFill>
+            </a:ln>
+          </p:spPr>
+          <p:style>
+            <a:lnRef idx="2">
+              <a:schemeClr val="accent1">
+                <a:lumMod val="75000"/>
+              </a:schemeClr>
+            </a:lnRef>
+            <a:fillRef idx="1">
+              <a:schemeClr val="accent1"/>
+            </a:fillRef>
+            <a:effectRef idx="0">
+              <a:srgbClr val="FFFFFF"/>
+            </a:effectRef>
+            <a:fontRef idx="minor">
+              <a:schemeClr val="lt1"/>
+            </a:fontRef>
+          </p:style>
+          <p:txBody>
+            <a:bodyPr rtlCol="0" anchor="ctr"/>
+            <a:p>
+              <a:pPr algn="ctr"/>
+              <a:endParaRPr lang="zh-CN" altLang="en-US"/>
+            </a:p>
+          </p:txBody>
+        </p:sp>
+        <p:cxnSp>
+          <p:nvCxnSpPr>
+            <p:cNvPr id="13" name="直接箭头连接符 12"/>
+            <p:cNvCxnSpPr/>
+            <p:nvPr>
+              <p:custDataLst>
+                <p:tags r:id="rId14"/>
+              </p:custDataLst>
+            </p:nvPr>
+          </p:nvCxnSpPr>
+          <p:spPr>
+            <a:xfrm flipH="1" flipV="1">
+              <a:off x="5002" y="-1995"/>
+              <a:ext cx="399" cy="10256"/>
+            </a:xfrm>
+            <a:prstGeom prst="straightConnector1">
+              <a:avLst/>
+            </a:prstGeom>
+            <a:ln>
+              <a:solidFill>
+                <a:schemeClr val="accent3"/>
+              </a:solidFill>
+              <a:prstDash val="dash"/>
+              <a:tailEnd type="none"/>
+            </a:ln>
+          </p:spPr>
+          <p:style>
+            <a:lnRef idx="2">
+              <a:schemeClr val="accent1"/>
+            </a:lnRef>
+            <a:fillRef idx="0">
+              <a:srgbClr val="FFFFFF"/>
+            </a:fillRef>
+            <a:effectRef idx="0">
+              <a:srgbClr val="FFFFFF"/>
+            </a:effectRef>
+            <a:fontRef idx="minor">
+              <a:schemeClr val="tx1"/>
+            </a:fontRef>
+          </p:style>
+        </p:cxnSp>
+        <p:sp>
+          <p:nvSpPr>
+            <p:cNvPr id="14" name="左大括号 13"/>
+            <p:cNvSpPr/>
+            <p:nvPr/>
+          </p:nvSpPr>
+          <p:spPr>
+            <a:xfrm rot="5160000" flipH="1">
+              <a:off x="4435" y="7196"/>
+              <a:ext cx="609" cy="1367"/>
+            </a:xfrm>
+            <a:prstGeom prst="leftBrace">
+              <a:avLst/>
+            </a:prstGeom>
+          </p:spPr>
+          <p:style>
+            <a:lnRef idx="2">
+              <a:schemeClr val="accent1"/>
+            </a:lnRef>
+            <a:fillRef idx="0">
+              <a:srgbClr val="FFFFFF"/>
+            </a:fillRef>
+            <a:effectRef idx="0">
+              <a:srgbClr val="FFFFFF"/>
+            </a:effectRef>
+            <a:fontRef idx="minor">
+              <a:schemeClr val="tx1"/>
+            </a:fontRef>
+          </p:style>
+          <p:txBody>
+            <a:bodyPr rtlCol="0" anchor="ctr"/>
+            <a:p>
+              <a:pPr algn="ctr"/>
+              <a:endParaRPr lang="zh-CN" altLang="en-US"/>
+            </a:p>
+          </p:txBody>
+        </p:sp>
+        <p:cxnSp>
+          <p:nvCxnSpPr>
+            <p:cNvPr id="15" name="直接箭头连接符 14"/>
+            <p:cNvCxnSpPr/>
+            <p:nvPr>
+              <p:custDataLst>
+                <p:tags r:id="rId15"/>
+              </p:custDataLst>
+            </p:nvPr>
+          </p:nvCxnSpPr>
+          <p:spPr>
+            <a:xfrm flipV="1">
+              <a:off x="4009" y="7558"/>
+              <a:ext cx="1359" cy="79"/>
+            </a:xfrm>
+            <a:prstGeom prst="straightConnector1">
+              <a:avLst/>
+            </a:prstGeom>
+            <a:ln>
+              <a:solidFill>
+                <a:schemeClr val="accent6"/>
+              </a:solidFill>
+              <a:prstDash val="solid"/>
+              <a:tailEnd type="none"/>
+            </a:ln>
+          </p:spPr>
+          <p:style>
+            <a:lnRef idx="2">
+              <a:schemeClr val="accent1"/>
+            </a:lnRef>
+            <a:fillRef idx="0">
+              <a:srgbClr val="FFFFFF"/>
+            </a:fillRef>
+            <a:effectRef idx="0">
+              <a:srgbClr val="FFFFFF"/>
+            </a:effectRef>
+            <a:fontRef idx="minor">
+              <a:schemeClr val="tx1"/>
+            </a:fontRef>
+          </p:style>
+        </p:cxnSp>
+        <p:sp>
+          <p:nvSpPr>
+            <p:cNvPr id="16" name="文本框 15"/>
+            <p:cNvSpPr txBox="1"/>
+            <p:nvPr/>
+          </p:nvSpPr>
+          <p:spPr>
+            <a:xfrm>
+              <a:off x="4603" y="8357"/>
+              <a:ext cx="964" cy="580"/>
+            </a:xfrm>
+            <a:prstGeom prst="rect">
+              <a:avLst/>
+            </a:prstGeom>
+            <a:noFill/>
+          </p:spPr>
+          <p:txBody>
+            <a:bodyPr wrap="square" rtlCol="0">
+              <a:spAutoFit/>
+            </a:bodyPr>
+            <a:p>
+              <a:r>
+                <a:rPr lang="en-US" altLang="zh-CN"/>
+                <a:t>F</a:t>
+              </a:r>
+              <a:endParaRPr lang="en-US" altLang="zh-CN"/>
+            </a:p>
+          </p:txBody>
+        </p:sp>
+        <p:sp>
+          <p:nvSpPr>
+            <p:cNvPr id="17" name="椭圆 16"/>
+            <p:cNvSpPr/>
+            <p:nvPr>
+              <p:custDataLst>
+                <p:tags r:id="rId16"/>
+              </p:custDataLst>
+            </p:nvPr>
+          </p:nvSpPr>
+          <p:spPr>
+            <a:xfrm rot="1200000">
+              <a:off x="4379" y="1083"/>
+              <a:ext cx="150" cy="150"/>
+            </a:xfrm>
+            <a:prstGeom prst="ellipse">
+              <a:avLst/>
+            </a:prstGeom>
+            <a:solidFill>
+              <a:schemeClr val="accent6"/>
+            </a:solidFill>
+            <a:ln>
+              <a:solidFill>
+                <a:schemeClr val="accent6"/>
+              </a:solidFill>
+            </a:ln>
+          </p:spPr>
+          <p:style>
+            <a:lnRef idx="2">
+              <a:schemeClr val="accent1">
+                <a:lumMod val="75000"/>
+              </a:schemeClr>
+            </a:lnRef>
+            <a:fillRef idx="1">
+              <a:schemeClr val="accent1"/>
+            </a:fillRef>
+            <a:effectRef idx="0">
+              <a:srgbClr val="FFFFFF"/>
+            </a:effectRef>
+            <a:fontRef idx="minor">
+              <a:schemeClr val="lt1"/>
+            </a:fontRef>
+          </p:style>
+          <p:txBody>
+            <a:bodyPr rtlCol="0" anchor="ctr"/>
+            <a:p>
+              <a:pPr algn="ctr"/>
+              <a:endParaRPr lang="zh-CN" altLang="en-US"/>
+            </a:p>
+          </p:txBody>
+        </p:sp>
+      </p:grpSp>
+    </p:spTree>
+  </p:cSld>
+  <p:clrMapOvr>
+    <a:masterClrMapping/>
+  </p:clrMapOvr>
+</p:sld>
+</file>
+
+<file path=ppt/slides/slide9.xml><?xml version="1.0" encoding="utf-8"?>
+<p:sld xmlns:a="http://schemas.openxmlformats.org/drawingml/2006/main" xmlns:r="http://schemas.openxmlformats.org/officeDocument/2006/relationships" xmlns:p="http://schemas.openxmlformats.org/presentationml/2006/main">
+  <p:cSld>
+    <p:spTree>
+      <p:nvGrpSpPr>
+        <p:cNvPr id="1" name=""/>
+        <p:cNvGrpSpPr/>
+        <p:nvPr/>
+      </p:nvGrpSpPr>
+      <p:grpSpPr/>
+      <p:cxnSp>
+        <p:nvCxnSpPr>
+          <p:cNvPr id="57" name="直接箭头连接符 56"/>
+          <p:cNvCxnSpPr/>
+          <p:nvPr>
+            <p:custDataLst>
+              <p:tags r:id="rId1"/>
+            </p:custDataLst>
+          </p:nvPr>
+        </p:nvCxnSpPr>
+        <p:spPr>
+          <a:xfrm rot="4800000" flipH="1" flipV="1">
+            <a:off x="4162425" y="-4033520"/>
+            <a:ext cx="253365" cy="6512560"/>
+          </a:xfrm>
+          <a:prstGeom prst="straightConnector1">
+            <a:avLst/>
+          </a:prstGeom>
+          <a:ln>
+            <a:solidFill>
+              <a:schemeClr val="accent3"/>
+            </a:solidFill>
+            <a:prstDash val="dash"/>
+            <a:tailEnd type="none"/>
+          </a:ln>
+        </p:spPr>
+        <p:style>
+          <a:lnRef idx="2">
+            <a:schemeClr val="accent1"/>
+          </a:lnRef>
+          <a:fillRef idx="0">
+            <a:srgbClr val="FFFFFF"/>
+          </a:fillRef>
+          <a:effectRef idx="0">
+            <a:srgbClr val="FFFFFF"/>
+          </a:effectRef>
+          <a:fontRef idx="minor">
+            <a:schemeClr val="tx1"/>
+          </a:fontRef>
+        </p:style>
+      </p:cxnSp>
+      <p:sp>
+        <p:nvSpPr>
+          <p:cNvPr id="70" name="文本框 69"/>
+          <p:cNvSpPr txBox="1"/>
+          <p:nvPr/>
+        </p:nvSpPr>
+        <p:spPr>
+          <a:xfrm rot="4800000">
+            <a:off x="7416165" y="-1242060"/>
+            <a:ext cx="567690" cy="368300"/>
+          </a:xfrm>
+          <a:prstGeom prst="rect">
+            <a:avLst/>
+          </a:prstGeom>
+          <a:noFill/>
+        </p:spPr>
+        <p:txBody>
+          <a:bodyPr wrap="square" rtlCol="0">
+            <a:spAutoFit/>
+          </a:bodyPr>
+          <a:p>
+            <a:r>
+              <a:rPr lang="en-US" altLang="zh-CN"/>
+              <a:t>A</a:t>
+            </a:r>
+            <a:endParaRPr lang="en-US" altLang="zh-CN"/>
+          </a:p>
+        </p:txBody>
+      </p:sp>
+      <p:cxnSp>
+        <p:nvCxnSpPr>
+          <p:cNvPr id="13" name="直接箭头连接符 12"/>
+          <p:cNvCxnSpPr/>
+          <p:nvPr>
+            <p:custDataLst>
+              <p:tags r:id="rId2"/>
+            </p:custDataLst>
+          </p:nvPr>
+        </p:nvCxnSpPr>
+        <p:spPr>
+          <a:xfrm rot="4800000" flipH="1" flipV="1">
+            <a:off x="4370070" y="-3206750"/>
+            <a:ext cx="253365" cy="6512560"/>
+          </a:xfrm>
+          <a:prstGeom prst="straightConnector1">
+            <a:avLst/>
+          </a:prstGeom>
+          <a:ln>
+            <a:solidFill>
+              <a:schemeClr val="accent3"/>
+            </a:solidFill>
+            <a:prstDash val="dash"/>
+            <a:tailEnd type="none"/>
+          </a:ln>
+        </p:spPr>
+        <p:style>
+          <a:lnRef idx="2">
+            <a:schemeClr val="accent1"/>
+          </a:lnRef>
+          <a:fillRef idx="0">
+            <a:srgbClr val="FFFFFF"/>
+          </a:fillRef>
+          <a:effectRef idx="0">
+            <a:srgbClr val="FFFFFF"/>
+          </a:effectRef>
+          <a:fontRef idx="minor">
+            <a:schemeClr val="tx1"/>
+          </a:fontRef>
+        </p:style>
+      </p:cxnSp>
+      <p:cxnSp>
+        <p:nvCxnSpPr>
+          <p:cNvPr id="15" name="直接箭头连接符 14"/>
+          <p:cNvCxnSpPr/>
+          <p:nvPr>
+            <p:custDataLst>
+              <p:tags r:id="rId3"/>
+            </p:custDataLst>
+          </p:nvPr>
+        </p:nvCxnSpPr>
+        <p:spPr>
+          <a:xfrm rot="4800000" flipV="1">
+            <a:off x="1217295" y="196215"/>
+            <a:ext cx="862965" cy="50165"/>
+          </a:xfrm>
+          <a:prstGeom prst="straightConnector1">
+            <a:avLst/>
+          </a:prstGeom>
+          <a:ln>
+            <a:solidFill>
+              <a:schemeClr val="accent6"/>
+            </a:solidFill>
+            <a:prstDash val="solid"/>
+            <a:tailEnd type="none"/>
+          </a:ln>
+        </p:spPr>
+        <p:style>
+          <a:lnRef idx="2">
+            <a:schemeClr val="accent1"/>
+          </a:lnRef>
+          <a:fillRef idx="0">
+            <a:srgbClr val="FFFFFF"/>
+          </a:fillRef>
+          <a:effectRef idx="0">
+            <a:srgbClr val="FFFFFF"/>
+          </a:effectRef>
+          <a:fontRef idx="minor">
+            <a:schemeClr val="tx1"/>
+          </a:fontRef>
+        </p:style>
+      </p:cxnSp>
+      <p:grpSp>
+        <p:nvGrpSpPr>
+          <p:cNvPr id="19" name="组合 18"/>
+          <p:cNvGrpSpPr/>
+          <p:nvPr/>
+        </p:nvGrpSpPr>
+        <p:grpSpPr>
+          <a:xfrm>
+            <a:off x="2967355" y="815975"/>
+            <a:ext cx="4799330" cy="4799330"/>
+            <a:chOff x="4673" y="1285"/>
+            <a:chExt cx="7558" cy="7558"/>
+          </a:xfrm>
+        </p:grpSpPr>
+        <p:sp>
+          <p:nvSpPr>
+            <p:cNvPr id="5" name="文本框 4"/>
+            <p:cNvSpPr txBox="1"/>
+            <p:nvPr/>
+          </p:nvSpPr>
+          <p:spPr>
+            <a:xfrm rot="180000">
+              <a:off x="8554" y="4372"/>
+              <a:ext cx="966" cy="580"/>
+            </a:xfrm>
+            <a:prstGeom prst="rect">
+              <a:avLst/>
+            </a:prstGeom>
+            <a:noFill/>
+          </p:spPr>
+          <p:txBody>
+            <a:bodyPr wrap="square" rtlCol="0">
+              <a:spAutoFit/>
+            </a:bodyPr>
+            <a:p>
+              <a:r>
+                <a:rPr lang="en-US" altLang="zh-CN"/>
+                <a:t>C</a:t>
+              </a:r>
+              <a:endParaRPr lang="en-US" altLang="zh-CN"/>
+            </a:p>
+          </p:txBody>
+        </p:sp>
+        <p:cxnSp>
+          <p:nvCxnSpPr>
+            <p:cNvPr id="12" name="直接箭头连接符 11"/>
+            <p:cNvCxnSpPr/>
+            <p:nvPr>
+              <p:custDataLst>
+                <p:tags r:id="rId4"/>
+              </p:custDataLst>
+            </p:nvPr>
+          </p:nvCxnSpPr>
+          <p:spPr>
+            <a:xfrm flipV="1">
+              <a:off x="8474" y="4228"/>
+              <a:ext cx="3044" cy="823"/>
+            </a:xfrm>
+            <a:prstGeom prst="straightConnector1">
+              <a:avLst/>
+            </a:prstGeom>
+            <a:ln>
+              <a:solidFill>
+                <a:schemeClr val="accent5"/>
+              </a:solidFill>
+              <a:tailEnd type="none"/>
+            </a:ln>
+          </p:spPr>
+          <p:style>
+            <a:lnRef idx="2">
+              <a:schemeClr val="accent1"/>
+            </a:lnRef>
+            <a:fillRef idx="0">
+              <a:srgbClr val="FFFFFF"/>
+            </a:fillRef>
+            <a:effectRef idx="0">
+              <a:srgbClr val="FFFFFF"/>
+            </a:effectRef>
+            <a:fontRef idx="minor">
+              <a:schemeClr val="tx1"/>
+            </a:fontRef>
+          </p:style>
+        </p:cxnSp>
+        <p:sp>
+          <p:nvSpPr>
+            <p:cNvPr id="24" name="椭圆 23"/>
+            <p:cNvSpPr/>
+            <p:nvPr/>
+          </p:nvSpPr>
+          <p:spPr>
+            <a:xfrm rot="6000000">
+              <a:off x="8730" y="7586"/>
+              <a:ext cx="150" cy="150"/>
+            </a:xfrm>
+            <a:prstGeom prst="ellipse">
+              <a:avLst/>
+            </a:prstGeom>
+            <a:solidFill>
+              <a:schemeClr val="tx1"/>
+            </a:solidFill>
+            <a:ln>
+              <a:solidFill>
+                <a:schemeClr val="tx1"/>
+              </a:solidFill>
+            </a:ln>
+          </p:spPr>
+          <p:style>
+            <a:lnRef idx="2">
+              <a:schemeClr val="accent1">
+                <a:lumMod val="75000"/>
+              </a:schemeClr>
+            </a:lnRef>
+            <a:fillRef idx="1">
+              <a:schemeClr val="accent1"/>
+            </a:fillRef>
+            <a:effectRef idx="0">
+              <a:srgbClr val="FFFFFF"/>
+            </a:effectRef>
+            <a:fontRef idx="minor">
+              <a:schemeClr val="lt1"/>
+            </a:fontRef>
+          </p:style>
+          <p:txBody>
+            <a:bodyPr rtlCol="0" anchor="ctr"/>
+            <a:p>
+              <a:pPr algn="ctr"/>
+              <a:endParaRPr lang="zh-CN" altLang="en-US"/>
+            </a:p>
+          </p:txBody>
+        </p:sp>
+        <p:sp>
+          <p:nvSpPr>
+            <p:cNvPr id="52" name="椭圆 51"/>
+            <p:cNvSpPr/>
+            <p:nvPr>
+              <p:custDataLst>
+                <p:tags r:id="rId5"/>
+              </p:custDataLst>
+            </p:nvPr>
+          </p:nvSpPr>
+          <p:spPr>
+            <a:xfrm rot="6000000">
+              <a:off x="5278" y="4989"/>
+              <a:ext cx="150" cy="150"/>
+            </a:xfrm>
+            <a:prstGeom prst="ellipse">
+              <a:avLst/>
+            </a:prstGeom>
+            <a:solidFill>
+              <a:schemeClr val="tx1"/>
+            </a:solidFill>
+            <a:ln>
+              <a:solidFill>
+                <a:schemeClr val="tx1"/>
+              </a:solidFill>
+            </a:ln>
+          </p:spPr>
+          <p:style>
+            <a:lnRef idx="2">
+              <a:schemeClr val="accent1">
+                <a:lumMod val="75000"/>
+              </a:schemeClr>
+            </a:lnRef>
+            <a:fillRef idx="1">
+              <a:schemeClr val="accent1"/>
+            </a:fillRef>
+            <a:effectRef idx="0">
+              <a:srgbClr val="FFFFFF"/>
+            </a:effectRef>
+            <a:fontRef idx="minor">
+              <a:schemeClr val="lt1"/>
+            </a:fontRef>
+          </p:style>
+          <p:txBody>
+            <a:bodyPr rtlCol="0" anchor="ctr"/>
+            <a:p>
+              <a:pPr algn="ctr"/>
+              <a:endParaRPr lang="zh-CN" altLang="en-US"/>
+            </a:p>
+          </p:txBody>
+        </p:sp>
+        <p:sp>
+          <p:nvSpPr>
+            <p:cNvPr id="53" name="椭圆 52"/>
+            <p:cNvSpPr/>
+            <p:nvPr>
+              <p:custDataLst>
+                <p:tags r:id="rId6"/>
+              </p:custDataLst>
+            </p:nvPr>
+          </p:nvSpPr>
+          <p:spPr>
+            <a:xfrm rot="6000000">
+              <a:off x="8312" y="2345"/>
+              <a:ext cx="150" cy="150"/>
+            </a:xfrm>
+            <a:prstGeom prst="ellipse">
+              <a:avLst/>
+            </a:prstGeom>
+            <a:solidFill>
+              <a:schemeClr val="tx1"/>
+            </a:solidFill>
+            <a:ln>
+              <a:solidFill>
+                <a:schemeClr val="tx1"/>
+              </a:solidFill>
+            </a:ln>
+          </p:spPr>
+          <p:style>
+            <a:lnRef idx="2">
+              <a:schemeClr val="accent1">
+                <a:lumMod val="75000"/>
+              </a:schemeClr>
+            </a:lnRef>
+            <a:fillRef idx="1">
+              <a:schemeClr val="accent1"/>
+            </a:fillRef>
+            <a:effectRef idx="0">
+              <a:srgbClr val="FFFFFF"/>
+            </a:effectRef>
+            <a:fontRef idx="minor">
+              <a:schemeClr val="lt1"/>
+            </a:fontRef>
+          </p:style>
+          <p:txBody>
+            <a:bodyPr rtlCol="0" anchor="ctr"/>
+            <a:p>
+              <a:pPr algn="ctr"/>
+              <a:endParaRPr lang="zh-CN" altLang="en-US"/>
+            </a:p>
+          </p:txBody>
+        </p:sp>
+        <p:sp>
+          <p:nvSpPr>
+            <p:cNvPr id="54" name="椭圆 53"/>
+            <p:cNvSpPr/>
+            <p:nvPr>
+              <p:custDataLst>
+                <p:tags r:id="rId7"/>
+              </p:custDataLst>
+            </p:nvPr>
+          </p:nvSpPr>
+          <p:spPr>
+            <a:xfrm rot="6000000">
+              <a:off x="6880" y="2644"/>
+              <a:ext cx="150" cy="150"/>
+            </a:xfrm>
+            <a:prstGeom prst="ellipse">
+              <a:avLst/>
+            </a:prstGeom>
+            <a:solidFill>
+              <a:schemeClr val="tx1"/>
+            </a:solidFill>
+            <a:ln>
+              <a:solidFill>
+                <a:schemeClr val="tx1"/>
+              </a:solidFill>
+            </a:ln>
+          </p:spPr>
+          <p:style>
+            <a:lnRef idx="2">
+              <a:schemeClr val="accent1">
+                <a:lumMod val="75000"/>
+              </a:schemeClr>
+            </a:lnRef>
+            <a:fillRef idx="1">
+              <a:schemeClr val="accent1"/>
+            </a:fillRef>
+            <a:effectRef idx="0">
+              <a:srgbClr val="FFFFFF"/>
+            </a:effectRef>
+            <a:fontRef idx="minor">
+              <a:schemeClr val="lt1"/>
+            </a:fontRef>
+          </p:style>
+          <p:txBody>
+            <a:bodyPr rtlCol="0" anchor="ctr"/>
+            <a:p>
+              <a:pPr algn="ctr"/>
+              <a:endParaRPr lang="zh-CN" altLang="en-US"/>
+            </a:p>
+          </p:txBody>
+        </p:sp>
+        <p:sp>
+          <p:nvSpPr>
+            <p:cNvPr id="55" name="椭圆 54"/>
+            <p:cNvSpPr/>
+            <p:nvPr>
+              <p:custDataLst>
+                <p:tags r:id="rId8"/>
+              </p:custDataLst>
+            </p:nvPr>
+          </p:nvSpPr>
+          <p:spPr>
+            <a:xfrm rot="6000000">
+              <a:off x="7257" y="1484"/>
+              <a:ext cx="150" cy="150"/>
+            </a:xfrm>
+            <a:prstGeom prst="ellipse">
+              <a:avLst/>
+            </a:prstGeom>
+            <a:solidFill>
+              <a:schemeClr val="tx1"/>
+            </a:solidFill>
+            <a:ln>
+              <a:solidFill>
+                <a:schemeClr val="tx1"/>
+              </a:solidFill>
+            </a:ln>
+          </p:spPr>
+          <p:style>
+            <a:lnRef idx="2">
+              <a:schemeClr val="accent1">
+                <a:lumMod val="75000"/>
+              </a:schemeClr>
+            </a:lnRef>
+            <a:fillRef idx="1">
+              <a:schemeClr val="accent1"/>
+            </a:fillRef>
+            <a:effectRef idx="0">
+              <a:srgbClr val="FFFFFF"/>
+            </a:effectRef>
+            <a:fontRef idx="minor">
+              <a:schemeClr val="lt1"/>
+            </a:fontRef>
+          </p:style>
+          <p:txBody>
+            <a:bodyPr rtlCol="0" anchor="ctr"/>
+            <a:p>
+              <a:pPr algn="ctr"/>
+              <a:endParaRPr lang="zh-CN" altLang="en-US"/>
+            </a:p>
+          </p:txBody>
+        </p:sp>
+        <p:sp>
+          <p:nvSpPr>
+            <p:cNvPr id="56" name="椭圆 55"/>
+            <p:cNvSpPr/>
+            <p:nvPr>
+              <p:custDataLst>
+                <p:tags r:id="rId9"/>
+              </p:custDataLst>
+            </p:nvPr>
+          </p:nvSpPr>
+          <p:spPr>
+            <a:xfrm rot="6000000">
+              <a:off x="11070" y="2519"/>
+              <a:ext cx="150" cy="150"/>
+            </a:xfrm>
+            <a:prstGeom prst="ellipse">
+              <a:avLst/>
+            </a:prstGeom>
+            <a:solidFill>
+              <a:schemeClr val="tx1"/>
+            </a:solidFill>
+            <a:ln>
+              <a:solidFill>
+                <a:schemeClr val="tx1"/>
+              </a:solidFill>
+            </a:ln>
+          </p:spPr>
+          <p:style>
+            <a:lnRef idx="2">
+              <a:schemeClr val="accent1">
+                <a:lumMod val="75000"/>
+              </a:schemeClr>
+            </a:lnRef>
+            <a:fillRef idx="1">
+              <a:schemeClr val="accent1"/>
+            </a:fillRef>
+            <a:effectRef idx="0">
+              <a:srgbClr val="FFFFFF"/>
+            </a:effectRef>
+            <a:fontRef idx="minor">
+              <a:schemeClr val="lt1"/>
+            </a:fontRef>
+          </p:style>
+          <p:txBody>
+            <a:bodyPr rtlCol="0" anchor="ctr"/>
+            <a:p>
+              <a:pPr algn="ctr"/>
+              <a:endParaRPr lang="zh-CN" altLang="en-US"/>
+            </a:p>
+          </p:txBody>
+        </p:sp>
+        <p:sp>
+          <p:nvSpPr>
+            <p:cNvPr id="3" name="椭圆 2"/>
+            <p:cNvSpPr/>
+            <p:nvPr>
+              <p:custDataLst>
+                <p:tags r:id="rId10"/>
+              </p:custDataLst>
+            </p:nvPr>
+          </p:nvSpPr>
+          <p:spPr>
+            <a:xfrm rot="6000000">
+              <a:off x="10533" y="3495"/>
+              <a:ext cx="150" cy="150"/>
+            </a:xfrm>
+            <a:prstGeom prst="ellipse">
+              <a:avLst/>
+            </a:prstGeom>
+            <a:solidFill>
+              <a:schemeClr val="tx1"/>
+            </a:solidFill>
+            <a:ln>
+              <a:solidFill>
+                <a:schemeClr val="tx1"/>
+              </a:solidFill>
+            </a:ln>
+          </p:spPr>
+          <p:style>
+            <a:lnRef idx="2">
+              <a:schemeClr val="accent1">
+                <a:lumMod val="75000"/>
+              </a:schemeClr>
+            </a:lnRef>
+            <a:fillRef idx="1">
+              <a:schemeClr val="accent1"/>
+            </a:fillRef>
+            <a:effectRef idx="0">
+              <a:srgbClr val="FFFFFF"/>
+            </a:effectRef>
+            <a:fontRef idx="minor">
+              <a:schemeClr val="lt1"/>
+            </a:fontRef>
+          </p:style>
+          <p:txBody>
+            <a:bodyPr rtlCol="0" anchor="ctr"/>
+            <a:p>
+              <a:pPr algn="ctr"/>
+              <a:endParaRPr lang="zh-CN" altLang="en-US"/>
+            </a:p>
+          </p:txBody>
+        </p:sp>
+        <p:sp>
+          <p:nvSpPr>
+            <p:cNvPr id="6" name="椭圆 5"/>
+            <p:cNvSpPr/>
+            <p:nvPr>
+              <p:custDataLst>
+                <p:tags r:id="rId11"/>
+              </p:custDataLst>
+            </p:nvPr>
+          </p:nvSpPr>
+          <p:spPr>
+            <a:xfrm rot="6000000">
+              <a:off x="5278" y="3495"/>
+              <a:ext cx="150" cy="150"/>
+            </a:xfrm>
+            <a:prstGeom prst="ellipse">
+              <a:avLst/>
+            </a:prstGeom>
+            <a:solidFill>
+              <a:schemeClr val="tx1"/>
+            </a:solidFill>
+            <a:ln>
+              <a:solidFill>
+                <a:schemeClr val="tx1"/>
+              </a:solidFill>
+            </a:ln>
+          </p:spPr>
+          <p:style>
+            <a:lnRef idx="2">
+              <a:schemeClr val="accent1">
+                <a:lumMod val="75000"/>
+              </a:schemeClr>
+            </a:lnRef>
+            <a:fillRef idx="1">
+              <a:schemeClr val="accent1"/>
+            </a:fillRef>
+            <a:effectRef idx="0">
+              <a:srgbClr val="FFFFFF"/>
+            </a:effectRef>
+            <a:fontRef idx="minor">
+              <a:schemeClr val="lt1"/>
+            </a:fontRef>
+          </p:style>
+          <p:txBody>
+            <a:bodyPr rtlCol="0" anchor="ctr"/>
+            <a:p>
+              <a:pPr algn="ctr"/>
+              <a:endParaRPr lang="zh-CN" altLang="en-US"/>
+            </a:p>
+          </p:txBody>
+        </p:sp>
+        <p:sp>
+          <p:nvSpPr>
+            <p:cNvPr id="7" name="椭圆 6"/>
+            <p:cNvSpPr/>
+            <p:nvPr>
+              <p:custDataLst>
+                <p:tags r:id="rId12"/>
+              </p:custDataLst>
+            </p:nvPr>
+          </p:nvSpPr>
+          <p:spPr>
+            <a:xfrm rot="6000000">
+              <a:off x="6412" y="7412"/>
+              <a:ext cx="150" cy="150"/>
+            </a:xfrm>
+            <a:prstGeom prst="ellipse">
+              <a:avLst/>
+            </a:prstGeom>
+            <a:solidFill>
+              <a:schemeClr val="tx1"/>
+            </a:solidFill>
+            <a:ln>
+              <a:solidFill>
+                <a:schemeClr val="tx1"/>
+              </a:solidFill>
+            </a:ln>
+          </p:spPr>
+          <p:style>
+            <a:lnRef idx="2">
+              <a:schemeClr val="accent1">
+                <a:lumMod val="75000"/>
+              </a:schemeClr>
+            </a:lnRef>
+            <a:fillRef idx="1">
+              <a:schemeClr val="accent1"/>
+            </a:fillRef>
+            <a:effectRef idx="0">
+              <a:srgbClr val="FFFFFF"/>
+            </a:effectRef>
+            <a:fontRef idx="minor">
+              <a:schemeClr val="lt1"/>
+            </a:fontRef>
+          </p:style>
+          <p:txBody>
+            <a:bodyPr rtlCol="0" anchor="ctr"/>
+            <a:p>
+              <a:pPr algn="ctr"/>
+              <a:endParaRPr lang="zh-CN" altLang="en-US"/>
+            </a:p>
+          </p:txBody>
+        </p:sp>
+        <p:sp>
+          <p:nvSpPr>
+            <p:cNvPr id="8" name="椭圆 7"/>
+            <p:cNvSpPr/>
+            <p:nvPr>
+              <p:custDataLst>
+                <p:tags r:id="rId13"/>
+              </p:custDataLst>
+            </p:nvPr>
+          </p:nvSpPr>
+          <p:spPr>
+            <a:xfrm rot="6000000">
+              <a:off x="11775" y="3864"/>
+              <a:ext cx="150" cy="150"/>
+            </a:xfrm>
+            <a:prstGeom prst="ellipse">
+              <a:avLst/>
+            </a:prstGeom>
+            <a:solidFill>
+              <a:schemeClr val="tx1"/>
+            </a:solidFill>
+            <a:ln>
+              <a:solidFill>
+                <a:schemeClr val="tx1"/>
+              </a:solidFill>
+            </a:ln>
+          </p:spPr>
+          <p:style>
+            <a:lnRef idx="2">
+              <a:schemeClr val="accent1">
+                <a:lumMod val="75000"/>
+              </a:schemeClr>
+            </a:lnRef>
+            <a:fillRef idx="1">
+              <a:schemeClr val="accent1"/>
+            </a:fillRef>
+            <a:effectRef idx="0">
+              <a:srgbClr val="FFFFFF"/>
+            </a:effectRef>
+            <a:fontRef idx="minor">
+              <a:schemeClr val="lt1"/>
+            </a:fontRef>
+          </p:style>
+          <p:txBody>
+            <a:bodyPr rtlCol="0" anchor="ctr"/>
+            <a:p>
+              <a:pPr algn="ctr"/>
+              <a:endParaRPr lang="zh-CN" altLang="en-US"/>
+            </a:p>
+          </p:txBody>
+        </p:sp>
+        <p:sp>
+          <p:nvSpPr>
+            <p:cNvPr id="9" name="椭圆 8"/>
+            <p:cNvSpPr/>
+            <p:nvPr>
+              <p:custDataLst>
+                <p:tags r:id="rId14"/>
+              </p:custDataLst>
+            </p:nvPr>
+          </p:nvSpPr>
+          <p:spPr>
+            <a:xfrm rot="6000000">
+              <a:off x="6880" y="8336"/>
+              <a:ext cx="150" cy="150"/>
+            </a:xfrm>
+            <a:prstGeom prst="ellipse">
+              <a:avLst/>
+            </a:prstGeom>
+            <a:solidFill>
+              <a:schemeClr val="tx1"/>
+            </a:solidFill>
+            <a:ln>
+              <a:solidFill>
+                <a:schemeClr val="tx1"/>
+              </a:solidFill>
+            </a:ln>
+          </p:spPr>
+          <p:style>
+            <a:lnRef idx="2">
+              <a:schemeClr val="accent1">
+                <a:lumMod val="75000"/>
+              </a:schemeClr>
+            </a:lnRef>
+            <a:fillRef idx="1">
+              <a:schemeClr val="accent1"/>
+            </a:fillRef>
+            <a:effectRef idx="0">
+              <a:srgbClr val="FFFFFF"/>
+            </a:effectRef>
+            <a:fontRef idx="minor">
+              <a:schemeClr val="lt1"/>
+            </a:fontRef>
+          </p:style>
+          <p:txBody>
+            <a:bodyPr rtlCol="0" anchor="ctr"/>
+            <a:p>
+              <a:pPr algn="ctr"/>
+              <a:endParaRPr lang="zh-CN" altLang="en-US"/>
+            </a:p>
+          </p:txBody>
+        </p:sp>
+        <p:sp>
+          <p:nvSpPr>
+            <p:cNvPr id="11" name="椭圆 10"/>
+            <p:cNvSpPr/>
+            <p:nvPr>
+              <p:custDataLst>
+                <p:tags r:id="rId15"/>
+              </p:custDataLst>
+            </p:nvPr>
+          </p:nvSpPr>
+          <p:spPr>
+            <a:xfrm rot="6000000">
+              <a:off x="5937" y="3321"/>
+              <a:ext cx="150" cy="150"/>
+            </a:xfrm>
+            <a:prstGeom prst="ellipse">
+              <a:avLst/>
+            </a:prstGeom>
+            <a:solidFill>
+              <a:schemeClr val="tx1"/>
+            </a:solidFill>
+            <a:ln>
+              <a:solidFill>
+                <a:schemeClr val="tx1"/>
+              </a:solidFill>
+            </a:ln>
+          </p:spPr>
+          <p:style>
+            <a:lnRef idx="2">
+              <a:schemeClr val="accent1">
+                <a:lumMod val="75000"/>
+              </a:schemeClr>
+            </a:lnRef>
+            <a:fillRef idx="1">
+              <a:schemeClr val="accent1"/>
+            </a:fillRef>
+            <a:effectRef idx="0">
+              <a:srgbClr val="FFFFFF"/>
+            </a:effectRef>
+            <a:fontRef idx="minor">
+              <a:schemeClr val="lt1"/>
+            </a:fontRef>
+          </p:style>
+          <p:txBody>
+            <a:bodyPr rtlCol="0" anchor="ctr"/>
+            <a:p>
+              <a:pPr algn="ctr"/>
+              <a:endParaRPr lang="zh-CN" altLang="en-US"/>
+            </a:p>
+          </p:txBody>
+        </p:sp>
+        <p:sp>
+          <p:nvSpPr>
+            <p:cNvPr id="14" name="左大括号 13"/>
+            <p:cNvSpPr/>
+            <p:nvPr/>
+          </p:nvSpPr>
+          <p:spPr>
+            <a:xfrm rot="5400000" flipH="1">
+              <a:off x="11309" y="5086"/>
+              <a:ext cx="609" cy="1237"/>
+            </a:xfrm>
+            <a:prstGeom prst="leftBrace">
+              <a:avLst>
+                <a:gd name="adj1" fmla="val 48275"/>
+                <a:gd name="adj2" fmla="val 50000"/>
+              </a:avLst>
+            </a:prstGeom>
+          </p:spPr>
+          <p:style>
+            <a:lnRef idx="2">
+              <a:schemeClr val="accent1"/>
+            </a:lnRef>
+            <a:fillRef idx="0">
+              <a:srgbClr val="FFFFFF"/>
+            </a:fillRef>
+            <a:effectRef idx="0">
+              <a:srgbClr val="FFFFFF"/>
+            </a:effectRef>
+            <a:fontRef idx="minor">
+              <a:schemeClr val="tx1"/>
+            </a:fontRef>
+          </p:style>
+          <p:txBody>
+            <a:bodyPr rtlCol="0" anchor="ctr"/>
+            <a:p>
+              <a:pPr algn="ctr"/>
+              <a:endParaRPr lang="zh-CN" altLang="en-US"/>
+            </a:p>
+          </p:txBody>
+        </p:sp>
+        <p:sp>
+          <p:nvSpPr>
+            <p:cNvPr id="16" name="文本框 15"/>
+            <p:cNvSpPr txBox="1"/>
+            <p:nvPr/>
+          </p:nvSpPr>
+          <p:spPr>
+            <a:xfrm rot="180000">
+              <a:off x="11247" y="6073"/>
+              <a:ext cx="964" cy="580"/>
+            </a:xfrm>
+            <a:prstGeom prst="rect">
+              <a:avLst/>
+            </a:prstGeom>
+            <a:noFill/>
+          </p:spPr>
+          <p:txBody>
+            <a:bodyPr wrap="square" rtlCol="0">
+              <a:spAutoFit/>
+            </a:bodyPr>
+            <a:p>
+              <a:r>
+                <a:rPr lang="en-US" altLang="zh-CN"/>
+                <a:t>F</a:t>
+              </a:r>
+              <a:endParaRPr lang="en-US" altLang="zh-CN"/>
+            </a:p>
+          </p:txBody>
+        </p:sp>
+        <p:sp>
+          <p:nvSpPr>
+            <p:cNvPr id="17" name="椭圆 16"/>
+            <p:cNvSpPr/>
+            <p:nvPr>
+              <p:custDataLst>
+                <p:tags r:id="rId16"/>
+              </p:custDataLst>
+            </p:nvPr>
+          </p:nvSpPr>
+          <p:spPr>
+            <a:xfrm rot="6000000">
+              <a:off x="8377" y="4989"/>
+              <a:ext cx="150" cy="150"/>
+            </a:xfrm>
+            <a:prstGeom prst="ellipse">
+              <a:avLst/>
+            </a:prstGeom>
+            <a:solidFill>
+              <a:schemeClr val="accent6"/>
+            </a:solidFill>
+            <a:ln>
+              <a:solidFill>
+                <a:schemeClr val="accent6"/>
+              </a:solidFill>
+            </a:ln>
+          </p:spPr>
+          <p:style>
+            <a:lnRef idx="2">
+              <a:schemeClr val="accent1">
+                <a:lumMod val="75000"/>
+              </a:schemeClr>
+            </a:lnRef>
+            <a:fillRef idx="1">
+              <a:schemeClr val="accent1"/>
+            </a:fillRef>
+            <a:effectRef idx="0">
+              <a:srgbClr val="FFFFFF"/>
+            </a:effectRef>
+            <a:fontRef idx="minor">
+              <a:schemeClr val="lt1"/>
+            </a:fontRef>
+          </p:style>
+          <p:txBody>
+            <a:bodyPr rtlCol="0" anchor="ctr"/>
+            <a:p>
+              <a:pPr algn="ctr"/>
+              <a:endParaRPr lang="zh-CN" altLang="en-US"/>
+            </a:p>
+          </p:txBody>
+        </p:sp>
+        <p:sp>
+          <p:nvSpPr>
+            <p:cNvPr id="4" name="同心圆 3"/>
+            <p:cNvSpPr/>
+            <p:nvPr>
+              <p:custDataLst>
+                <p:tags r:id="rId17"/>
+              </p:custDataLst>
+            </p:nvPr>
+          </p:nvSpPr>
+          <p:spPr>
+            <a:xfrm>
+              <a:off x="4673" y="1285"/>
+              <a:ext cx="7558" cy="7558"/>
+            </a:xfrm>
+            <a:prstGeom prst="donut">
+              <a:avLst>
+                <a:gd name="adj" fmla="val 7898"/>
+              </a:avLst>
+            </a:prstGeom>
+            <a:noFill/>
+            <a:ln>
+              <a:solidFill>
+                <a:schemeClr val="accent2"/>
+              </a:solidFill>
+            </a:ln>
+          </p:spPr>
+          <p:style>
+            <a:lnRef idx="2">
+              <a:schemeClr val="accent1">
+                <a:lumMod val="75000"/>
+              </a:schemeClr>
+            </a:lnRef>
+            <a:fillRef idx="1">
+              <a:schemeClr val="accent1"/>
+            </a:fillRef>
+            <a:effectRef idx="0">
+              <a:srgbClr val="FFFFFF"/>
+            </a:effectRef>
+            <a:fontRef idx="minor">
+              <a:schemeClr val="lt1"/>
+            </a:fontRef>
+          </p:style>
+          <p:txBody>
+            <a:bodyPr rtlCol="0" anchor="ctr"/>
+            <a:p>
+              <a:pPr algn="ctr"/>
+              <a:endParaRPr lang="zh-CN" altLang="en-US">
+                <a:solidFill>
+                  <a:schemeClr val="tx1"/>
+                </a:solidFill>
+              </a:endParaRPr>
+            </a:p>
+          </p:txBody>
+        </p:sp>
+        <p:sp>
+          <p:nvSpPr>
+            <p:cNvPr id="2" name="同心圆 1"/>
+            <p:cNvSpPr/>
+            <p:nvPr/>
+          </p:nvSpPr>
+          <p:spPr>
+            <a:xfrm>
+              <a:off x="4673" y="1285"/>
+              <a:ext cx="7558" cy="7558"/>
+            </a:xfrm>
+            <a:prstGeom prst="donut">
+              <a:avLst>
+                <a:gd name="adj" fmla="val 16181"/>
+              </a:avLst>
+            </a:prstGeom>
+            <a:noFill/>
+          </p:spPr>
+          <p:style>
+            <a:lnRef idx="2">
+              <a:schemeClr val="accent1">
+                <a:lumMod val="75000"/>
+              </a:schemeClr>
+            </a:lnRef>
+            <a:fillRef idx="1">
+              <a:schemeClr val="accent1"/>
+            </a:fillRef>
+            <a:effectRef idx="0">
+              <a:srgbClr val="FFFFFF"/>
+            </a:effectRef>
+            <a:fontRef idx="minor">
+              <a:schemeClr val="lt1"/>
+            </a:fontRef>
+          </p:style>
+          <p:txBody>
+            <a:bodyPr rtlCol="0" anchor="ctr"/>
+            <a:p>
+              <a:pPr algn="ctr"/>
+              <a:endParaRPr lang="zh-CN" altLang="en-US">
+                <a:solidFill>
+                  <a:schemeClr val="tx1"/>
+                </a:solidFill>
+              </a:endParaRPr>
+            </a:p>
+          </p:txBody>
+        </p:sp>
+        <p:sp>
+          <p:nvSpPr>
+            <p:cNvPr id="10" name="文本框 9"/>
+            <p:cNvSpPr txBox="1"/>
+            <p:nvPr/>
+          </p:nvSpPr>
+          <p:spPr>
+            <a:xfrm>
+              <a:off x="9535" y="4026"/>
+              <a:ext cx="762" cy="580"/>
+            </a:xfrm>
+            <a:prstGeom prst="rect">
+              <a:avLst/>
+            </a:prstGeom>
+            <a:noFill/>
+          </p:spPr>
+          <p:txBody>
+            <a:bodyPr wrap="square" rtlCol="0">
+              <a:spAutoFit/>
+            </a:bodyPr>
+            <a:p>
+              <a:r>
+                <a:rPr lang="en-US" altLang="zh-CN"/>
+                <a:t>r</a:t>
+              </a:r>
+              <a:endParaRPr lang="en-US" altLang="zh-CN"/>
+            </a:p>
+          </p:txBody>
+        </p:sp>
+      </p:grpSp>
+    </p:spTree>
+  </p:cSld>
+  <p:clrMapOvr>
+    <a:masterClrMapping/>
+  </p:clrMapOvr>
+</p:sld>
+</file>
+
 <file path=ppt/tags/tag1.xml><?xml version="1.0" encoding="utf-8"?>
 <p:tagLst xmlns:p="http://schemas.openxmlformats.org/presentationml/2006/main">
   <p:tag name="KSO_WM_BEAUTIFY_FLAG" val=""/>
 </p:tagLst>
 </file>
 
+<file path=ppt/tags/tag10.xml><?xml version="1.0" encoding="utf-8"?>
+<p:tagLst xmlns:p="http://schemas.openxmlformats.org/presentationml/2006/main">
+  <p:tag name="KSO_WM_BEAUTIFY_FLAG" val=""/>
+</p:tagLst>
+</file>
+
+<file path=ppt/tags/tag100.xml><?xml version="1.0" encoding="utf-8"?>
+<p:tagLst xmlns:p="http://schemas.openxmlformats.org/presentationml/2006/main">
+  <p:tag name="KSO_WM_BEAUTIFY_FLAG" val=""/>
+</p:tagLst>
+</file>
+
+<file path=ppt/tags/tag101.xml><?xml version="1.0" encoding="utf-8"?>
+<p:tagLst xmlns:p="http://schemas.openxmlformats.org/presentationml/2006/main">
+  <p:tag name="KSO_WM_BEAUTIFY_FLAG" val=""/>
+</p:tagLst>
+</file>
+
+<file path=ppt/tags/tag102.xml><?xml version="1.0" encoding="utf-8"?>
+<p:tagLst xmlns:p="http://schemas.openxmlformats.org/presentationml/2006/main">
+  <p:tag name="KSO_WM_BEAUTIFY_FLAG" val=""/>
+</p:tagLst>
+</file>
+
+<file path=ppt/tags/tag103.xml><?xml version="1.0" encoding="utf-8"?>
+<p:tagLst xmlns:p="http://schemas.openxmlformats.org/presentationml/2006/main">
+  <p:tag name="KSO_WM_BEAUTIFY_FLAG" val=""/>
+</p:tagLst>
+</file>
+
+<file path=ppt/tags/tag104.xml><?xml version="1.0" encoding="utf-8"?>
+<p:tagLst xmlns:p="http://schemas.openxmlformats.org/presentationml/2006/main">
+  <p:tag name="KSO_WM_BEAUTIFY_FLAG" val=""/>
+</p:tagLst>
+</file>
+
+<file path=ppt/tags/tag105.xml><?xml version="1.0" encoding="utf-8"?>
+<p:tagLst xmlns:p="http://schemas.openxmlformats.org/presentationml/2006/main">
+  <p:tag name="commondata" val="eyJoZGlkIjoiY2M4NWUzZTA2MzRhYTg2NmU2MGIwZDEyYTIxMDQ1MWUifQ=="/>
+</p:tagLst>
+</file>
+
+<file path=ppt/tags/tag11.xml><?xml version="1.0" encoding="utf-8"?>
+<p:tagLst xmlns:p="http://schemas.openxmlformats.org/presentationml/2006/main">
+  <p:tag name="KSO_WM_BEAUTIFY_FLAG" val=""/>
+</p:tagLst>
+</file>
+
+<file path=ppt/tags/tag12.xml><?xml version="1.0" encoding="utf-8"?>
+<p:tagLst xmlns:p="http://schemas.openxmlformats.org/presentationml/2006/main">
+  <p:tag name="KSO_WM_BEAUTIFY_FLAG" val=""/>
+</p:tagLst>
+</file>
+
+<file path=ppt/tags/tag13.xml><?xml version="1.0" encoding="utf-8"?>
+<p:tagLst xmlns:p="http://schemas.openxmlformats.org/presentationml/2006/main">
+  <p:tag name="KSO_WM_BEAUTIFY_FLAG" val=""/>
+</p:tagLst>
+</file>
+
+<file path=ppt/tags/tag14.xml><?xml version="1.0" encoding="utf-8"?>
+<p:tagLst xmlns:p="http://schemas.openxmlformats.org/presentationml/2006/main">
+  <p:tag name="KSO_WM_BEAUTIFY_FLAG" val=""/>
+</p:tagLst>
+</file>
+
+<file path=ppt/tags/tag15.xml><?xml version="1.0" encoding="utf-8"?>
+<p:tagLst xmlns:p="http://schemas.openxmlformats.org/presentationml/2006/main">
+  <p:tag name="KSO_WM_BEAUTIFY_FLAG" val=""/>
+</p:tagLst>
+</file>
+
+<file path=ppt/tags/tag16.xml><?xml version="1.0" encoding="utf-8"?>
+<p:tagLst xmlns:p="http://schemas.openxmlformats.org/presentationml/2006/main">
+  <p:tag name="KSO_WM_BEAUTIFY_FLAG" val=""/>
+</p:tagLst>
+</file>
+
+<file path=ppt/tags/tag17.xml><?xml version="1.0" encoding="utf-8"?>
+<p:tagLst xmlns:p="http://schemas.openxmlformats.org/presentationml/2006/main">
+  <p:tag name="KSO_WM_BEAUTIFY_FLAG" val=""/>
+</p:tagLst>
+</file>
+
+<file path=ppt/tags/tag18.xml><?xml version="1.0" encoding="utf-8"?>
+<p:tagLst xmlns:p="http://schemas.openxmlformats.org/presentationml/2006/main">
+  <p:tag name="KSO_WM_BEAUTIFY_FLAG" val=""/>
+</p:tagLst>
+</file>
+
+<file path=ppt/tags/tag19.xml><?xml version="1.0" encoding="utf-8"?>
+<p:tagLst xmlns:p="http://schemas.openxmlformats.org/presentationml/2006/main">
+  <p:tag name="KSO_WM_BEAUTIFY_FLAG" val=""/>
+</p:tagLst>
+</file>
+
 <file path=ppt/tags/tag2.xml><?xml version="1.0" encoding="utf-8"?>
 <p:tagLst xmlns:p="http://schemas.openxmlformats.org/presentationml/2006/main">
   <p:tag name="KSO_WM_BEAUTIFY_FLAG" val=""/>
 </p:tagLst>
 </file>
 
+<file path=ppt/tags/tag20.xml><?xml version="1.0" encoding="utf-8"?>
+<p:tagLst xmlns:p="http://schemas.openxmlformats.org/presentationml/2006/main">
+  <p:tag name="KSO_WM_BEAUTIFY_FLAG" val=""/>
+</p:tagLst>
+</file>
+
+<file path=ppt/tags/tag21.xml><?xml version="1.0" encoding="utf-8"?>
+<p:tagLst xmlns:p="http://schemas.openxmlformats.org/presentationml/2006/main">
+  <p:tag name="KSO_WM_BEAUTIFY_FLAG" val=""/>
+</p:tagLst>
+</file>
+
+<file path=ppt/tags/tag22.xml><?xml version="1.0" encoding="utf-8"?>
+<p:tagLst xmlns:p="http://schemas.openxmlformats.org/presentationml/2006/main">
+  <p:tag name="KSO_WM_BEAUTIFY_FLAG" val=""/>
+</p:tagLst>
+</file>
+
+<file path=ppt/tags/tag23.xml><?xml version="1.0" encoding="utf-8"?>
+<p:tagLst xmlns:p="http://schemas.openxmlformats.org/presentationml/2006/main">
+  <p:tag name="KSO_WM_BEAUTIFY_FLAG" val=""/>
+</p:tagLst>
+</file>
+
+<file path=ppt/tags/tag24.xml><?xml version="1.0" encoding="utf-8"?>
+<p:tagLst xmlns:p="http://schemas.openxmlformats.org/presentationml/2006/main">
+  <p:tag name="KSO_WM_BEAUTIFY_FLAG" val=""/>
+</p:tagLst>
+</file>
+
+<file path=ppt/tags/tag25.xml><?xml version="1.0" encoding="utf-8"?>
+<p:tagLst xmlns:p="http://schemas.openxmlformats.org/presentationml/2006/main">
+  <p:tag name="KSO_WM_BEAUTIFY_FLAG" val=""/>
+</p:tagLst>
+</file>
+
+<file path=ppt/tags/tag26.xml><?xml version="1.0" encoding="utf-8"?>
+<p:tagLst xmlns:p="http://schemas.openxmlformats.org/presentationml/2006/main">
+  <p:tag name="KSO_WM_BEAUTIFY_FLAG" val=""/>
+</p:tagLst>
+</file>
+
+<file path=ppt/tags/tag27.xml><?xml version="1.0" encoding="utf-8"?>
+<p:tagLst xmlns:p="http://schemas.openxmlformats.org/presentationml/2006/main">
+  <p:tag name="KSO_WM_BEAUTIFY_FLAG" val=""/>
+</p:tagLst>
+</file>
+
+<file path=ppt/tags/tag28.xml><?xml version="1.0" encoding="utf-8"?>
+<p:tagLst xmlns:p="http://schemas.openxmlformats.org/presentationml/2006/main">
+  <p:tag name="KSO_WM_BEAUTIFY_FLAG" val=""/>
+</p:tagLst>
+</file>
+
+<file path=ppt/tags/tag29.xml><?xml version="1.0" encoding="utf-8"?>
+<p:tagLst xmlns:p="http://schemas.openxmlformats.org/presentationml/2006/main">
+  <p:tag name="KSO_WM_BEAUTIFY_FLAG" val=""/>
+</p:tagLst>
+</file>
+
 <file path=ppt/tags/tag3.xml><?xml version="1.0" encoding="utf-8"?>
 <p:tagLst xmlns:p="http://schemas.openxmlformats.org/presentationml/2006/main">
   <p:tag name="KSO_WM_BEAUTIFY_FLAG" val=""/>
 </p:tagLst>
 </file>
 
+<file path=ppt/tags/tag30.xml><?xml version="1.0" encoding="utf-8"?>
+<p:tagLst xmlns:p="http://schemas.openxmlformats.org/presentationml/2006/main">
+  <p:tag name="KSO_WM_BEAUTIFY_FLAG" val=""/>
+</p:tagLst>
+</file>
+
+<file path=ppt/tags/tag31.xml><?xml version="1.0" encoding="utf-8"?>
+<p:tagLst xmlns:p="http://schemas.openxmlformats.org/presentationml/2006/main">
+  <p:tag name="KSO_WM_BEAUTIFY_FLAG" val=""/>
+</p:tagLst>
+</file>
+
+<file path=ppt/tags/tag32.xml><?xml version="1.0" encoding="utf-8"?>
+<p:tagLst xmlns:p="http://schemas.openxmlformats.org/presentationml/2006/main">
+  <p:tag name="KSO_WM_BEAUTIFY_FLAG" val=""/>
+</p:tagLst>
+</file>
+
+<file path=ppt/tags/tag33.xml><?xml version="1.0" encoding="utf-8"?>
+<p:tagLst xmlns:p="http://schemas.openxmlformats.org/presentationml/2006/main">
+  <p:tag name="KSO_WM_BEAUTIFY_FLAG" val=""/>
+</p:tagLst>
+</file>
+
+<file path=ppt/tags/tag34.xml><?xml version="1.0" encoding="utf-8"?>
+<p:tagLst xmlns:p="http://schemas.openxmlformats.org/presentationml/2006/main">
+  <p:tag name="KSO_WM_BEAUTIFY_FLAG" val=""/>
+</p:tagLst>
+</file>
+
+<file path=ppt/tags/tag35.xml><?xml version="1.0" encoding="utf-8"?>
+<p:tagLst xmlns:p="http://schemas.openxmlformats.org/presentationml/2006/main">
+  <p:tag name="KSO_WM_BEAUTIFY_FLAG" val=""/>
+</p:tagLst>
+</file>
+
+<file path=ppt/tags/tag36.xml><?xml version="1.0" encoding="utf-8"?>
+<p:tagLst xmlns:p="http://schemas.openxmlformats.org/presentationml/2006/main">
+  <p:tag name="KSO_WM_BEAUTIFY_FLAG" val=""/>
+</p:tagLst>
+</file>
+
+<file path=ppt/tags/tag37.xml><?xml version="1.0" encoding="utf-8"?>
+<p:tagLst xmlns:p="http://schemas.openxmlformats.org/presentationml/2006/main">
+  <p:tag name="KSO_WM_BEAUTIFY_FLAG" val=""/>
+</p:tagLst>
+</file>
+
+<file path=ppt/tags/tag38.xml><?xml version="1.0" encoding="utf-8"?>
+<p:tagLst xmlns:p="http://schemas.openxmlformats.org/presentationml/2006/main">
+  <p:tag name="KSO_WM_BEAUTIFY_FLAG" val=""/>
+</p:tagLst>
+</file>
+
+<file path=ppt/tags/tag39.xml><?xml version="1.0" encoding="utf-8"?>
+<p:tagLst xmlns:p="http://schemas.openxmlformats.org/presentationml/2006/main">
+  <p:tag name="KSO_WM_BEAUTIFY_FLAG" val=""/>
+</p:tagLst>
+</file>
+
 <file path=ppt/tags/tag4.xml><?xml version="1.0" encoding="utf-8"?>
 <p:tagLst xmlns:p="http://schemas.openxmlformats.org/presentationml/2006/main">
   <p:tag name="KSO_WM_BEAUTIFY_FLAG" val=""/>
 </p:tagLst>
 </file>
 
+<file path=ppt/tags/tag40.xml><?xml version="1.0" encoding="utf-8"?>
+<p:tagLst xmlns:p="http://schemas.openxmlformats.org/presentationml/2006/main">
+  <p:tag name="KSO_WM_BEAUTIFY_FLAG" val=""/>
+</p:tagLst>
+</file>
+
+<file path=ppt/tags/tag41.xml><?xml version="1.0" encoding="utf-8"?>
+<p:tagLst xmlns:p="http://schemas.openxmlformats.org/presentationml/2006/main">
+  <p:tag name="KSO_WM_BEAUTIFY_FLAG" val=""/>
+</p:tagLst>
+</file>
+
+<file path=ppt/tags/tag42.xml><?xml version="1.0" encoding="utf-8"?>
+<p:tagLst xmlns:p="http://schemas.openxmlformats.org/presentationml/2006/main">
+  <p:tag name="KSO_WM_BEAUTIFY_FLAG" val=""/>
+</p:tagLst>
+</file>
+
+<file path=ppt/tags/tag43.xml><?xml version="1.0" encoding="utf-8"?>
+<p:tagLst xmlns:p="http://schemas.openxmlformats.org/presentationml/2006/main">
+  <p:tag name="KSO_WM_BEAUTIFY_FLAG" val=""/>
+</p:tagLst>
+</file>
+
+<file path=ppt/tags/tag44.xml><?xml version="1.0" encoding="utf-8"?>
+<p:tagLst xmlns:p="http://schemas.openxmlformats.org/presentationml/2006/main">
+  <p:tag name="KSO_WM_BEAUTIFY_FLAG" val=""/>
+</p:tagLst>
+</file>
+
+<file path=ppt/tags/tag45.xml><?xml version="1.0" encoding="utf-8"?>
+<p:tagLst xmlns:p="http://schemas.openxmlformats.org/presentationml/2006/main">
+  <p:tag name="KSO_WM_BEAUTIFY_FLAG" val=""/>
+</p:tagLst>
+</file>
+
+<file path=ppt/tags/tag46.xml><?xml version="1.0" encoding="utf-8"?>
+<p:tagLst xmlns:p="http://schemas.openxmlformats.org/presentationml/2006/main">
+  <p:tag name="KSO_WM_BEAUTIFY_FLAG" val=""/>
+</p:tagLst>
+</file>
+
+<file path=ppt/tags/tag47.xml><?xml version="1.0" encoding="utf-8"?>
+<p:tagLst xmlns:p="http://schemas.openxmlformats.org/presentationml/2006/main">
+  <p:tag name="KSO_WM_BEAUTIFY_FLAG" val=""/>
+</p:tagLst>
+</file>
+
+<file path=ppt/tags/tag48.xml><?xml version="1.0" encoding="utf-8"?>
+<p:tagLst xmlns:p="http://schemas.openxmlformats.org/presentationml/2006/main">
+  <p:tag name="KSO_WM_BEAUTIFY_FLAG" val=""/>
+</p:tagLst>
+</file>
+
+<file path=ppt/tags/tag49.xml><?xml version="1.0" encoding="utf-8"?>
+<p:tagLst xmlns:p="http://schemas.openxmlformats.org/presentationml/2006/main">
+  <p:tag name="KSO_WM_BEAUTIFY_FLAG" val=""/>
+</p:tagLst>
+</file>
+
 <file path=ppt/tags/tag5.xml><?xml version="1.0" encoding="utf-8"?>
 <p:tagLst xmlns:p="http://schemas.openxmlformats.org/presentationml/2006/main">
   <p:tag name="KSO_WM_BEAUTIFY_FLAG" val=""/>
 </p:tagLst>
 </file>
 
+<file path=ppt/tags/tag50.xml><?xml version="1.0" encoding="utf-8"?>
+<p:tagLst xmlns:p="http://schemas.openxmlformats.org/presentationml/2006/main">
+  <p:tag name="KSO_WM_BEAUTIFY_FLAG" val=""/>
+</p:tagLst>
+</file>
+
+<file path=ppt/tags/tag51.xml><?xml version="1.0" encoding="utf-8"?>
+<p:tagLst xmlns:p="http://schemas.openxmlformats.org/presentationml/2006/main">
+  <p:tag name="KSO_WM_BEAUTIFY_FLAG" val=""/>
+</p:tagLst>
+</file>
+
+<file path=ppt/tags/tag52.xml><?xml version="1.0" encoding="utf-8"?>
+<p:tagLst xmlns:p="http://schemas.openxmlformats.org/presentationml/2006/main">
+  <p:tag name="KSO_WM_BEAUTIFY_FLAG" val=""/>
+</p:tagLst>
+</file>
+
+<file path=ppt/tags/tag53.xml><?xml version="1.0" encoding="utf-8"?>
+<p:tagLst xmlns:p="http://schemas.openxmlformats.org/presentationml/2006/main">
+  <p:tag name="KSO_WM_BEAUTIFY_FLAG" val=""/>
+</p:tagLst>
+</file>
+
+<file path=ppt/tags/tag54.xml><?xml version="1.0" encoding="utf-8"?>
+<p:tagLst xmlns:p="http://schemas.openxmlformats.org/presentationml/2006/main">
+  <p:tag name="KSO_WM_BEAUTIFY_FLAG" val=""/>
+</p:tagLst>
+</file>
+
+<file path=ppt/tags/tag55.xml><?xml version="1.0" encoding="utf-8"?>
+<p:tagLst xmlns:p="http://schemas.openxmlformats.org/presentationml/2006/main">
+  <p:tag name="KSO_WM_BEAUTIFY_FLAG" val=""/>
+</p:tagLst>
+</file>
+
+<file path=ppt/tags/tag56.xml><?xml version="1.0" encoding="utf-8"?>
+<p:tagLst xmlns:p="http://schemas.openxmlformats.org/presentationml/2006/main">
+  <p:tag name="KSO_WM_BEAUTIFY_FLAG" val=""/>
+</p:tagLst>
+</file>
+
+<file path=ppt/tags/tag57.xml><?xml version="1.0" encoding="utf-8"?>
+<p:tagLst xmlns:p="http://schemas.openxmlformats.org/presentationml/2006/main">
+  <p:tag name="KSO_WM_BEAUTIFY_FLAG" val=""/>
+</p:tagLst>
+</file>
+
+<file path=ppt/tags/tag58.xml><?xml version="1.0" encoding="utf-8"?>
+<p:tagLst xmlns:p="http://schemas.openxmlformats.org/presentationml/2006/main">
+  <p:tag name="KSO_WM_BEAUTIFY_FLAG" val=""/>
+</p:tagLst>
+</file>
+
+<file path=ppt/tags/tag59.xml><?xml version="1.0" encoding="utf-8"?>
+<p:tagLst xmlns:p="http://schemas.openxmlformats.org/presentationml/2006/main">
+  <p:tag name="KSO_WM_BEAUTIFY_FLAG" val=""/>
+</p:tagLst>
+</file>
+
 <file path=ppt/tags/tag6.xml><?xml version="1.0" encoding="utf-8"?>
 <p:tagLst xmlns:p="http://schemas.openxmlformats.org/presentationml/2006/main">
   <p:tag name="KSO_WM_BEAUTIFY_FLAG" val=""/>
 </p:tagLst>
 </file>
 
+<file path=ppt/tags/tag60.xml><?xml version="1.0" encoding="utf-8"?>
+<p:tagLst xmlns:p="http://schemas.openxmlformats.org/presentationml/2006/main">
+  <p:tag name="KSO_WM_BEAUTIFY_FLAG" val=""/>
+</p:tagLst>
+</file>
+
+<file path=ppt/tags/tag61.xml><?xml version="1.0" encoding="utf-8"?>
+<p:tagLst xmlns:p="http://schemas.openxmlformats.org/presentationml/2006/main">
+  <p:tag name="KSO_WM_BEAUTIFY_FLAG" val=""/>
+</p:tagLst>
+</file>
+
+<file path=ppt/tags/tag62.xml><?xml version="1.0" encoding="utf-8"?>
+<p:tagLst xmlns:p="http://schemas.openxmlformats.org/presentationml/2006/main">
+  <p:tag name="KSO_WM_BEAUTIFY_FLAG" val=""/>
+</p:tagLst>
+</file>
+
+<file path=ppt/tags/tag63.xml><?xml version="1.0" encoding="utf-8"?>
+<p:tagLst xmlns:p="http://schemas.openxmlformats.org/presentationml/2006/main">
+  <p:tag name="KSO_WM_BEAUTIFY_FLAG" val=""/>
+</p:tagLst>
+</file>
+
+<file path=ppt/tags/tag64.xml><?xml version="1.0" encoding="utf-8"?>
+<p:tagLst xmlns:p="http://schemas.openxmlformats.org/presentationml/2006/main">
+  <p:tag name="KSO_WM_BEAUTIFY_FLAG" val=""/>
+</p:tagLst>
+</file>
+
+<file path=ppt/tags/tag65.xml><?xml version="1.0" encoding="utf-8"?>
+<p:tagLst xmlns:p="http://schemas.openxmlformats.org/presentationml/2006/main">
+  <p:tag name="KSO_WM_BEAUTIFY_FLAG" val=""/>
+</p:tagLst>
+</file>
+
+<file path=ppt/tags/tag66.xml><?xml version="1.0" encoding="utf-8"?>
+<p:tagLst xmlns:p="http://schemas.openxmlformats.org/presentationml/2006/main">
+  <p:tag name="KSO_WM_BEAUTIFY_FLAG" val=""/>
+</p:tagLst>
+</file>
+
+<file path=ppt/tags/tag67.xml><?xml version="1.0" encoding="utf-8"?>
+<p:tagLst xmlns:p="http://schemas.openxmlformats.org/presentationml/2006/main">
+  <p:tag name="KSO_WM_BEAUTIFY_FLAG" val=""/>
+</p:tagLst>
+</file>
+
+<file path=ppt/tags/tag68.xml><?xml version="1.0" encoding="utf-8"?>
+<p:tagLst xmlns:p="http://schemas.openxmlformats.org/presentationml/2006/main">
+  <p:tag name="KSO_WM_BEAUTIFY_FLAG" val=""/>
+</p:tagLst>
+</file>
+
+<file path=ppt/tags/tag69.xml><?xml version="1.0" encoding="utf-8"?>
+<p:tagLst xmlns:p="http://schemas.openxmlformats.org/presentationml/2006/main">
+  <p:tag name="KSO_WM_BEAUTIFY_FLAG" val=""/>
+</p:tagLst>
+</file>
+
 <file path=ppt/tags/tag7.xml><?xml version="1.0" encoding="utf-8"?>
 <p:tagLst xmlns:p="http://schemas.openxmlformats.org/presentationml/2006/main">
   <p:tag name="KSO_WM_BEAUTIFY_FLAG" val=""/>
 </p:tagLst>
 </file>
 
+<file path=ppt/tags/tag70.xml><?xml version="1.0" encoding="utf-8"?>
+<p:tagLst xmlns:p="http://schemas.openxmlformats.org/presentationml/2006/main">
+  <p:tag name="KSO_WM_BEAUTIFY_FLAG" val=""/>
+</p:tagLst>
+</file>
+
+<file path=ppt/tags/tag71.xml><?xml version="1.0" encoding="utf-8"?>
+<p:tagLst xmlns:p="http://schemas.openxmlformats.org/presentationml/2006/main">
+  <p:tag name="KSO_WM_BEAUTIFY_FLAG" val=""/>
+</p:tagLst>
+</file>
+
+<file path=ppt/tags/tag72.xml><?xml version="1.0" encoding="utf-8"?>
+<p:tagLst xmlns:p="http://schemas.openxmlformats.org/presentationml/2006/main">
+  <p:tag name="KSO_WM_BEAUTIFY_FLAG" val=""/>
+</p:tagLst>
+</file>
+
+<file path=ppt/tags/tag73.xml><?xml version="1.0" encoding="utf-8"?>
+<p:tagLst xmlns:p="http://schemas.openxmlformats.org/presentationml/2006/main">
+  <p:tag name="KSO_WM_BEAUTIFY_FLAG" val=""/>
+</p:tagLst>
+</file>
+
+<file path=ppt/tags/tag74.xml><?xml version="1.0" encoding="utf-8"?>
+<p:tagLst xmlns:p="http://schemas.openxmlformats.org/presentationml/2006/main">
+  <p:tag name="KSO_WM_BEAUTIFY_FLAG" val=""/>
+</p:tagLst>
+</file>
+
+<file path=ppt/tags/tag75.xml><?xml version="1.0" encoding="utf-8"?>
+<p:tagLst xmlns:p="http://schemas.openxmlformats.org/presentationml/2006/main">
+  <p:tag name="KSO_WM_BEAUTIFY_FLAG" val=""/>
+</p:tagLst>
+</file>
+
+<file path=ppt/tags/tag76.xml><?xml version="1.0" encoding="utf-8"?>
+<p:tagLst xmlns:p="http://schemas.openxmlformats.org/presentationml/2006/main">
+  <p:tag name="KSO_WM_BEAUTIFY_FLAG" val=""/>
+</p:tagLst>
+</file>
+
+<file path=ppt/tags/tag77.xml><?xml version="1.0" encoding="utf-8"?>
+<p:tagLst xmlns:p="http://schemas.openxmlformats.org/presentationml/2006/main">
+  <p:tag name="KSO_WM_BEAUTIFY_FLAG" val=""/>
+</p:tagLst>
+</file>
+
+<file path=ppt/tags/tag78.xml><?xml version="1.0" encoding="utf-8"?>
+<p:tagLst xmlns:p="http://schemas.openxmlformats.org/presentationml/2006/main">
+  <p:tag name="KSO_WM_BEAUTIFY_FLAG" val=""/>
+</p:tagLst>
+</file>
+
+<file path=ppt/tags/tag79.xml><?xml version="1.0" encoding="utf-8"?>
+<p:tagLst xmlns:p="http://schemas.openxmlformats.org/presentationml/2006/main">
+  <p:tag name="KSO_WM_BEAUTIFY_FLAG" val=""/>
+</p:tagLst>
+</file>
+
 <file path=ppt/tags/tag8.xml><?xml version="1.0" encoding="utf-8"?>
 <p:tagLst xmlns:p="http://schemas.openxmlformats.org/presentationml/2006/main">
-  <p:tag name="commondata" val="eyJoZGlkIjoiY2M4NWUzZTA2MzRhYTg2NmU2MGIwZDEyYTIxMDQ1MWUifQ=="/>
+  <p:tag name="KSO_WM_BEAUTIFY_FLAG" val=""/>
+</p:tagLst>
+</file>
+
+<file path=ppt/tags/tag80.xml><?xml version="1.0" encoding="utf-8"?>
+<p:tagLst xmlns:p="http://schemas.openxmlformats.org/presentationml/2006/main">
+  <p:tag name="KSO_WM_BEAUTIFY_FLAG" val=""/>
+</p:tagLst>
+</file>
+
+<file path=ppt/tags/tag81.xml><?xml version="1.0" encoding="utf-8"?>
+<p:tagLst xmlns:p="http://schemas.openxmlformats.org/presentationml/2006/main">
+  <p:tag name="KSO_WM_BEAUTIFY_FLAG" val=""/>
+</p:tagLst>
+</file>
+
+<file path=ppt/tags/tag82.xml><?xml version="1.0" encoding="utf-8"?>
+<p:tagLst xmlns:p="http://schemas.openxmlformats.org/presentationml/2006/main">
+  <p:tag name="KSO_WM_BEAUTIFY_FLAG" val=""/>
+</p:tagLst>
+</file>
+
+<file path=ppt/tags/tag83.xml><?xml version="1.0" encoding="utf-8"?>
+<p:tagLst xmlns:p="http://schemas.openxmlformats.org/presentationml/2006/main">
+  <p:tag name="KSO_WM_BEAUTIFY_FLAG" val=""/>
+</p:tagLst>
+</file>
+
+<file path=ppt/tags/tag84.xml><?xml version="1.0" encoding="utf-8"?>
+<p:tagLst xmlns:p="http://schemas.openxmlformats.org/presentationml/2006/main">
+  <p:tag name="KSO_WM_BEAUTIFY_FLAG" val=""/>
+</p:tagLst>
+</file>
+
+<file path=ppt/tags/tag85.xml><?xml version="1.0" encoding="utf-8"?>
+<p:tagLst xmlns:p="http://schemas.openxmlformats.org/presentationml/2006/main">
+  <p:tag name="KSO_WM_BEAUTIFY_FLAG" val=""/>
+</p:tagLst>
+</file>
+
+<file path=ppt/tags/tag86.xml><?xml version="1.0" encoding="utf-8"?>
+<p:tagLst xmlns:p="http://schemas.openxmlformats.org/presentationml/2006/main">
+  <p:tag name="KSO_WM_BEAUTIFY_FLAG" val=""/>
+</p:tagLst>
+</file>
+
+<file path=ppt/tags/tag87.xml><?xml version="1.0" encoding="utf-8"?>
+<p:tagLst xmlns:p="http://schemas.openxmlformats.org/presentationml/2006/main">
+  <p:tag name="KSO_WM_BEAUTIFY_FLAG" val=""/>
+</p:tagLst>
+</file>
+
+<file path=ppt/tags/tag88.xml><?xml version="1.0" encoding="utf-8"?>
+<p:tagLst xmlns:p="http://schemas.openxmlformats.org/presentationml/2006/main">
+  <p:tag name="KSO_WM_BEAUTIFY_FLAG" val=""/>
+</p:tagLst>
+</file>
+
+<file path=ppt/tags/tag89.xml><?xml version="1.0" encoding="utf-8"?>
+<p:tagLst xmlns:p="http://schemas.openxmlformats.org/presentationml/2006/main">
+  <p:tag name="KSO_WM_BEAUTIFY_FLAG" val=""/>
+</p:tagLst>
+</file>
+
+<file path=ppt/tags/tag9.xml><?xml version="1.0" encoding="utf-8"?>
+<p:tagLst xmlns:p="http://schemas.openxmlformats.org/presentationml/2006/main">
+  <p:tag name="KSO_WM_BEAUTIFY_FLAG" val=""/>
+</p:tagLst>
+</file>
+
+<file path=ppt/tags/tag90.xml><?xml version="1.0" encoding="utf-8"?>
+<p:tagLst xmlns:p="http://schemas.openxmlformats.org/presentationml/2006/main">
+  <p:tag name="KSO_WM_BEAUTIFY_FLAG" val=""/>
+</p:tagLst>
+</file>
+
+<file path=ppt/tags/tag91.xml><?xml version="1.0" encoding="utf-8"?>
+<p:tagLst xmlns:p="http://schemas.openxmlformats.org/presentationml/2006/main">
+  <p:tag name="KSO_WM_BEAUTIFY_FLAG" val=""/>
+</p:tagLst>
+</file>
+
+<file path=ppt/tags/tag92.xml><?xml version="1.0" encoding="utf-8"?>
+<p:tagLst xmlns:p="http://schemas.openxmlformats.org/presentationml/2006/main">
+  <p:tag name="KSO_WM_BEAUTIFY_FLAG" val=""/>
+</p:tagLst>
+</file>
+
+<file path=ppt/tags/tag93.xml><?xml version="1.0" encoding="utf-8"?>
+<p:tagLst xmlns:p="http://schemas.openxmlformats.org/presentationml/2006/main">
+  <p:tag name="KSO_WM_BEAUTIFY_FLAG" val=""/>
+</p:tagLst>
+</file>
+
+<file path=ppt/tags/tag94.xml><?xml version="1.0" encoding="utf-8"?>
+<p:tagLst xmlns:p="http://schemas.openxmlformats.org/presentationml/2006/main">
+  <p:tag name="KSO_WM_BEAUTIFY_FLAG" val=""/>
+</p:tagLst>
+</file>
+
+<file path=ppt/tags/tag95.xml><?xml version="1.0" encoding="utf-8"?>
+<p:tagLst xmlns:p="http://schemas.openxmlformats.org/presentationml/2006/main">
+  <p:tag name="KSO_WM_BEAUTIFY_FLAG" val=""/>
+</p:tagLst>
+</file>
+
+<file path=ppt/tags/tag96.xml><?xml version="1.0" encoding="utf-8"?>
+<p:tagLst xmlns:p="http://schemas.openxmlformats.org/presentationml/2006/main">
+  <p:tag name="KSO_WM_BEAUTIFY_FLAG" val=""/>
+</p:tagLst>
+</file>
+
+<file path=ppt/tags/tag97.xml><?xml version="1.0" encoding="utf-8"?>
+<p:tagLst xmlns:p="http://schemas.openxmlformats.org/presentationml/2006/main">
+  <p:tag name="KSO_WM_BEAUTIFY_FLAG" val=""/>
+</p:tagLst>
+</file>
+
+<file path=ppt/tags/tag98.xml><?xml version="1.0" encoding="utf-8"?>
+<p:tagLst xmlns:p="http://schemas.openxmlformats.org/presentationml/2006/main">
+  <p:tag name="KSO_WM_BEAUTIFY_FLAG" val=""/>
+</p:tagLst>
+</file>
+
+<file path=ppt/tags/tag99.xml><?xml version="1.0" encoding="utf-8"?>
+<p:tagLst xmlns:p="http://schemas.openxmlformats.org/presentationml/2006/main">
+  <p:tag name="KSO_WM_BEAUTIFY_FLAG" val=""/>
 </p:tagLst>
 </file>
 
